--- a/presentations/Présentation_groupe_MEI.pptx
+++ b/presentations/Présentation_groupe_MEI.pptx
@@ -153,7 +153,7 @@
 
 <file path=ppt/commentAuthors.xml><?xml version="1.0" encoding="utf-8"?>
 <p:cmAuthorLst xmlns:a="http://schemas.openxmlformats.org/drawingml/2006/main" xmlns:r="http://schemas.openxmlformats.org/officeDocument/2006/relationships" xmlns:p="http://schemas.openxmlformats.org/presentationml/2006/main">
-  <p:cmAuthor id="1" name="Microsoft Office User" initials="MOU" lastIdx="10" clrIdx="0"/>
+  <p:cmAuthor id="1" name="Microsoft Office User" initials="MOU" lastIdx="31" clrIdx="0"/>
   <p:cmAuthor id="2" name="Regina Sophie Reiland" initials="RSR" lastIdx="4" clrIdx="1">
     <p:extLst>
       <p:ext uri="{19B8F6BF-5375-455C-9EA6-DF929625EA0E}">
@@ -166,6 +166,40 @@
 
 <file path=ppt/comments/comment1.xml><?xml version="1.0" encoding="utf-8"?>
 <p:cmLst xmlns:a="http://schemas.openxmlformats.org/drawingml/2006/main" xmlns:r="http://schemas.openxmlformats.org/officeDocument/2006/relationships" xmlns:p="http://schemas.openxmlformats.org/presentationml/2006/main">
+  <p:cm authorId="1" dt="2024-06-09T19:39:39.713" idx="20">
+    <p:pos x="2425" y="1354"/>
+    <p:text>"Vielleicht bessert: "Aperçu: nos 4 questions"</p:text>
+    <p:extLst>
+      <p:ext uri="{C676402C-5697-4E1C-873F-D02D1690AC5C}">
+        <p15:threadingInfo xmlns:p15="http://schemas.microsoft.com/office/powerpoint/2012/main" timeZoneBias="-120"/>
+      </p:ext>
+    </p:extLst>
+  </p:cm>
+  <p:cm authorId="1" dt="2024-06-09T19:40:10.038" idx="21">
+    <p:pos x="1991" y="1637"/>
+    <p:text>Das ist etwas Redundant: Ich würde sagen: "Nos réponses provisoires". Dann würde ich auch nicht die 4 oder 5 Probleme hier aufführen um die Wiederholung später zu vermeiden. Sage einfach, dass wir x Fragen haben und dass wir gerne Feedback haben möchten. </p:text>
+    <p:extLst>
+      <p:ext uri="{C676402C-5697-4E1C-873F-D02D1690AC5C}">
+        <p15:threadingInfo xmlns:p15="http://schemas.microsoft.com/office/powerpoint/2012/main" timeZoneBias="-120"/>
+      </p:ext>
+    </p:extLst>
+  </p:cm>
+  <p:cm authorId="1" dt="2024-06-09T19:41:34.399" idx="22">
+    <p:pos x="1991" y="1773"/>
+    <p:text>Wichtig ist hi</p:text>
+    <p:extLst>
+      <p:ext uri="{C676402C-5697-4E1C-873F-D02D1690AC5C}">
+        <p15:threadingInfo xmlns:p15="http://schemas.microsoft.com/office/powerpoint/2012/main" timeZoneBias="-120">
+          <p15:parentCm authorId="1" idx="21"/>
+        </p15:threadingInfo>
+      </p:ext>
+    </p:extLst>
+  </p:cm>
+</p:cmLst>
+</file>
+
+<file path=ppt/comments/comment10.xml><?xml version="1.0" encoding="utf-8"?>
+<p:cmLst xmlns:a="http://schemas.openxmlformats.org/drawingml/2006/main" xmlns:r="http://schemas.openxmlformats.org/officeDocument/2006/relationships" xmlns:p="http://schemas.openxmlformats.org/presentationml/2006/main">
   <p:cm authorId="2" dt="2024-06-07T17:50:46.487" idx="4">
     <p:pos x="10" y="10"/>
     <p:text>Je ne suis pas sûre si j'ai bien compris quelle question nous voulons demander ici. Est-ce que cela n'est pas identique avec la question avant ?</p:text>
@@ -175,10 +209,21 @@
       </p:ext>
     </p:extLst>
   </p:cm>
+  <p:cm authorId="1" dt="2024-06-09T19:35:44.029" idx="18">
+    <p:pos x="10" y="146"/>
+    <p:text>Das war glaube ich keine eigenständige  Frage sondern nur eine Erklärung der Frage zum Verhältnis von Quelle und Manifestation.</p:text>
+    <p:extLst>
+      <p:ext uri="{C676402C-5697-4E1C-873F-D02D1690AC5C}">
+        <p15:threadingInfo xmlns:p15="http://schemas.microsoft.com/office/powerpoint/2012/main" timeZoneBias="-120">
+          <p15:parentCm authorId="2" idx="4"/>
+        </p15:threadingInfo>
+      </p:ext>
+    </p:extLst>
+  </p:cm>
 </p:cmLst>
 </file>
 
-<file path=ppt/comments/comment2.xml><?xml version="1.0" encoding="utf-8"?>
+<file path=ppt/comments/comment11.xml><?xml version="1.0" encoding="utf-8"?>
 <p:cmLst xmlns:a="http://schemas.openxmlformats.org/drawingml/2006/main" xmlns:r="http://schemas.openxmlformats.org/officeDocument/2006/relationships" xmlns:p="http://schemas.openxmlformats.org/presentationml/2006/main">
   <p:cm authorId="1" dt="2024-06-06T13:49:56.960" idx="1">
     <p:pos x="10" y="10"/>
@@ -256,7 +301,7 @@
 </p:cmLst>
 </file>
 
-<file path=ppt/comments/comment3.xml><?xml version="1.0" encoding="utf-8"?>
+<file path=ppt/comments/comment12.xml><?xml version="1.0" encoding="utf-8"?>
 <p:cmLst xmlns:a="http://schemas.openxmlformats.org/drawingml/2006/main" xmlns:r="http://schemas.openxmlformats.org/officeDocument/2006/relationships" xmlns:p="http://schemas.openxmlformats.org/presentationml/2006/main">
   <p:cm authorId="1" dt="2024-06-06T14:14:45.635" idx="9">
     <p:pos x="5201" y="2304"/>
@@ -273,6 +318,196 @@
     <p:extLst>
       <p:ext uri="{C676402C-5697-4E1C-873F-D02D1690AC5C}">
         <p15:threadingInfo xmlns:p15="http://schemas.microsoft.com/office/powerpoint/2012/main" timeZoneBias="-120"/>
+      </p:ext>
+    </p:extLst>
+  </p:cm>
+</p:cmLst>
+</file>
+
+<file path=ppt/comments/comment2.xml><?xml version="1.0" encoding="utf-8"?>
+<p:cmLst xmlns:a="http://schemas.openxmlformats.org/drawingml/2006/main" xmlns:r="http://schemas.openxmlformats.org/officeDocument/2006/relationships" xmlns:p="http://schemas.openxmlformats.org/presentationml/2006/main">
+  <p:cm authorId="1" dt="2024-06-09T19:48:00.852" idx="23">
+    <p:pos x="10" y="10"/>
+    <p:text>Mach es Sinn einen kurzen Ausschnitt zu hören ?</p:text>
+    <p:extLst>
+      <p:ext uri="{C676402C-5697-4E1C-873F-D02D1690AC5C}">
+        <p15:threadingInfo xmlns:p15="http://schemas.microsoft.com/office/powerpoint/2012/main" timeZoneBias="-120"/>
+      </p:ext>
+    </p:extLst>
+  </p:cm>
+  <p:cm authorId="1" dt="2024-06-09T19:48:31.587" idx="24">
+    <p:pos x="10" y="146"/>
+    <p:text>Das kennst Du wohl (:-)): https://www.youtube.com/watch?v=lPaKe_2Gj5A&amp;list=RDlPaKe_2Gj5A&amp;start_radio=1</p:text>
+    <p:extLst>
+      <p:ext uri="{C676402C-5697-4E1C-873F-D02D1690AC5C}">
+        <p15:threadingInfo xmlns:p15="http://schemas.microsoft.com/office/powerpoint/2012/main" timeZoneBias="-120">
+          <p15:parentCm authorId="1" idx="23"/>
+        </p15:threadingInfo>
+      </p:ext>
+    </p:extLst>
+  </p:cm>
+</p:cmLst>
+</file>
+
+<file path=ppt/comments/comment3.xml><?xml version="1.0" encoding="utf-8"?>
+<p:cmLst xmlns:a="http://schemas.openxmlformats.org/drawingml/2006/main" xmlns:r="http://schemas.openxmlformats.org/officeDocument/2006/relationships" xmlns:p="http://schemas.openxmlformats.org/presentationml/2006/main">
+  <p:cm authorId="1" dt="2024-06-09T19:33:31.007" idx="16">
+    <p:pos x="7013" y="1112"/>
+    <p:text>Ich würde die Fragen durchnummerieren.</p:text>
+    <p:extLst>
+      <p:ext uri="{C676402C-5697-4E1C-873F-D02D1690AC5C}">
+        <p15:threadingInfo xmlns:p15="http://schemas.microsoft.com/office/powerpoint/2012/main" timeZoneBias="-120"/>
+      </p:ext>
+    </p:extLst>
+  </p:cm>
+  <p:cm authorId="1" dt="2024-06-09T19:33:57.682" idx="17">
+    <p:pos x="3193" y="495"/>
+    <p:text>Am besten durchnummerieren. </p:text>
+    <p:extLst>
+      <p:ext uri="{C676402C-5697-4E1C-873F-D02D1690AC5C}">
+        <p15:threadingInfo xmlns:p15="http://schemas.microsoft.com/office/powerpoint/2012/main" timeZoneBias="-120"/>
+      </p:ext>
+    </p:extLst>
+  </p:cm>
+  <p:cm authorId="1" dt="2024-06-09T19:53:11.500" idx="25">
+    <p:pos x="6437" y="1829"/>
+    <p:text>Hier Frage 5 oder alternativ  (wie du magot) : "Comment restituer l'organisation logique du fac-similé, par exemple pour renvoyer à des sections particulières (partie de hautbois, etc.) ?  </p:text>
+    <p:extLst>
+      <p:ext uri="{C676402C-5697-4E1C-873F-D02D1690AC5C}">
+        <p15:threadingInfo xmlns:p15="http://schemas.microsoft.com/office/powerpoint/2012/main" timeZoneBias="-120"/>
+      </p:ext>
+    </p:extLst>
+  </p:cm>
+  <p:cm authorId="1" dt="2024-06-09T19:55:53.132" idx="26">
+    <p:pos x="4295" y="2294"/>
+    <p:text>Ich glaube das Problem ist allgemeiner zu fassen: "Comment gérer les relations complexes entre &lt;facsimile&gt; (deux sources musicales) et &lt;body&gt; (une édition) ?</p:text>
+    <p:extLst>
+      <p:ext uri="{C676402C-5697-4E1C-873F-D02D1690AC5C}">
+        <p15:threadingInfo xmlns:p15="http://schemas.microsoft.com/office/powerpoint/2012/main" timeZoneBias="-120"/>
+      </p:ext>
+    </p:extLst>
+  </p:cm>
+  <p:cm authorId="1" dt="2024-06-09T20:05:46.654" idx="28">
+    <p:pos x="7013" y="2577"/>
+    <p:text>Das ist Frage 3 nur präziser formuliert... </p:text>
+    <p:extLst>
+      <p:ext uri="{C676402C-5697-4E1C-873F-D02D1690AC5C}">
+        <p15:threadingInfo xmlns:p15="http://schemas.microsoft.com/office/powerpoint/2012/main" timeZoneBias="-120"/>
+      </p:ext>
+    </p:extLst>
+  </p:cm>
+</p:cmLst>
+</file>
+
+<file path=ppt/comments/comment4.xml><?xml version="1.0" encoding="utf-8"?>
+<p:cmLst xmlns:a="http://schemas.openxmlformats.org/drawingml/2006/main" xmlns:r="http://schemas.openxmlformats.org/officeDocument/2006/relationships" xmlns:p="http://schemas.openxmlformats.org/presentationml/2006/main">
+  <p:cm authorId="1" dt="2024-06-09T20:09:24.441" idx="29">
+    <p:pos x="6366" y="1465"/>
+    <p:text>Ich würde hier die Fragen zitieren. </p:text>
+    <p:extLst>
+      <p:ext uri="{C676402C-5697-4E1C-873F-D02D1690AC5C}">
+        <p15:threadingInfo xmlns:p15="http://schemas.microsoft.com/office/powerpoint/2012/main" timeZoneBias="-120"/>
+      </p:ext>
+    </p:extLst>
+  </p:cm>
+</p:cmLst>
+</file>
+
+<file path=ppt/comments/comment5.xml><?xml version="1.0" encoding="utf-8"?>
+<p:cmLst xmlns:a="http://schemas.openxmlformats.org/drawingml/2006/main" xmlns:r="http://schemas.openxmlformats.org/officeDocument/2006/relationships" xmlns:p="http://schemas.openxmlformats.org/presentationml/2006/main">
+  <p:cm authorId="1" dt="2024-06-09T19:18:56.632" idx="11">
+    <p:pos x="10" y="10"/>
+    <p:text>Das würde ich nicht unbedingt zeigen.  Vielleicht für die Zusatzfolien, wenn kein Kommentar kommt.</p:text>
+    <p:extLst>
+      <p:ext uri="{C676402C-5697-4E1C-873F-D02D1690AC5C}">
+        <p15:threadingInfo xmlns:p15="http://schemas.microsoft.com/office/powerpoint/2012/main" timeZoneBias="-120"/>
+      </p:ext>
+    </p:extLst>
+  </p:cm>
+</p:cmLst>
+</file>
+
+<file path=ppt/comments/comment6.xml><?xml version="1.0" encoding="utf-8"?>
+<p:cmLst xmlns:a="http://schemas.openxmlformats.org/drawingml/2006/main" xmlns:r="http://schemas.openxmlformats.org/officeDocument/2006/relationships" xmlns:p="http://schemas.openxmlformats.org/presentationml/2006/main">
+  <p:cm authorId="1" dt="2024-06-09T20:12:07.134" idx="30">
+    <p:pos x="6579" y="2334"/>
+    <p:text>Vielleicht aber auch sagen, dass Quelle B ebenfalls berücksichtigt wird.... "... et la partition générale (source B) de source secondaire". </p:text>
+    <p:extLst>
+      <p:ext uri="{C676402C-5697-4E1C-873F-D02D1690AC5C}">
+        <p15:threadingInfo xmlns:p15="http://schemas.microsoft.com/office/powerpoint/2012/main" timeZoneBias="-120"/>
+      </p:ext>
+    </p:extLst>
+  </p:cm>
+</p:cmLst>
+</file>
+
+<file path=ppt/comments/comment7.xml><?xml version="1.0" encoding="utf-8"?>
+<p:cmLst xmlns:a="http://schemas.openxmlformats.org/drawingml/2006/main" xmlns:r="http://schemas.openxmlformats.org/officeDocument/2006/relationships" xmlns:p="http://schemas.openxmlformats.org/presentationml/2006/main">
+  <p:cm authorId="1" dt="2024-06-09T20:13:54.285" idx="31">
+    <p:pos x="10" y="10"/>
+    <p:text>Um Zeit zu sparen würde ich das weglassen. Es geht ja darum von ihnen informatisches Feedback (und nicht musikwissenschaftliches) zu bekommen.  </p:text>
+    <p:extLst>
+      <p:ext uri="{C676402C-5697-4E1C-873F-D02D1690AC5C}">
+        <p15:threadingInfo xmlns:p15="http://schemas.microsoft.com/office/powerpoint/2012/main" timeZoneBias="-120"/>
+      </p:ext>
+    </p:extLst>
+  </p:cm>
+</p:cmLst>
+</file>
+
+<file path=ppt/comments/comment8.xml><?xml version="1.0" encoding="utf-8"?>
+<p:cmLst xmlns:a="http://schemas.openxmlformats.org/drawingml/2006/main" xmlns:r="http://schemas.openxmlformats.org/officeDocument/2006/relationships" xmlns:p="http://schemas.openxmlformats.org/presentationml/2006/main">
+  <p:cm authorId="1" dt="2024-06-09T19:21:40.650" idx="12">
+    <p:pos x="6890" y="1695"/>
+    <p:text>Auch "(MEI 5.0. Guidelines)"...</p:text>
+    <p:extLst>
+      <p:ext uri="{C676402C-5697-4E1C-873F-D02D1690AC5C}">
+        <p15:threadingInfo xmlns:p15="http://schemas.microsoft.com/office/powerpoint/2012/main" timeZoneBias="-120"/>
+      </p:ext>
+    </p:extLst>
+  </p:cm>
+  <p:cm authorId="1" dt="2024-06-09T20:03:59.969" idx="27">
+    <p:pos x="7049" y="1499"/>
+    <p:text>Wahrscheinlich werden sie uns sagen, dass manifestation 1 unterteilt werden muss: manifestation 1a und 1b... </p:text>
+    <p:extLst>
+      <p:ext uri="{C676402C-5697-4E1C-873F-D02D1690AC5C}">
+        <p15:threadingInfo xmlns:p15="http://schemas.microsoft.com/office/powerpoint/2012/main" timeZoneBias="-120"/>
+      </p:ext>
+    </p:extLst>
+  </p:cm>
+</p:cmLst>
+</file>
+
+<file path=ppt/comments/comment9.xml><?xml version="1.0" encoding="utf-8"?>
+<p:cmLst xmlns:a="http://schemas.openxmlformats.org/drawingml/2006/main" xmlns:r="http://schemas.openxmlformats.org/officeDocument/2006/relationships" xmlns:p="http://schemas.openxmlformats.org/presentationml/2006/main">
+  <p:cm authorId="1" dt="2024-06-09T19:27:12.354" idx="13">
+    <p:pos x="6619" y="1354"/>
+    <p:text>Hier verstehe ich die Alternative "ou" nicht, bzw., die Darstellung ist etwas verwirrend,  </p:text>
+    <p:extLst>
+      <p:ext uri="{C676402C-5697-4E1C-873F-D02D1690AC5C}">
+        <p15:threadingInfo xmlns:p15="http://schemas.microsoft.com/office/powerpoint/2012/main" timeZoneBias="-120"/>
+      </p:ext>
+    </p:extLst>
+  </p:cm>
+  <p:cm authorId="1" dt="2024-06-09T19:31:51.383" idx="14">
+    <p:pos x="6619" y="1490"/>
+    <p:text>@type: warum "sourceFristPageHornII", warum nicht einfach "HornII" ? Das @facs gibt ja die genaue Stelle an. @type solle ja nur die Stimme allgemein auszeichnen.</p:text>
+    <p:extLst>
+      <p:ext uri="{C676402C-5697-4E1C-873F-D02D1690AC5C}">
+        <p15:threadingInfo xmlns:p15="http://schemas.microsoft.com/office/powerpoint/2012/main" timeZoneBias="-120">
+          <p15:parentCm authorId="1" idx="13"/>
+        </p15:threadingInfo>
+      </p:ext>
+    </p:extLst>
+  </p:cm>
+  <p:cm authorId="1" dt="2024-06-09T19:32:45.480" idx="15">
+    <p:pos x="6619" y="1626"/>
+    <p:text>Wenn wir mit @çorresp auf den entsprechenden Abschnitt des Faksimiles verweisen können ist auch @type nicht mehr nötig (Frage 3).</p:text>
+    <p:extLst>
+      <p:ext uri="{C676402C-5697-4E1C-873F-D02D1690AC5C}">
+        <p15:threadingInfo xmlns:p15="http://schemas.microsoft.com/office/powerpoint/2012/main" timeZoneBias="-120">
+          <p15:parentCm authorId="1" idx="13"/>
+        </p15:threadingInfo>
       </p:ext>
     </p:extLst>
   </p:cm>
@@ -361,7 +596,7 @@
           <a:p>
             <a:fld id="{D61DAB5A-11BB-49B9-85FC-3A4C5D64DB3D}" type="datetimeFigureOut">
               <a:rPr lang="fr-FR" smtClean="0"/>
-              <a:t>07/06/2024</a:t>
+              <a:t>09/06/2024</a:t>
             </a:fld>
             <a:endParaRPr lang="fr-FR"/>
           </a:p>
@@ -520,7 +755,7 @@
           <a:p>
             <a:fld id="{FCCCE695-B37B-4A95-8CA1-34B5D2BAFECB}" type="slidenum">
               <a:rPr lang="fr-FR" smtClean="0"/>
-              <a:t>‹Nr.›</a:t>
+              <a:t>‹N°›</a:t>
             </a:fld>
             <a:endParaRPr lang="fr-FR"/>
           </a:p>
@@ -2629,7 +2864,7 @@
           <a:p>
             <a:fld id="{6DF8D168-963E-48B1-A7EC-C96E46BCD5F7}" type="slidenum">
               <a:rPr lang="fr-FR" smtClean="0"/>
-              <a:t>‹Nr.›</a:t>
+              <a:t>‹N°›</a:t>
             </a:fld>
             <a:endParaRPr lang="fr-FR"/>
           </a:p>
@@ -2929,7 +3164,7 @@
           <a:p>
             <a:fld id="{6DF8D168-963E-48B1-A7EC-C96E46BCD5F7}" type="slidenum">
               <a:rPr lang="fr-FR" smtClean="0"/>
-              <a:t>‹Nr.›</a:t>
+              <a:t>‹N°›</a:t>
             </a:fld>
             <a:endParaRPr lang="fr-FR"/>
           </a:p>
@@ -3123,7 +3358,7 @@
           <a:p>
             <a:fld id="{6DF8D168-963E-48B1-A7EC-C96E46BCD5F7}" type="slidenum">
               <a:rPr lang="fr-FR" smtClean="0"/>
-              <a:t>‹Nr.›</a:t>
+              <a:t>‹N°›</a:t>
             </a:fld>
             <a:endParaRPr lang="fr-FR"/>
           </a:p>
@@ -3386,7 +3621,7 @@
           <a:p>
             <a:fld id="{6DF8D168-963E-48B1-A7EC-C96E46BCD5F7}" type="slidenum">
               <a:rPr lang="fr-FR" smtClean="0"/>
-              <a:t>‹Nr.›</a:t>
+              <a:t>‹N°›</a:t>
             </a:fld>
             <a:endParaRPr lang="fr-FR"/>
           </a:p>
@@ -3812,7 +4047,7 @@
           <a:p>
             <a:fld id="{6DF8D168-963E-48B1-A7EC-C96E46BCD5F7}" type="slidenum">
               <a:rPr lang="fr-FR" smtClean="0"/>
-              <a:t>‹Nr.›</a:t>
+              <a:t>‹N°›</a:t>
             </a:fld>
             <a:endParaRPr lang="fr-FR"/>
           </a:p>
@@ -4351,7 +4586,7 @@
           <a:p>
             <a:fld id="{6DF8D168-963E-48B1-A7EC-C96E46BCD5F7}" type="slidenum">
               <a:rPr lang="fr-FR" smtClean="0"/>
-              <a:t>‹Nr.›</a:t>
+              <a:t>‹N°›</a:t>
             </a:fld>
             <a:endParaRPr lang="fr-FR"/>
           </a:p>
@@ -5217,7 +5452,7 @@
           <a:p>
             <a:fld id="{6DF8D168-963E-48B1-A7EC-C96E46BCD5F7}" type="slidenum">
               <a:rPr lang="fr-FR" smtClean="0"/>
-              <a:t>‹Nr.›</a:t>
+              <a:t>‹N°›</a:t>
             </a:fld>
             <a:endParaRPr lang="fr-FR"/>
           </a:p>
@@ -5389,7 +5624,7 @@
           <a:p>
             <a:fld id="{6DF8D168-963E-48B1-A7EC-C96E46BCD5F7}" type="slidenum">
               <a:rPr lang="fr-FR" smtClean="0"/>
-              <a:t>‹Nr.›</a:t>
+              <a:t>‹N°›</a:t>
             </a:fld>
             <a:endParaRPr lang="fr-FR"/>
           </a:p>
@@ -5575,7 +5810,7 @@
           <a:p>
             <a:fld id="{6DF8D168-963E-48B1-A7EC-C96E46BCD5F7}" type="slidenum">
               <a:rPr lang="fr-FR" smtClean="0"/>
-              <a:t>‹Nr.›</a:t>
+              <a:t>‹N°›</a:t>
             </a:fld>
             <a:endParaRPr lang="fr-FR"/>
           </a:p>
@@ -5747,7 +5982,7 @@
           <a:p>
             <a:fld id="{6DF8D168-963E-48B1-A7EC-C96E46BCD5F7}" type="slidenum">
               <a:rPr lang="fr-FR" smtClean="0"/>
-              <a:t>‹Nr.›</a:t>
+              <a:t>‹N°›</a:t>
             </a:fld>
             <a:endParaRPr lang="fr-FR"/>
           </a:p>
@@ -5993,7 +6228,7 @@
           <a:p>
             <a:fld id="{6DF8D168-963E-48B1-A7EC-C96E46BCD5F7}" type="slidenum">
               <a:rPr lang="fr-FR" smtClean="0"/>
-              <a:t>‹Nr.›</a:t>
+              <a:t>‹N°›</a:t>
             </a:fld>
             <a:endParaRPr lang="fr-FR"/>
           </a:p>
@@ -6231,7 +6466,7 @@
           <a:p>
             <a:fld id="{6DF8D168-963E-48B1-A7EC-C96E46BCD5F7}" type="slidenum">
               <a:rPr lang="fr-FR" smtClean="0"/>
-              <a:t>‹Nr.›</a:t>
+              <a:t>‹N°›</a:t>
             </a:fld>
             <a:endParaRPr lang="fr-FR"/>
           </a:p>
@@ -6699,7 +6934,7 @@
           <a:p>
             <a:fld id="{6DF8D168-963E-48B1-A7EC-C96E46BCD5F7}" type="slidenum">
               <a:rPr lang="fr-FR" smtClean="0"/>
-              <a:t>‹Nr.›</a:t>
+              <a:t>‹N°›</a:t>
             </a:fld>
             <a:endParaRPr lang="fr-FR"/>
           </a:p>
@@ -6819,7 +7054,7 @@
           <a:p>
             <a:fld id="{6DF8D168-963E-48B1-A7EC-C96E46BCD5F7}" type="slidenum">
               <a:rPr lang="fr-FR" smtClean="0"/>
-              <a:t>‹Nr.›</a:t>
+              <a:t>‹N°›</a:t>
             </a:fld>
             <a:endParaRPr lang="fr-FR"/>
           </a:p>
@@ -6916,7 +7151,7 @@
           <a:p>
             <a:fld id="{6DF8D168-963E-48B1-A7EC-C96E46BCD5F7}" type="slidenum">
               <a:rPr lang="fr-FR" smtClean="0"/>
-              <a:t>‹Nr.›</a:t>
+              <a:t>‹N°›</a:t>
             </a:fld>
             <a:endParaRPr lang="fr-FR"/>
           </a:p>
@@ -7173,7 +7408,7 @@
           <a:p>
             <a:fld id="{6DF8D168-963E-48B1-A7EC-C96E46BCD5F7}" type="slidenum">
               <a:rPr lang="fr-FR" smtClean="0"/>
-              <a:t>‹Nr.›</a:t>
+              <a:t>‹N°›</a:t>
             </a:fld>
             <a:endParaRPr lang="fr-FR"/>
           </a:p>
@@ -7475,7 +7710,7 @@
           <a:p>
             <a:fld id="{6DF8D168-963E-48B1-A7EC-C96E46BCD5F7}" type="slidenum">
               <a:rPr lang="fr-FR" smtClean="0"/>
-              <a:t>‹Nr.›</a:t>
+              <a:t>‹N°›</a:t>
             </a:fld>
             <a:endParaRPr lang="fr-FR"/>
           </a:p>
@@ -7761,7 +7996,7 @@
           <a:p>
             <a:fld id="{6DF8D168-963E-48B1-A7EC-C96E46BCD5F7}" type="slidenum">
               <a:rPr lang="fr-FR" smtClean="0"/>
-              <a:t>‹Nr.›</a:t>
+              <a:t>‹N°›</a:t>
             </a:fld>
             <a:endParaRPr lang="fr-FR"/>
           </a:p>
@@ -8752,7 +8987,7 @@
           <a:p>
             <a:r>
               <a:rPr lang="fr-FR" dirty="0"/>
-              <a:t>Ils existent que deux sources musicales manuscrites, les deux de la main de </a:t>
+              <a:t>Il existe deux sources musicales manuscrites, les deux de la main de </a:t>
             </a:r>
             <a:r>
               <a:rPr lang="fr-FR" dirty="0" err="1"/>
@@ -8786,7 +9021,7 @@
           <a:p>
             <a:r>
               <a:rPr lang="fr-FR" dirty="0"/>
-              <a:t>Puisque les parties séparées sont plus précises par rapport aux nuances, liaisons et ornements, elles servent comme source principale. (source A)</a:t>
+              <a:t>Puisque les parties séparées sont plus précises pour ce qui est des nuances, liaisons et ornements, elles servent de source principale (source A)</a:t>
             </a:r>
           </a:p>
           <a:p>
@@ -9658,7 +9893,7 @@
               <a:rPr lang="fr-FR" dirty="0">
                 <a:sym typeface="Wingdings" panose="05000000000000000000" pitchFamily="2" charset="2"/>
               </a:rPr>
-              <a:t> » = ce qui est conservé ensemble physiquement sous le même cote ?</a:t>
+              <a:t> » = ce qui est conservé ensemble physiquement sous la même cote ?</a:t>
             </a:r>
             <a:endParaRPr lang="fr-FR" dirty="0"/>
           </a:p>
@@ -11966,13 +12201,7 @@
           <a:p>
             <a:r>
               <a:rPr lang="fr-FR" dirty="0"/>
-              <a:t>Approche note par note trop chronophage</a:t>
-            </a:r>
-          </a:p>
-          <a:p>
-            <a:r>
-              <a:rPr lang="fr-FR" dirty="0"/>
-              <a:t>Solution proposée : Indication de chaque &lt;pb&gt; dans la source A et B</a:t>
+              <a:t> Indication de chaque &lt;pb&gt; de  la source A et B</a:t>
             </a:r>
           </a:p>
           <a:p>
@@ -17235,7 +17464,7 @@
           <a:p>
             <a:r>
               <a:rPr lang="fr-FR" dirty="0"/>
-              <a:t>Partition générale et parties séparées autographes, conservées dans la ULB Darmstadt et numérisées sur le site de la bibliothèque : </a:t>
+              <a:t>Partition générale et parties séparées autographes, conservées à la ULB Darmstadt et numérisées sur le site de la bibliothèque : </a:t>
             </a:r>
             <a:r>
               <a:rPr lang="fr-FR" dirty="0">
@@ -18576,7 +18805,7 @@
           <a:p>
             <a:r>
               <a:rPr lang="fr-FR" dirty="0"/>
-              <a:t>Questions</a:t>
+              <a:t>5 Questions</a:t>
             </a:r>
           </a:p>
         </p:txBody>
@@ -18606,19 +18835,19 @@
           <a:p>
             <a:r>
               <a:rPr lang="fr-FR" dirty="0"/>
-              <a:t>Comment on peut bien définir la relation entre le document parent et es documents enfant?</a:t>
-            </a:r>
-          </a:p>
-          <a:p>
-            <a:r>
-              <a:rPr lang="fr-FR" dirty="0"/>
-              <a:t>Comment modéliser le rapport entre les sources et les manifestations ?</a:t>
-            </a:r>
-          </a:p>
-          <a:p>
-            <a:r>
-              <a:rPr lang="fr-FR" dirty="0"/>
-              <a:t>Comment on peut référencer plusieurs pages dans le fac-similé (p. ex. dans &lt;</a:t>
+              <a:t>Comment définir correctement la relation entre le document parent et les documents enfants?</a:t>
+            </a:r>
+          </a:p>
+          <a:p>
+            <a:r>
+              <a:rPr lang="fr-FR" dirty="0"/>
+              <a:t>Comment modéliser les relations entre les sources et les manifestations ?</a:t>
+            </a:r>
+          </a:p>
+          <a:p>
+            <a:r>
+              <a:rPr lang="fr-FR" dirty="0"/>
+              <a:t>Comment référencer un ensemble de plusieurs pages dans le fac-similé (p. ex. dans &lt;</a:t>
             </a:r>
             <a:r>
               <a:rPr lang="fr-FR" dirty="0" err="1"/>
@@ -18640,13 +18869,13 @@
           <a:p>
             <a:r>
               <a:rPr lang="fr-FR" dirty="0"/>
-              <a:t>Comment bien référencer les fac-similés dans &lt;body&gt; ?</a:t>
+              <a:t>Comment référencer les fac-similés dans &lt;body&gt; ?</a:t>
             </a:r>
           </a:p>
           <a:p>
             <a:r>
               <a:rPr lang="fr-FR" sz="2000" dirty="0"/>
-              <a:t>Comment modéliser la structure logique d’un facsimile (manifestation 1) indépendamment de la structure de la structure de l’édition électronique (explicite dans &lt;body&gt;) ?</a:t>
+              <a:t>Comment modéliser la structure logique d’un facsimile (manifestation 1) indépendamment de la structure de l’édition électronique (explicite dans &lt;body&gt;) ?</a:t>
             </a:r>
             <a:endParaRPr lang="fr-FR" dirty="0"/>
           </a:p>
@@ -18960,7 +19189,7 @@
           <a:p>
             <a:r>
               <a:rPr lang="fr-FR" dirty="0"/>
-              <a:t>Notre approche : division entre un document parent et sept documents enfants </a:t>
+              <a:t>Notre approche : distinction entre un document parent et sept documents enfants </a:t>
             </a:r>
           </a:p>
         </p:txBody>
@@ -19051,7 +19280,7 @@
               <a:rPr lang="fr-FR" sz="1800" dirty="0">
                 <a:effectLst/>
               </a:rPr>
-              <a:t>C’est difficile de naviguer au sein de la partition. </a:t>
+              <a:t>Il est difficile de naviguer dans la partition. </a:t>
             </a:r>
           </a:p>
         </p:txBody>
@@ -19196,7 +19425,7 @@
           <a:p>
             <a:r>
               <a:rPr lang="fr-FR" dirty="0"/>
-              <a:t>Notre approche : division entre un document parent et sept documents enfants </a:t>
+              <a:t>Notre approche : un document parent et sept documents enfants </a:t>
             </a:r>
           </a:p>
         </p:txBody>

--- a/presentations/Présentation_groupe_MEI.pptx
+++ b/presentations/Présentation_groupe_MEI.pptx
@@ -16,16 +16,16 @@
     <p:sldId id="267" r:id="rId7"/>
     <p:sldId id="278" r:id="rId8"/>
     <p:sldId id="279" r:id="rId9"/>
-    <p:sldId id="280" r:id="rId10"/>
-    <p:sldId id="281" r:id="rId11"/>
-    <p:sldId id="282" r:id="rId12"/>
-    <p:sldId id="283" r:id="rId13"/>
-    <p:sldId id="284" r:id="rId14"/>
-    <p:sldId id="274" r:id="rId15"/>
-    <p:sldId id="285" r:id="rId16"/>
-    <p:sldId id="270" r:id="rId17"/>
-    <p:sldId id="286" r:id="rId18"/>
-    <p:sldId id="271" r:id="rId19"/>
+    <p:sldId id="281" r:id="rId10"/>
+    <p:sldId id="282" r:id="rId11"/>
+    <p:sldId id="284" r:id="rId12"/>
+    <p:sldId id="274" r:id="rId13"/>
+    <p:sldId id="285" r:id="rId14"/>
+    <p:sldId id="270" r:id="rId15"/>
+    <p:sldId id="286" r:id="rId16"/>
+    <p:sldId id="271" r:id="rId17"/>
+    <p:sldId id="280" r:id="rId18"/>
+    <p:sldId id="283" r:id="rId19"/>
     <p:sldId id="287" r:id="rId20"/>
     <p:sldId id="277" r:id="rId21"/>
     <p:sldId id="264" r:id="rId22"/>
@@ -166,39 +166,33 @@
 
 <file path=ppt/comments/comment1.xml><?xml version="1.0" encoding="utf-8"?>
 <p:cmLst xmlns:a="http://schemas.openxmlformats.org/drawingml/2006/main" xmlns:r="http://schemas.openxmlformats.org/officeDocument/2006/relationships" xmlns:p="http://schemas.openxmlformats.org/presentationml/2006/main">
-  <p:cm authorId="1" dt="2024-06-09T19:39:39.713" idx="20">
-    <p:pos x="2425" y="1354"/>
-    <p:text>"Vielleicht bessert: "Aperçu: nos 4 questions"</p:text>
+  <p:cm authorId="1" dt="2024-06-09T19:18:56.632" idx="11">
+    <p:pos x="10" y="10"/>
+    <p:text>Das würde ich nicht unbedingt zeigen.  Vielleicht für die Zusatzfolien, wenn kein Kommentar kommt.</p:text>
     <p:extLst>
       <p:ext uri="{C676402C-5697-4E1C-873F-D02D1690AC5C}">
         <p15:threadingInfo xmlns:p15="http://schemas.microsoft.com/office/powerpoint/2012/main" timeZoneBias="-120"/>
       </p:ext>
     </p:extLst>
   </p:cm>
-  <p:cm authorId="1" dt="2024-06-09T19:40:10.038" idx="21">
-    <p:pos x="1991" y="1637"/>
-    <p:text>Das ist etwas Redundant: Ich würde sagen: "Nos réponses provisoires". Dann würde ich auch nicht die 4 oder 5 Probleme hier aufführen um die Wiederholung später zu vermeiden. Sage einfach, dass wir x Fragen haben und dass wir gerne Feedback haben möchten. </p:text>
+</p:cmLst>
+</file>
+
+<file path=ppt/comments/comment2.xml><?xml version="1.0" encoding="utf-8"?>
+<p:cmLst xmlns:a="http://schemas.openxmlformats.org/drawingml/2006/main" xmlns:r="http://schemas.openxmlformats.org/officeDocument/2006/relationships" xmlns:p="http://schemas.openxmlformats.org/presentationml/2006/main">
+  <p:cm authorId="1" dt="2024-06-09T20:13:54.285" idx="31">
+    <p:pos x="10" y="10"/>
+    <p:text>Um Zeit zu sparen würde ich das weglassen. Es geht ja darum von ihnen informatisches Feedback (und nicht musikwissenschaftliches) zu bekommen.  </p:text>
     <p:extLst>
       <p:ext uri="{C676402C-5697-4E1C-873F-D02D1690AC5C}">
         <p15:threadingInfo xmlns:p15="http://schemas.microsoft.com/office/powerpoint/2012/main" timeZoneBias="-120"/>
       </p:ext>
     </p:extLst>
   </p:cm>
-  <p:cm authorId="1" dt="2024-06-09T19:41:34.399" idx="22">
-    <p:pos x="1991" y="1773"/>
-    <p:text>Wichtig ist hi</p:text>
-    <p:extLst>
-      <p:ext uri="{C676402C-5697-4E1C-873F-D02D1690AC5C}">
-        <p15:threadingInfo xmlns:p15="http://schemas.microsoft.com/office/powerpoint/2012/main" timeZoneBias="-120">
-          <p15:parentCm authorId="1" idx="21"/>
-        </p15:threadingInfo>
-      </p:ext>
-    </p:extLst>
-  </p:cm>
 </p:cmLst>
 </file>
 
-<file path=ppt/comments/comment10.xml><?xml version="1.0" encoding="utf-8"?>
+<file path=ppt/comments/comment3.xml><?xml version="1.0" encoding="utf-8"?>
 <p:cmLst xmlns:a="http://schemas.openxmlformats.org/drawingml/2006/main" xmlns:r="http://schemas.openxmlformats.org/officeDocument/2006/relationships" xmlns:p="http://schemas.openxmlformats.org/presentationml/2006/main">
   <p:cm authorId="2" dt="2024-06-07T17:50:46.487" idx="4">
     <p:pos x="10" y="10"/>
@@ -223,7 +217,7 @@
 </p:cmLst>
 </file>
 
-<file path=ppt/comments/comment11.xml><?xml version="1.0" encoding="utf-8"?>
+<file path=ppt/comments/comment4.xml><?xml version="1.0" encoding="utf-8"?>
 <p:cmLst xmlns:a="http://schemas.openxmlformats.org/drawingml/2006/main" xmlns:r="http://schemas.openxmlformats.org/officeDocument/2006/relationships" xmlns:p="http://schemas.openxmlformats.org/presentationml/2006/main">
   <p:cm authorId="1" dt="2024-06-06T13:49:56.960" idx="1">
     <p:pos x="10" y="10"/>
@@ -301,7 +295,7 @@
 </p:cmLst>
 </file>
 
-<file path=ppt/comments/comment12.xml><?xml version="1.0" encoding="utf-8"?>
+<file path=ppt/comments/comment5.xml><?xml version="1.0" encoding="utf-8"?>
 <p:cmLst xmlns:a="http://schemas.openxmlformats.org/drawingml/2006/main" xmlns:r="http://schemas.openxmlformats.org/officeDocument/2006/relationships" xmlns:p="http://schemas.openxmlformats.org/presentationml/2006/main">
   <p:cm authorId="1" dt="2024-06-06T14:14:45.635" idx="9">
     <p:pos x="5201" y="2304"/>
@@ -318,196 +312,6 @@
     <p:extLst>
       <p:ext uri="{C676402C-5697-4E1C-873F-D02D1690AC5C}">
         <p15:threadingInfo xmlns:p15="http://schemas.microsoft.com/office/powerpoint/2012/main" timeZoneBias="-120"/>
-      </p:ext>
-    </p:extLst>
-  </p:cm>
-</p:cmLst>
-</file>
-
-<file path=ppt/comments/comment2.xml><?xml version="1.0" encoding="utf-8"?>
-<p:cmLst xmlns:a="http://schemas.openxmlformats.org/drawingml/2006/main" xmlns:r="http://schemas.openxmlformats.org/officeDocument/2006/relationships" xmlns:p="http://schemas.openxmlformats.org/presentationml/2006/main">
-  <p:cm authorId="1" dt="2024-06-09T19:48:00.852" idx="23">
-    <p:pos x="10" y="10"/>
-    <p:text>Mach es Sinn einen kurzen Ausschnitt zu hören ?</p:text>
-    <p:extLst>
-      <p:ext uri="{C676402C-5697-4E1C-873F-D02D1690AC5C}">
-        <p15:threadingInfo xmlns:p15="http://schemas.microsoft.com/office/powerpoint/2012/main" timeZoneBias="-120"/>
-      </p:ext>
-    </p:extLst>
-  </p:cm>
-  <p:cm authorId="1" dt="2024-06-09T19:48:31.587" idx="24">
-    <p:pos x="10" y="146"/>
-    <p:text>Das kennst Du wohl (:-)): https://www.youtube.com/watch?v=lPaKe_2Gj5A&amp;list=RDlPaKe_2Gj5A&amp;start_radio=1</p:text>
-    <p:extLst>
-      <p:ext uri="{C676402C-5697-4E1C-873F-D02D1690AC5C}">
-        <p15:threadingInfo xmlns:p15="http://schemas.microsoft.com/office/powerpoint/2012/main" timeZoneBias="-120">
-          <p15:parentCm authorId="1" idx="23"/>
-        </p15:threadingInfo>
-      </p:ext>
-    </p:extLst>
-  </p:cm>
-</p:cmLst>
-</file>
-
-<file path=ppt/comments/comment3.xml><?xml version="1.0" encoding="utf-8"?>
-<p:cmLst xmlns:a="http://schemas.openxmlformats.org/drawingml/2006/main" xmlns:r="http://schemas.openxmlformats.org/officeDocument/2006/relationships" xmlns:p="http://schemas.openxmlformats.org/presentationml/2006/main">
-  <p:cm authorId="1" dt="2024-06-09T19:33:31.007" idx="16">
-    <p:pos x="7013" y="1112"/>
-    <p:text>Ich würde die Fragen durchnummerieren.</p:text>
-    <p:extLst>
-      <p:ext uri="{C676402C-5697-4E1C-873F-D02D1690AC5C}">
-        <p15:threadingInfo xmlns:p15="http://schemas.microsoft.com/office/powerpoint/2012/main" timeZoneBias="-120"/>
-      </p:ext>
-    </p:extLst>
-  </p:cm>
-  <p:cm authorId="1" dt="2024-06-09T19:33:57.682" idx="17">
-    <p:pos x="3193" y="495"/>
-    <p:text>Am besten durchnummerieren. </p:text>
-    <p:extLst>
-      <p:ext uri="{C676402C-5697-4E1C-873F-D02D1690AC5C}">
-        <p15:threadingInfo xmlns:p15="http://schemas.microsoft.com/office/powerpoint/2012/main" timeZoneBias="-120"/>
-      </p:ext>
-    </p:extLst>
-  </p:cm>
-  <p:cm authorId="1" dt="2024-06-09T19:53:11.500" idx="25">
-    <p:pos x="6437" y="1829"/>
-    <p:text>Hier Frage 5 oder alternativ  (wie du magot) : "Comment restituer l'organisation logique du fac-similé, par exemple pour renvoyer à des sections particulières (partie de hautbois, etc.) ?  </p:text>
-    <p:extLst>
-      <p:ext uri="{C676402C-5697-4E1C-873F-D02D1690AC5C}">
-        <p15:threadingInfo xmlns:p15="http://schemas.microsoft.com/office/powerpoint/2012/main" timeZoneBias="-120"/>
-      </p:ext>
-    </p:extLst>
-  </p:cm>
-  <p:cm authorId="1" dt="2024-06-09T19:55:53.132" idx="26">
-    <p:pos x="4295" y="2294"/>
-    <p:text>Ich glaube das Problem ist allgemeiner zu fassen: "Comment gérer les relations complexes entre &lt;facsimile&gt; (deux sources musicales) et &lt;body&gt; (une édition) ?</p:text>
-    <p:extLst>
-      <p:ext uri="{C676402C-5697-4E1C-873F-D02D1690AC5C}">
-        <p15:threadingInfo xmlns:p15="http://schemas.microsoft.com/office/powerpoint/2012/main" timeZoneBias="-120"/>
-      </p:ext>
-    </p:extLst>
-  </p:cm>
-  <p:cm authorId="1" dt="2024-06-09T20:05:46.654" idx="28">
-    <p:pos x="7013" y="2577"/>
-    <p:text>Das ist Frage 3 nur präziser formuliert... </p:text>
-    <p:extLst>
-      <p:ext uri="{C676402C-5697-4E1C-873F-D02D1690AC5C}">
-        <p15:threadingInfo xmlns:p15="http://schemas.microsoft.com/office/powerpoint/2012/main" timeZoneBias="-120"/>
-      </p:ext>
-    </p:extLst>
-  </p:cm>
-</p:cmLst>
-</file>
-
-<file path=ppt/comments/comment4.xml><?xml version="1.0" encoding="utf-8"?>
-<p:cmLst xmlns:a="http://schemas.openxmlformats.org/drawingml/2006/main" xmlns:r="http://schemas.openxmlformats.org/officeDocument/2006/relationships" xmlns:p="http://schemas.openxmlformats.org/presentationml/2006/main">
-  <p:cm authorId="1" dt="2024-06-09T20:09:24.441" idx="29">
-    <p:pos x="6366" y="1465"/>
-    <p:text>Ich würde hier die Fragen zitieren. </p:text>
-    <p:extLst>
-      <p:ext uri="{C676402C-5697-4E1C-873F-D02D1690AC5C}">
-        <p15:threadingInfo xmlns:p15="http://schemas.microsoft.com/office/powerpoint/2012/main" timeZoneBias="-120"/>
-      </p:ext>
-    </p:extLst>
-  </p:cm>
-</p:cmLst>
-</file>
-
-<file path=ppt/comments/comment5.xml><?xml version="1.0" encoding="utf-8"?>
-<p:cmLst xmlns:a="http://schemas.openxmlformats.org/drawingml/2006/main" xmlns:r="http://schemas.openxmlformats.org/officeDocument/2006/relationships" xmlns:p="http://schemas.openxmlformats.org/presentationml/2006/main">
-  <p:cm authorId="1" dt="2024-06-09T19:18:56.632" idx="11">
-    <p:pos x="10" y="10"/>
-    <p:text>Das würde ich nicht unbedingt zeigen.  Vielleicht für die Zusatzfolien, wenn kein Kommentar kommt.</p:text>
-    <p:extLst>
-      <p:ext uri="{C676402C-5697-4E1C-873F-D02D1690AC5C}">
-        <p15:threadingInfo xmlns:p15="http://schemas.microsoft.com/office/powerpoint/2012/main" timeZoneBias="-120"/>
-      </p:ext>
-    </p:extLst>
-  </p:cm>
-</p:cmLst>
-</file>
-
-<file path=ppt/comments/comment6.xml><?xml version="1.0" encoding="utf-8"?>
-<p:cmLst xmlns:a="http://schemas.openxmlformats.org/drawingml/2006/main" xmlns:r="http://schemas.openxmlformats.org/officeDocument/2006/relationships" xmlns:p="http://schemas.openxmlformats.org/presentationml/2006/main">
-  <p:cm authorId="1" dt="2024-06-09T20:12:07.134" idx="30">
-    <p:pos x="6579" y="2334"/>
-    <p:text>Vielleicht aber auch sagen, dass Quelle B ebenfalls berücksichtigt wird.... "... et la partition générale (source B) de source secondaire". </p:text>
-    <p:extLst>
-      <p:ext uri="{C676402C-5697-4E1C-873F-D02D1690AC5C}">
-        <p15:threadingInfo xmlns:p15="http://schemas.microsoft.com/office/powerpoint/2012/main" timeZoneBias="-120"/>
-      </p:ext>
-    </p:extLst>
-  </p:cm>
-</p:cmLst>
-</file>
-
-<file path=ppt/comments/comment7.xml><?xml version="1.0" encoding="utf-8"?>
-<p:cmLst xmlns:a="http://schemas.openxmlformats.org/drawingml/2006/main" xmlns:r="http://schemas.openxmlformats.org/officeDocument/2006/relationships" xmlns:p="http://schemas.openxmlformats.org/presentationml/2006/main">
-  <p:cm authorId="1" dt="2024-06-09T20:13:54.285" idx="31">
-    <p:pos x="10" y="10"/>
-    <p:text>Um Zeit zu sparen würde ich das weglassen. Es geht ja darum von ihnen informatisches Feedback (und nicht musikwissenschaftliches) zu bekommen.  </p:text>
-    <p:extLst>
-      <p:ext uri="{C676402C-5697-4E1C-873F-D02D1690AC5C}">
-        <p15:threadingInfo xmlns:p15="http://schemas.microsoft.com/office/powerpoint/2012/main" timeZoneBias="-120"/>
-      </p:ext>
-    </p:extLst>
-  </p:cm>
-</p:cmLst>
-</file>
-
-<file path=ppt/comments/comment8.xml><?xml version="1.0" encoding="utf-8"?>
-<p:cmLst xmlns:a="http://schemas.openxmlformats.org/drawingml/2006/main" xmlns:r="http://schemas.openxmlformats.org/officeDocument/2006/relationships" xmlns:p="http://schemas.openxmlformats.org/presentationml/2006/main">
-  <p:cm authorId="1" dt="2024-06-09T19:21:40.650" idx="12">
-    <p:pos x="6890" y="1695"/>
-    <p:text>Auch "(MEI 5.0. Guidelines)"...</p:text>
-    <p:extLst>
-      <p:ext uri="{C676402C-5697-4E1C-873F-D02D1690AC5C}">
-        <p15:threadingInfo xmlns:p15="http://schemas.microsoft.com/office/powerpoint/2012/main" timeZoneBias="-120"/>
-      </p:ext>
-    </p:extLst>
-  </p:cm>
-  <p:cm authorId="1" dt="2024-06-09T20:03:59.969" idx="27">
-    <p:pos x="7049" y="1499"/>
-    <p:text>Wahrscheinlich werden sie uns sagen, dass manifestation 1 unterteilt werden muss: manifestation 1a und 1b... </p:text>
-    <p:extLst>
-      <p:ext uri="{C676402C-5697-4E1C-873F-D02D1690AC5C}">
-        <p15:threadingInfo xmlns:p15="http://schemas.microsoft.com/office/powerpoint/2012/main" timeZoneBias="-120"/>
-      </p:ext>
-    </p:extLst>
-  </p:cm>
-</p:cmLst>
-</file>
-
-<file path=ppt/comments/comment9.xml><?xml version="1.0" encoding="utf-8"?>
-<p:cmLst xmlns:a="http://schemas.openxmlformats.org/drawingml/2006/main" xmlns:r="http://schemas.openxmlformats.org/officeDocument/2006/relationships" xmlns:p="http://schemas.openxmlformats.org/presentationml/2006/main">
-  <p:cm authorId="1" dt="2024-06-09T19:27:12.354" idx="13">
-    <p:pos x="6619" y="1354"/>
-    <p:text>Hier verstehe ich die Alternative "ou" nicht, bzw., die Darstellung ist etwas verwirrend,  </p:text>
-    <p:extLst>
-      <p:ext uri="{C676402C-5697-4E1C-873F-D02D1690AC5C}">
-        <p15:threadingInfo xmlns:p15="http://schemas.microsoft.com/office/powerpoint/2012/main" timeZoneBias="-120"/>
-      </p:ext>
-    </p:extLst>
-  </p:cm>
-  <p:cm authorId="1" dt="2024-06-09T19:31:51.383" idx="14">
-    <p:pos x="6619" y="1490"/>
-    <p:text>@type: warum "sourceFristPageHornII", warum nicht einfach "HornII" ? Das @facs gibt ja die genaue Stelle an. @type solle ja nur die Stimme allgemein auszeichnen.</p:text>
-    <p:extLst>
-      <p:ext uri="{C676402C-5697-4E1C-873F-D02D1690AC5C}">
-        <p15:threadingInfo xmlns:p15="http://schemas.microsoft.com/office/powerpoint/2012/main" timeZoneBias="-120">
-          <p15:parentCm authorId="1" idx="13"/>
-        </p15:threadingInfo>
-      </p:ext>
-    </p:extLst>
-  </p:cm>
-  <p:cm authorId="1" dt="2024-06-09T19:32:45.480" idx="15">
-    <p:pos x="6619" y="1626"/>
-    <p:text>Wenn wir mit @çorresp auf den entsprechenden Abschnitt des Faksimiles verweisen können ist auch @type nicht mehr nötig (Frage 3).</p:text>
-    <p:extLst>
-      <p:ext uri="{C676402C-5697-4E1C-873F-D02D1690AC5C}">
-        <p15:threadingInfo xmlns:p15="http://schemas.microsoft.com/office/powerpoint/2012/main" timeZoneBias="-120">
-          <p15:parentCm authorId="1" idx="13"/>
-        </p15:threadingInfo>
       </p:ext>
     </p:extLst>
   </p:cm>
@@ -596,7 +400,7 @@
           <a:p>
             <a:fld id="{D61DAB5A-11BB-49B9-85FC-3A4C5D64DB3D}" type="datetimeFigureOut">
               <a:rPr lang="fr-FR" smtClean="0"/>
-              <a:t>09/06/2024</a:t>
+              <a:t>10/06/2024</a:t>
             </a:fld>
             <a:endParaRPr lang="fr-FR"/>
           </a:p>
@@ -755,7 +559,7 @@
           <a:p>
             <a:fld id="{FCCCE695-B37B-4A95-8CA1-34B5D2BAFECB}" type="slidenum">
               <a:rPr lang="fr-FR" smtClean="0"/>
-              <a:t>‹N°›</a:t>
+              <a:t>‹Nr.›</a:t>
             </a:fld>
             <a:endParaRPr lang="fr-FR"/>
           </a:p>
@@ -1005,7 +809,53 @@
             </a:pPr>
             <a:r>
               <a:rPr lang="fr-FR" dirty="0"/>
-              <a:t>Explication de la manifestation physique des sources et mon choix par rapport à la source principale.</a:t>
+              <a:t>Parler de la logique de la MEI : </a:t>
+            </a:r>
+          </a:p>
+          <a:p>
+            <a:pPr marL="628650" lvl="1" indent="-171450">
+              <a:buFont typeface="Arial" panose="020B0604020202020204" pitchFamily="34" charset="0"/>
+              <a:buChar char="•"/>
+            </a:pPr>
+            <a:r>
+              <a:rPr lang="fr-FR" dirty="0"/>
+              <a:t>Source qui a été utilisé pour effectuer une édition</a:t>
+            </a:r>
+          </a:p>
+          <a:p>
+            <a:pPr marL="628650" lvl="1" indent="-171450">
+              <a:buFont typeface="Arial" panose="020B0604020202020204" pitchFamily="34" charset="0"/>
+              <a:buChar char="•"/>
+            </a:pPr>
+            <a:r>
+              <a:rPr lang="fr-FR" dirty="0"/>
+              <a:t>Manifestation est un « </a:t>
+            </a:r>
+            <a:r>
+              <a:rPr lang="fr-FR" dirty="0" err="1"/>
+              <a:t>embodiment</a:t>
+            </a:r>
+            <a:r>
+              <a:rPr lang="fr-FR" dirty="0"/>
+              <a:t> of an expression of a </a:t>
+            </a:r>
+            <a:r>
+              <a:rPr lang="fr-FR" dirty="0" err="1"/>
+              <a:t>work</a:t>
+            </a:r>
+            <a:r>
+              <a:rPr lang="fr-FR" dirty="0"/>
+              <a:t> »</a:t>
+            </a:r>
+          </a:p>
+          <a:p>
+            <a:pPr marL="171450" lvl="0" indent="-171450">
+              <a:buFont typeface="Arial" panose="020B0604020202020204" pitchFamily="34" charset="0"/>
+              <a:buChar char="•"/>
+            </a:pPr>
+            <a:r>
+              <a:rPr lang="fr-FR" dirty="0"/>
+              <a:t>Nos problèmes : Comment on peut différencier entre deux sources et une manifestation ?</a:t>
             </a:r>
           </a:p>
         </p:txBody>
@@ -1036,7 +886,7 @@
     </p:spTree>
     <p:extLst>
       <p:ext uri="{BB962C8B-B14F-4D97-AF65-F5344CB8AC3E}">
-        <p14:creationId xmlns:p14="http://schemas.microsoft.com/office/powerpoint/2010/main" val="1075956349"/>
+        <p14:creationId xmlns:p14="http://schemas.microsoft.com/office/powerpoint/2010/main" val="2331271720"/>
       </p:ext>
     </p:extLst>
   </p:cSld>
@@ -1092,15 +942,47 @@
           <a:p>
             <a:r>
               <a:rPr lang="fr-FR" dirty="0"/>
-              <a:t>Pour illustrer le choix éditorial que j’ai fait en accord avec Nathalie l’année dernière : on peut voir que la partie séparée de la basse continue est amplement chiffrée dans la source A ; dans la source B, il n’y a aucune chiffre. Ils manquent aussi beaucoup de nuances, qui ont très probablement été fait par </a:t>
-            </a:r>
-            <a:r>
-              <a:rPr lang="fr-FR" dirty="0" err="1"/>
-              <a:t>Graupner</a:t>
-            </a:r>
-            <a:r>
-              <a:rPr lang="fr-FR" dirty="0"/>
-              <a:t> lui-même.</a:t>
+              <a:t>Pour devenir plus précis :</a:t>
+            </a:r>
+          </a:p>
+          <a:p>
+            <a:pPr marL="171450" indent="-171450">
+              <a:buFont typeface="Arial" panose="020B0604020202020204" pitchFamily="34" charset="0"/>
+              <a:buChar char="•"/>
+            </a:pPr>
+            <a:r>
+              <a:rPr lang="fr-FR" dirty="0"/>
+              <a:t>Nous avons trois sources, A et B comme sources musicales, C comme source littéraire</a:t>
+            </a:r>
+          </a:p>
+          <a:p>
+            <a:pPr marL="171450" indent="-171450">
+              <a:buFont typeface="Arial" panose="020B0604020202020204" pitchFamily="34" charset="0"/>
+              <a:buChar char="•"/>
+            </a:pPr>
+            <a:r>
+              <a:rPr lang="fr-FR" dirty="0"/>
+              <a:t>Les sources A et B font cependant partie de la même manifestation (parce que un cote de bibliothèque)</a:t>
+            </a:r>
+          </a:p>
+          <a:p>
+            <a:pPr marL="0" indent="0">
+              <a:buFont typeface="Arial" panose="020B0604020202020204" pitchFamily="34" charset="0"/>
+              <a:buNone/>
+            </a:pPr>
+            <a:r>
+              <a:rPr lang="fr-FR" dirty="0"/>
+              <a:t>Nous avons essayé de procéder est comme suit : Dans l’environnement &lt;manifestation&gt; ont déclare les deux zones de la manifestation qui représentent la source A (partie séparée) et B (partition générale)</a:t>
+            </a:r>
+          </a:p>
+          <a:p>
+            <a:pPr marL="0" indent="0">
+              <a:buFont typeface="Arial" panose="020B0604020202020204" pitchFamily="34" charset="0"/>
+              <a:buNone/>
+            </a:pPr>
+            <a:r>
+              <a:rPr lang="fr-FR" dirty="0"/>
+              <a:t>Qu’est-ce que vous en pensez ?</a:t>
             </a:r>
           </a:p>
         </p:txBody>
@@ -1131,7 +1013,7 @@
     </p:spTree>
     <p:extLst>
       <p:ext uri="{BB962C8B-B14F-4D97-AF65-F5344CB8AC3E}">
-        <p14:creationId xmlns:p14="http://schemas.microsoft.com/office/powerpoint/2010/main" val="2950048698"/>
+        <p14:creationId xmlns:p14="http://schemas.microsoft.com/office/powerpoint/2010/main" val="1042597001"/>
       </p:ext>
     </p:extLst>
   </p:cSld>
@@ -1185,59 +1067,9 @@
           <a:bodyPr/>
           <a:lstStyle/>
           <a:p>
-            <a:pPr marL="171450" indent="-171450">
-              <a:buFont typeface="Arial" panose="020B0604020202020204" pitchFamily="34" charset="0"/>
-              <a:buChar char="•"/>
-            </a:pPr>
-            <a:r>
-              <a:rPr lang="fr-FR" dirty="0"/>
-              <a:t>Parler de la logique de la MEI : </a:t>
-            </a:r>
-          </a:p>
-          <a:p>
-            <a:pPr marL="628650" lvl="1" indent="-171450">
-              <a:buFont typeface="Arial" panose="020B0604020202020204" pitchFamily="34" charset="0"/>
-              <a:buChar char="•"/>
-            </a:pPr>
-            <a:r>
-              <a:rPr lang="fr-FR" dirty="0"/>
-              <a:t>Source qui a été utilisé pour effectuer une édition</a:t>
-            </a:r>
-          </a:p>
-          <a:p>
-            <a:pPr marL="628650" lvl="1" indent="-171450">
-              <a:buFont typeface="Arial" panose="020B0604020202020204" pitchFamily="34" charset="0"/>
-              <a:buChar char="•"/>
-            </a:pPr>
-            <a:r>
-              <a:rPr lang="fr-FR" dirty="0"/>
-              <a:t>Manifestation est un « </a:t>
-            </a:r>
-            <a:r>
-              <a:rPr lang="fr-FR" dirty="0" err="1"/>
-              <a:t>embodiment</a:t>
-            </a:r>
-            <a:r>
-              <a:rPr lang="fr-FR" dirty="0"/>
-              <a:t> of an expression of a </a:t>
-            </a:r>
-            <a:r>
-              <a:rPr lang="fr-FR" dirty="0" err="1"/>
-              <a:t>work</a:t>
-            </a:r>
-            <a:r>
-              <a:rPr lang="fr-FR" dirty="0"/>
-              <a:t> »</a:t>
-            </a:r>
-          </a:p>
-          <a:p>
-            <a:pPr marL="171450" lvl="0" indent="-171450">
-              <a:buFont typeface="Arial" panose="020B0604020202020204" pitchFamily="34" charset="0"/>
-              <a:buChar char="•"/>
-            </a:pPr>
-            <a:r>
-              <a:rPr lang="fr-FR" dirty="0"/>
-              <a:t>Nos problèmes : Comment on peut différencier entre deux sources et une manifestation ?</a:t>
+            <a:r>
+              <a:rPr lang="fr-FR" dirty="0"/>
+              <a:t>Passons au troisième problème : le renvoi vers plusieurs pages dans le facsimile</a:t>
             </a:r>
           </a:p>
         </p:txBody>
@@ -1268,7 +1100,7 @@
     </p:spTree>
     <p:extLst>
       <p:ext uri="{BB962C8B-B14F-4D97-AF65-F5344CB8AC3E}">
-        <p14:creationId xmlns:p14="http://schemas.microsoft.com/office/powerpoint/2010/main" val="2331271720"/>
+        <p14:creationId xmlns:p14="http://schemas.microsoft.com/office/powerpoint/2010/main" val="2549698169"/>
       </p:ext>
     </p:extLst>
   </p:cSld>
@@ -1322,19 +1154,21 @@
           <a:bodyPr/>
           <a:lstStyle/>
           <a:p>
-            <a:r>
-              <a:rPr lang="fr-FR" dirty="0"/>
-              <a:t>Pour devenir plus précis :</a:t>
-            </a:r>
-          </a:p>
-          <a:p>
             <a:pPr marL="171450" indent="-171450">
               <a:buFont typeface="Arial" panose="020B0604020202020204" pitchFamily="34" charset="0"/>
               <a:buChar char="•"/>
             </a:pPr>
             <a:r>
               <a:rPr lang="fr-FR" dirty="0"/>
-              <a:t>Nous avons trois sources, A et B comme sources musicales, C comme source littéraire</a:t>
+              <a:t>La source A englobe la totalité des parties séparées ; le facsimilé a donc une sous-structure (Partie de basse continue, violon 1, canto 1 et </a:t>
+            </a:r>
+            <a:r>
+              <a:rPr lang="fr-FR" dirty="0" err="1"/>
+              <a:t>cie</a:t>
+            </a:r>
+            <a:r>
+              <a:rPr lang="fr-FR" dirty="0"/>
+              <a:t>.).</a:t>
             </a:r>
           </a:p>
           <a:p>
@@ -1344,27 +1178,35 @@
             </a:pPr>
             <a:r>
               <a:rPr lang="fr-FR" dirty="0"/>
-              <a:t>Les sources A et B font cependant partie de la même manifestation (parce que un cote de bibliothèque)</a:t>
-            </a:r>
-          </a:p>
-          <a:p>
-            <a:pPr marL="0" indent="0">
+              <a:t>Dans &lt;</a:t>
+            </a:r>
+            <a:r>
+              <a:rPr lang="fr-FR" dirty="0" err="1"/>
+              <a:t>editorialDecl</a:t>
+            </a:r>
+            <a:r>
+              <a:rPr lang="fr-FR" dirty="0"/>
+              <a:t>&gt; et aussi &lt;manifestation&gt; on a parfois besoin de faire référence a plusieurs pages de fac-similes. </a:t>
+            </a:r>
+          </a:p>
+          <a:p>
+            <a:pPr marL="171450" indent="-171450">
               <a:buFont typeface="Arial" panose="020B0604020202020204" pitchFamily="34" charset="0"/>
-              <a:buNone/>
+              <a:buChar char="•"/>
             </a:pPr>
             <a:r>
               <a:rPr lang="fr-FR" dirty="0"/>
-              <a:t>Nous avons essayé de procéder est comme suit : Dans l’environnement &lt;manifestation&gt; ont déclare les deux zones de la manifestation qui représentent la source A (partie séparée) et B (partition générale)</a:t>
-            </a:r>
-          </a:p>
-          <a:p>
-            <a:pPr marL="0" indent="0">
+              <a:t>Ce qui nous manque, c’est une balise qui a un niveau intermédiaire entre &lt;facsimile&gt; et &lt;surface&gt;.</a:t>
+            </a:r>
+          </a:p>
+          <a:p>
+            <a:pPr marL="171450" indent="-171450">
               <a:buFont typeface="Arial" panose="020B0604020202020204" pitchFamily="34" charset="0"/>
-              <a:buNone/>
+              <a:buChar char="•"/>
             </a:pPr>
             <a:r>
               <a:rPr lang="fr-FR" dirty="0"/>
-              <a:t>Qu’est-ce que vous en pensez ?</a:t>
+              <a:t>Est-ce que vous avez une idée comment procéder ?</a:t>
             </a:r>
           </a:p>
         </p:txBody>
@@ -1395,7 +1237,7 @@
     </p:spTree>
     <p:extLst>
       <p:ext uri="{BB962C8B-B14F-4D97-AF65-F5344CB8AC3E}">
-        <p14:creationId xmlns:p14="http://schemas.microsoft.com/office/powerpoint/2010/main" val="1042597001"/>
+        <p14:creationId xmlns:p14="http://schemas.microsoft.com/office/powerpoint/2010/main" val="461866223"/>
       </p:ext>
     </p:extLst>
   </p:cSld>
@@ -1449,9 +1291,33 @@
           <a:bodyPr/>
           <a:lstStyle/>
           <a:p>
-            <a:r>
-              <a:rPr lang="fr-FR" dirty="0"/>
-              <a:t>Passons au troisième problème : le renvoi vers plusieurs pages dans le facsimile</a:t>
+            <a:pPr marL="171450" indent="-171450">
+              <a:buFont typeface="Arial" panose="020B0604020202020204" pitchFamily="34" charset="0"/>
+              <a:buChar char="•"/>
+            </a:pPr>
+            <a:r>
+              <a:rPr lang="fr-FR" dirty="0"/>
+              <a:t>On veut établir un lien entre le fac-similé et l’édition, mais note par note est trop chronophage.</a:t>
+            </a:r>
+          </a:p>
+          <a:p>
+            <a:pPr marL="171450" indent="-171450">
+              <a:buFont typeface="Arial" panose="020B0604020202020204" pitchFamily="34" charset="0"/>
+              <a:buChar char="•"/>
+            </a:pPr>
+            <a:r>
+              <a:rPr lang="fr-FR" dirty="0"/>
+              <a:t>Notre solution : nous indiquons les &lt;pb&gt; dans le fac-similé pour la source A et aussi pour la source B. </a:t>
+            </a:r>
+          </a:p>
+          <a:p>
+            <a:pPr marL="171450" indent="-171450">
+              <a:buFont typeface="Arial" panose="020B0604020202020204" pitchFamily="34" charset="0"/>
+              <a:buChar char="•"/>
+            </a:pPr>
+            <a:r>
+              <a:rPr lang="fr-FR" dirty="0"/>
+              <a:t>Qu’est-ce que vous en pensez ?</a:t>
             </a:r>
           </a:p>
         </p:txBody>
@@ -1473,7 +1339,7 @@
           <a:p>
             <a:fld id="{FCCCE695-B37B-4A95-8CA1-34B5D2BAFECB}" type="slidenum">
               <a:rPr lang="fr-FR" smtClean="0"/>
-              <a:t>15</a:t>
+              <a:t>16</a:t>
             </a:fld>
             <a:endParaRPr lang="fr-FR"/>
           </a:p>
@@ -1482,7 +1348,7 @@
     </p:spTree>
     <p:extLst>
       <p:ext uri="{BB962C8B-B14F-4D97-AF65-F5344CB8AC3E}">
-        <p14:creationId xmlns:p14="http://schemas.microsoft.com/office/powerpoint/2010/main" val="2549698169"/>
+        <p14:creationId xmlns:p14="http://schemas.microsoft.com/office/powerpoint/2010/main" val="1391698348"/>
       </p:ext>
     </p:extLst>
   </p:cSld>
@@ -1536,59 +1402,25 @@
           <a:bodyPr/>
           <a:lstStyle/>
           <a:p>
-            <a:pPr marL="171450" indent="-171450">
-              <a:buFont typeface="Arial" panose="020B0604020202020204" pitchFamily="34" charset="0"/>
-              <a:buChar char="•"/>
-            </a:pPr>
-            <a:r>
-              <a:rPr lang="fr-FR" dirty="0"/>
-              <a:t>La source A englobe la totalité des parties séparées ; le facsimilé a donc une sous-structure (Partie de basse continue, violon 1, canto 1 et </a:t>
+            <a:r>
+              <a:rPr lang="fr-FR" dirty="0"/>
+              <a:t>Avant le Header commence, on a mis ce </a:t>
             </a:r>
             <a:r>
               <a:rPr lang="fr-FR" dirty="0" err="1"/>
-              <a:t>cie</a:t>
-            </a:r>
-            <a:r>
-              <a:rPr lang="fr-FR" dirty="0"/>
-              <a:t>.).</a:t>
-            </a:r>
-          </a:p>
-          <a:p>
-            <a:pPr marL="171450" indent="-171450">
-              <a:buFont typeface="Arial" panose="020B0604020202020204" pitchFamily="34" charset="0"/>
-              <a:buChar char="•"/>
-            </a:pPr>
-            <a:r>
-              <a:rPr lang="fr-FR" dirty="0"/>
-              <a:t>Dans &lt;</a:t>
+              <a:t>statement</a:t>
+            </a:r>
+            <a:r>
+              <a:rPr lang="fr-FR" dirty="0"/>
+              <a:t> pour définir la relation entre parent et enfant. À gauche, c’est le </a:t>
             </a:r>
             <a:r>
               <a:rPr lang="fr-FR" dirty="0" err="1"/>
-              <a:t>editorialDecl</a:t>
-            </a:r>
-            <a:r>
-              <a:rPr lang="fr-FR" dirty="0"/>
-              <a:t>&gt; et aussi &lt;manifestation&gt; on a parfois besoin de faire référence a plusieurs pages de fac-similes. </a:t>
-            </a:r>
-          </a:p>
-          <a:p>
-            <a:pPr marL="171450" indent="-171450">
-              <a:buFont typeface="Arial" panose="020B0604020202020204" pitchFamily="34" charset="0"/>
-              <a:buChar char="•"/>
-            </a:pPr>
-            <a:r>
-              <a:rPr lang="fr-FR" dirty="0"/>
-              <a:t>Ce qui nous manque, c’est une balise qui a un niveau intermédiaire entre &lt;facsimile&gt; et &lt;surface&gt;.</a:t>
-            </a:r>
-          </a:p>
-          <a:p>
-            <a:pPr marL="171450" indent="-171450">
-              <a:buFont typeface="Arial" panose="020B0604020202020204" pitchFamily="34" charset="0"/>
-              <a:buChar char="•"/>
-            </a:pPr>
-            <a:r>
-              <a:rPr lang="fr-FR" dirty="0"/>
-              <a:t>Est-ce que vous avez une idée comment procéder ?</a:t>
+              <a:t>statement</a:t>
+            </a:r>
+            <a:r>
+              <a:rPr lang="fr-FR" dirty="0"/>
+              <a:t> pour le document parent, à droite ce qu’on a mis au début de chaque document enfant. Qu’est-ce que vous pensez de notre approche ? </a:t>
             </a:r>
           </a:p>
         </p:txBody>
@@ -1610,7 +1442,7 @@
           <a:p>
             <a:fld id="{FCCCE695-B37B-4A95-8CA1-34B5D2BAFECB}" type="slidenum">
               <a:rPr lang="fr-FR" smtClean="0"/>
-              <a:t>16</a:t>
+              <a:t>17</a:t>
             </a:fld>
             <a:endParaRPr lang="fr-FR"/>
           </a:p>
@@ -1619,7 +1451,7 @@
     </p:spTree>
     <p:extLst>
       <p:ext uri="{BB962C8B-B14F-4D97-AF65-F5344CB8AC3E}">
-        <p14:creationId xmlns:p14="http://schemas.microsoft.com/office/powerpoint/2010/main" val="461866223"/>
+        <p14:creationId xmlns:p14="http://schemas.microsoft.com/office/powerpoint/2010/main" val="958625791"/>
       </p:ext>
     </p:extLst>
   </p:cSld>
@@ -1673,33 +1505,17 @@
           <a:bodyPr/>
           <a:lstStyle/>
           <a:p>
-            <a:pPr marL="171450" indent="-171450">
-              <a:buFont typeface="Arial" panose="020B0604020202020204" pitchFamily="34" charset="0"/>
-              <a:buChar char="•"/>
-            </a:pPr>
-            <a:r>
-              <a:rPr lang="fr-FR" dirty="0"/>
-              <a:t>On veut établir un lien entre le fac-similé et l’édition, mais note par note est trop chronophage.</a:t>
-            </a:r>
-          </a:p>
-          <a:p>
-            <a:pPr marL="171450" indent="-171450">
-              <a:buFont typeface="Arial" panose="020B0604020202020204" pitchFamily="34" charset="0"/>
-              <a:buChar char="•"/>
-            </a:pPr>
-            <a:r>
-              <a:rPr lang="fr-FR" dirty="0"/>
-              <a:t>Notre solution : nous indiquons les &lt;pb&gt; dans le fac-similé pour la source A et aussi pour la source B. </a:t>
-            </a:r>
-          </a:p>
-          <a:p>
-            <a:pPr marL="171450" indent="-171450">
-              <a:buFont typeface="Arial" panose="020B0604020202020204" pitchFamily="34" charset="0"/>
-              <a:buChar char="•"/>
-            </a:pPr>
-            <a:r>
-              <a:rPr lang="fr-FR" dirty="0"/>
-              <a:t>Qu’est-ce que vous en pensez ?</a:t>
+            <a:r>
+              <a:rPr lang="fr-FR" dirty="0"/>
+              <a:t>Pour illustrer le choix éditorial que j’ai fait en accord avec Nathalie l’année dernière : on peut voir que la partie séparée de la basse continue est amplement chiffrée dans la source A ; dans la source B, il n’y a aucune chiffre. Ils manquent aussi beaucoup de nuances, qui ont très probablement été fait par </a:t>
+            </a:r>
+            <a:r>
+              <a:rPr lang="fr-FR" dirty="0" err="1"/>
+              <a:t>Graupner</a:t>
+            </a:r>
+            <a:r>
+              <a:rPr lang="fr-FR" dirty="0"/>
+              <a:t> lui-même.</a:t>
             </a:r>
           </a:p>
         </p:txBody>
@@ -1730,7 +1546,7 @@
     </p:spTree>
     <p:extLst>
       <p:ext uri="{BB962C8B-B14F-4D97-AF65-F5344CB8AC3E}">
-        <p14:creationId xmlns:p14="http://schemas.microsoft.com/office/powerpoint/2010/main" val="1391698348"/>
+        <p14:creationId xmlns:p14="http://schemas.microsoft.com/office/powerpoint/2010/main" val="2950048698"/>
       </p:ext>
     </p:extLst>
   </p:cSld>
@@ -2491,23 +2307,7 @@
           <a:p>
             <a:r>
               <a:rPr lang="fr-FR" dirty="0"/>
-              <a:t>Avant le Header commence, on a mis ce </a:t>
-            </a:r>
-            <a:r>
-              <a:rPr lang="fr-FR" dirty="0" err="1"/>
-              <a:t>statement</a:t>
-            </a:r>
-            <a:r>
-              <a:rPr lang="fr-FR" dirty="0"/>
-              <a:t> pour définir la relation entre parent et enfant. À gauche, c’est le </a:t>
-            </a:r>
-            <a:r>
-              <a:rPr lang="fr-FR" dirty="0" err="1"/>
-              <a:t>statement</a:t>
-            </a:r>
-            <a:r>
-              <a:rPr lang="fr-FR" dirty="0"/>
-              <a:t> pour le document parent, à droite ce qu’on a mis au début de chaque document enfant. Qu’est-ce que vous pensez de notre approche ? </a:t>
+              <a:t>Ce problème demande une explication un peu plus vaste : </a:t>
             </a:r>
           </a:p>
         </p:txBody>
@@ -2538,7 +2338,7 @@
     </p:spTree>
     <p:extLst>
       <p:ext uri="{BB962C8B-B14F-4D97-AF65-F5344CB8AC3E}">
-        <p14:creationId xmlns:p14="http://schemas.microsoft.com/office/powerpoint/2010/main" val="958625791"/>
+        <p14:creationId xmlns:p14="http://schemas.microsoft.com/office/powerpoint/2010/main" val="294372533"/>
       </p:ext>
     </p:extLst>
   </p:cSld>
@@ -2592,9 +2392,13 @@
           <a:bodyPr/>
           <a:lstStyle/>
           <a:p>
-            <a:r>
-              <a:rPr lang="fr-FR" dirty="0"/>
-              <a:t>Ce problème demande une explication un peu plus vaste : </a:t>
+            <a:pPr marL="171450" indent="-171450">
+              <a:buFont typeface="Arial" panose="020B0604020202020204" pitchFamily="34" charset="0"/>
+              <a:buChar char="•"/>
+            </a:pPr>
+            <a:r>
+              <a:rPr lang="fr-FR" dirty="0"/>
+              <a:t>Explication de la manifestation physique des sources et mon choix par rapport à la source principale.</a:t>
             </a:r>
           </a:p>
         </p:txBody>
@@ -2625,7 +2429,7 @@
     </p:spTree>
     <p:extLst>
       <p:ext uri="{BB962C8B-B14F-4D97-AF65-F5344CB8AC3E}">
-        <p14:creationId xmlns:p14="http://schemas.microsoft.com/office/powerpoint/2010/main" val="294372533"/>
+        <p14:creationId xmlns:p14="http://schemas.microsoft.com/office/powerpoint/2010/main" val="1075956349"/>
       </p:ext>
     </p:extLst>
   </p:cSld>
@@ -2864,7 +2668,7 @@
           <a:p>
             <a:fld id="{6DF8D168-963E-48B1-A7EC-C96E46BCD5F7}" type="slidenum">
               <a:rPr lang="fr-FR" smtClean="0"/>
-              <a:t>‹N°›</a:t>
+              <a:t>‹Nr.›</a:t>
             </a:fld>
             <a:endParaRPr lang="fr-FR"/>
           </a:p>
@@ -3164,7 +2968,7 @@
           <a:p>
             <a:fld id="{6DF8D168-963E-48B1-A7EC-C96E46BCD5F7}" type="slidenum">
               <a:rPr lang="fr-FR" smtClean="0"/>
-              <a:t>‹N°›</a:t>
+              <a:t>‹Nr.›</a:t>
             </a:fld>
             <a:endParaRPr lang="fr-FR"/>
           </a:p>
@@ -3358,7 +3162,7 @@
           <a:p>
             <a:fld id="{6DF8D168-963E-48B1-A7EC-C96E46BCD5F7}" type="slidenum">
               <a:rPr lang="fr-FR" smtClean="0"/>
-              <a:t>‹N°›</a:t>
+              <a:t>‹Nr.›</a:t>
             </a:fld>
             <a:endParaRPr lang="fr-FR"/>
           </a:p>
@@ -3621,7 +3425,7 @@
           <a:p>
             <a:fld id="{6DF8D168-963E-48B1-A7EC-C96E46BCD5F7}" type="slidenum">
               <a:rPr lang="fr-FR" smtClean="0"/>
-              <a:t>‹N°›</a:t>
+              <a:t>‹Nr.›</a:t>
             </a:fld>
             <a:endParaRPr lang="fr-FR"/>
           </a:p>
@@ -4047,7 +3851,7 @@
           <a:p>
             <a:fld id="{6DF8D168-963E-48B1-A7EC-C96E46BCD5F7}" type="slidenum">
               <a:rPr lang="fr-FR" smtClean="0"/>
-              <a:t>‹N°›</a:t>
+              <a:t>‹Nr.›</a:t>
             </a:fld>
             <a:endParaRPr lang="fr-FR"/>
           </a:p>
@@ -4586,7 +4390,7 @@
           <a:p>
             <a:fld id="{6DF8D168-963E-48B1-A7EC-C96E46BCD5F7}" type="slidenum">
               <a:rPr lang="fr-FR" smtClean="0"/>
-              <a:t>‹N°›</a:t>
+              <a:t>‹Nr.›</a:t>
             </a:fld>
             <a:endParaRPr lang="fr-FR"/>
           </a:p>
@@ -5452,7 +5256,7 @@
           <a:p>
             <a:fld id="{6DF8D168-963E-48B1-A7EC-C96E46BCD5F7}" type="slidenum">
               <a:rPr lang="fr-FR" smtClean="0"/>
-              <a:t>‹N°›</a:t>
+              <a:t>‹Nr.›</a:t>
             </a:fld>
             <a:endParaRPr lang="fr-FR"/>
           </a:p>
@@ -5624,7 +5428,7 @@
           <a:p>
             <a:fld id="{6DF8D168-963E-48B1-A7EC-C96E46BCD5F7}" type="slidenum">
               <a:rPr lang="fr-FR" smtClean="0"/>
-              <a:t>‹N°›</a:t>
+              <a:t>‹Nr.›</a:t>
             </a:fld>
             <a:endParaRPr lang="fr-FR"/>
           </a:p>
@@ -5810,7 +5614,7 @@
           <a:p>
             <a:fld id="{6DF8D168-963E-48B1-A7EC-C96E46BCD5F7}" type="slidenum">
               <a:rPr lang="fr-FR" smtClean="0"/>
-              <a:t>‹N°›</a:t>
+              <a:t>‹Nr.›</a:t>
             </a:fld>
             <a:endParaRPr lang="fr-FR"/>
           </a:p>
@@ -5982,7 +5786,7 @@
           <a:p>
             <a:fld id="{6DF8D168-963E-48B1-A7EC-C96E46BCD5F7}" type="slidenum">
               <a:rPr lang="fr-FR" smtClean="0"/>
-              <a:t>‹N°›</a:t>
+              <a:t>‹Nr.›</a:t>
             </a:fld>
             <a:endParaRPr lang="fr-FR"/>
           </a:p>
@@ -6228,7 +6032,7 @@
           <a:p>
             <a:fld id="{6DF8D168-963E-48B1-A7EC-C96E46BCD5F7}" type="slidenum">
               <a:rPr lang="fr-FR" smtClean="0"/>
-              <a:t>‹N°›</a:t>
+              <a:t>‹Nr.›</a:t>
             </a:fld>
             <a:endParaRPr lang="fr-FR"/>
           </a:p>
@@ -6466,7 +6270,7 @@
           <a:p>
             <a:fld id="{6DF8D168-963E-48B1-A7EC-C96E46BCD5F7}" type="slidenum">
               <a:rPr lang="fr-FR" smtClean="0"/>
-              <a:t>‹N°›</a:t>
+              <a:t>‹Nr.›</a:t>
             </a:fld>
             <a:endParaRPr lang="fr-FR"/>
           </a:p>
@@ -6934,7 +6738,7 @@
           <a:p>
             <a:fld id="{6DF8D168-963E-48B1-A7EC-C96E46BCD5F7}" type="slidenum">
               <a:rPr lang="fr-FR" smtClean="0"/>
-              <a:t>‹N°›</a:t>
+              <a:t>‹Nr.›</a:t>
             </a:fld>
             <a:endParaRPr lang="fr-FR"/>
           </a:p>
@@ -7054,7 +6858,7 @@
           <a:p>
             <a:fld id="{6DF8D168-963E-48B1-A7EC-C96E46BCD5F7}" type="slidenum">
               <a:rPr lang="fr-FR" smtClean="0"/>
-              <a:t>‹N°›</a:t>
+              <a:t>‹Nr.›</a:t>
             </a:fld>
             <a:endParaRPr lang="fr-FR"/>
           </a:p>
@@ -7151,7 +6955,7 @@
           <a:p>
             <a:fld id="{6DF8D168-963E-48B1-A7EC-C96E46BCD5F7}" type="slidenum">
               <a:rPr lang="fr-FR" smtClean="0"/>
-              <a:t>‹N°›</a:t>
+              <a:t>‹Nr.›</a:t>
             </a:fld>
             <a:endParaRPr lang="fr-FR"/>
           </a:p>
@@ -7408,7 +7212,7 @@
           <a:p>
             <a:fld id="{6DF8D168-963E-48B1-A7EC-C96E46BCD5F7}" type="slidenum">
               <a:rPr lang="fr-FR" smtClean="0"/>
-              <a:t>‹N°›</a:t>
+              <a:t>‹Nr.›</a:t>
             </a:fld>
             <a:endParaRPr lang="fr-FR"/>
           </a:p>
@@ -7710,7 +7514,7 @@
           <a:p>
             <a:fld id="{6DF8D168-963E-48B1-A7EC-C96E46BCD5F7}" type="slidenum">
               <a:rPr lang="fr-FR" smtClean="0"/>
-              <a:t>‹N°›</a:t>
+              <a:t>‹Nr.›</a:t>
             </a:fld>
             <a:endParaRPr lang="fr-FR"/>
           </a:p>
@@ -7996,7 +7800,7 @@
           <a:p>
             <a:fld id="{6DF8D168-963E-48B1-A7EC-C96E46BCD5F7}" type="slidenum">
               <a:rPr lang="fr-FR" smtClean="0"/>
-              <a:t>‹N°›</a:t>
+              <a:t>‹Nr.›</a:t>
             </a:fld>
             <a:endParaRPr lang="fr-FR"/>
           </a:p>
@@ -8773,7 +8577,7 @@
           <p:cNvPr id="2" name="Titel 1">
             <a:extLst>
               <a:ext uri="{FF2B5EF4-FFF2-40B4-BE49-F238E27FC236}">
-                <a16:creationId xmlns:a16="http://schemas.microsoft.com/office/drawing/2014/main" id="{30822C52-BA18-EB39-CD56-27ECF3F7C901}"/>
+                <a16:creationId xmlns:a16="http://schemas.microsoft.com/office/drawing/2014/main" id="{229A65DC-897D-7726-C81B-C6DFD2585BBE}"/>
               </a:ext>
             </a:extLst>
           </p:cNvPr>
@@ -8791,17 +8595,17 @@
           <a:p>
             <a:r>
               <a:rPr lang="fr-FR" dirty="0"/>
-              <a:t>II. Rapport entre &lt;source&gt; et &lt;manifestation&gt; </a:t>
-            </a:r>
-          </a:p>
-        </p:txBody>
-      </p:sp>
-      <p:sp>
-        <p:nvSpPr>
-          <p:cNvPr id="3" name="Textplatzhalter 2">
+              <a:t>Notre cas</a:t>
+            </a:r>
+          </a:p>
+        </p:txBody>
+      </p:sp>
+      <p:sp>
+        <p:nvSpPr>
+          <p:cNvPr id="3" name="Inhaltsplatzhalter 2">
             <a:extLst>
               <a:ext uri="{FF2B5EF4-FFF2-40B4-BE49-F238E27FC236}">
-                <a16:creationId xmlns:a16="http://schemas.microsoft.com/office/drawing/2014/main" id="{50D210DA-C1E6-F819-3FD2-4DB6816D51F2}"/>
+                <a16:creationId xmlns:a16="http://schemas.microsoft.com/office/drawing/2014/main" id="{20782A80-536D-BDCF-23B1-E2DA6DA21052}"/>
               </a:ext>
             </a:extLst>
           </p:cNvPr>
@@ -8809,15 +8613,145 @@
             <a:spLocks noGrp="1"/>
           </p:cNvSpPr>
           <p:nvPr>
-            <p:ph type="body" idx="1"/>
-          </p:nvPr>
-        </p:nvSpPr>
-        <p:spPr/>
-        <p:txBody>
-          <a:bodyPr/>
-          <a:lstStyle/>
-          <a:p>
-            <a:endParaRPr lang="fr-FR"/>
+            <p:ph idx="1"/>
+          </p:nvPr>
+        </p:nvSpPr>
+        <p:spPr/>
+        <p:txBody>
+          <a:bodyPr/>
+          <a:lstStyle/>
+          <a:p>
+            <a:r>
+              <a:rPr lang="fr-FR" dirty="0"/>
+              <a:t>Il existe deux sources musicales manuscrites, les deux de la main de </a:t>
+            </a:r>
+            <a:r>
+              <a:rPr lang="fr-FR" dirty="0" err="1"/>
+              <a:t>Graupner</a:t>
+            </a:r>
+            <a:r>
+              <a:rPr lang="fr-FR" dirty="0"/>
+              <a:t> :</a:t>
+            </a:r>
+          </a:p>
+          <a:p>
+            <a:pPr lvl="1"/>
+            <a:r>
+              <a:rPr lang="fr-FR" dirty="0"/>
+              <a:t>La partition générale (</a:t>
+            </a:r>
+            <a:r>
+              <a:rPr lang="fr-FR" dirty="0">
+                <a:solidFill>
+                  <a:srgbClr val="FF0000"/>
+                </a:solidFill>
+              </a:rPr>
+              <a:t>source B</a:t>
+            </a:r>
+            <a:r>
+              <a:rPr lang="fr-FR" dirty="0"/>
+              <a:t>)</a:t>
+            </a:r>
+          </a:p>
+          <a:p>
+            <a:pPr lvl="1"/>
+            <a:r>
+              <a:rPr lang="fr-FR" dirty="0"/>
+              <a:t>Les parties séparées (</a:t>
+            </a:r>
+            <a:r>
+              <a:rPr lang="fr-FR" dirty="0">
+                <a:solidFill>
+                  <a:srgbClr val="FF0000"/>
+                </a:solidFill>
+              </a:rPr>
+              <a:t>source A</a:t>
+            </a:r>
+            <a:r>
+              <a:rPr lang="fr-FR" dirty="0"/>
+              <a:t>)</a:t>
+            </a:r>
+          </a:p>
+          <a:p>
+            <a:r>
+              <a:rPr lang="fr-FR" dirty="0"/>
+              <a:t>La partition générale et les parties séparées sont conservées sous le même cote (D DS Mus ms 429-428)</a:t>
+            </a:r>
+          </a:p>
+          <a:p>
+            <a:r>
+              <a:rPr lang="fr-FR" dirty="0"/>
+              <a:t>Puisque les parties séparées sont plus précises pour ce qui est des nuances, liaisons et ornements, elles servent de source principale (</a:t>
+            </a:r>
+            <a:r>
+              <a:rPr lang="fr-FR" dirty="0">
+                <a:solidFill>
+                  <a:srgbClr val="FF0000"/>
+                </a:solidFill>
+              </a:rPr>
+              <a:t>source A</a:t>
+            </a:r>
+            <a:r>
+              <a:rPr lang="fr-FR" dirty="0"/>
+              <a:t>). La </a:t>
+            </a:r>
+            <a:r>
+              <a:rPr lang="fr-FR" dirty="0">
+                <a:solidFill>
+                  <a:srgbClr val="FF0000"/>
+                </a:solidFill>
+              </a:rPr>
+              <a:t>source B </a:t>
+            </a:r>
+            <a:r>
+              <a:rPr lang="fr-FR" dirty="0"/>
+              <a:t>sert comme source secondaire.</a:t>
+            </a:r>
+          </a:p>
+          <a:p>
+            <a:r>
+              <a:rPr lang="fr-FR" dirty="0"/>
+              <a:t>Une source imprimée pour le livret (</a:t>
+            </a:r>
+            <a:r>
+              <a:rPr lang="fr-FR" dirty="0">
+                <a:solidFill>
+                  <a:srgbClr val="FF0000"/>
+                </a:solidFill>
+              </a:rPr>
+              <a:t>source C</a:t>
+            </a:r>
+            <a:r>
+              <a:rPr lang="fr-FR" dirty="0"/>
+              <a:t>, </a:t>
+            </a:r>
+            <a:r>
+              <a:rPr lang="fr-FR" dirty="0" err="1"/>
+              <a:t>Theologische</a:t>
+            </a:r>
+            <a:r>
+              <a:rPr lang="fr-FR" dirty="0"/>
+              <a:t> </a:t>
+            </a:r>
+            <a:r>
+              <a:rPr lang="fr-FR" dirty="0" err="1"/>
+              <a:t>Bibliothek</a:t>
+            </a:r>
+            <a:r>
+              <a:rPr lang="fr-FR" dirty="0"/>
+              <a:t> der </a:t>
+            </a:r>
+            <a:r>
+              <a:rPr lang="fr-FR" dirty="0" err="1"/>
+              <a:t>Universitätsbibliothek</a:t>
+            </a:r>
+            <a:r>
+              <a:rPr lang="fr-FR" dirty="0"/>
+              <a:t> Marburg 760)</a:t>
+            </a:r>
+          </a:p>
+          <a:p>
+            <a:endParaRPr lang="fr-FR" dirty="0"/>
           </a:p>
         </p:txBody>
       </p:sp>
@@ -8826,7 +8760,7 @@
           <p:cNvPr id="4" name="Datumsplatzhalter 3">
             <a:extLst>
               <a:ext uri="{FF2B5EF4-FFF2-40B4-BE49-F238E27FC236}">
-                <a16:creationId xmlns:a16="http://schemas.microsoft.com/office/drawing/2014/main" id="{23F8FA57-7525-F845-C1A5-300F7B56DC35}"/>
+                <a16:creationId xmlns:a16="http://schemas.microsoft.com/office/drawing/2014/main" id="{365E1242-9B5B-A3D9-3418-C26067DD5110}"/>
               </a:ext>
             </a:extLst>
           </p:cNvPr>
@@ -8854,7 +8788,7 @@
           <p:cNvPr id="5" name="Fußzeilenplatzhalter 4">
             <a:extLst>
               <a:ext uri="{FF2B5EF4-FFF2-40B4-BE49-F238E27FC236}">
-                <a16:creationId xmlns:a16="http://schemas.microsoft.com/office/drawing/2014/main" id="{E6AD92D1-0B48-BA4F-6A0E-A3B54DF00227}"/>
+                <a16:creationId xmlns:a16="http://schemas.microsoft.com/office/drawing/2014/main" id="{13CAFCFB-0730-616C-1DF5-54C3A9DBE18F}"/>
               </a:ext>
             </a:extLst>
           </p:cNvPr>
@@ -8882,7 +8816,7 @@
           <p:cNvPr id="6" name="Foliennummernplatzhalter 5">
             <a:extLst>
               <a:ext uri="{FF2B5EF4-FFF2-40B4-BE49-F238E27FC236}">
-                <a16:creationId xmlns:a16="http://schemas.microsoft.com/office/drawing/2014/main" id="{D0D0EBB5-8D80-5297-DD96-C9344D2AA1DD}"/>
+                <a16:creationId xmlns:a16="http://schemas.microsoft.com/office/drawing/2014/main" id="{F7B1A16B-23DE-EF1A-C32A-D371C7F823E6}"/>
               </a:ext>
             </a:extLst>
           </p:cNvPr>
@@ -8909,13 +8843,304 @@
     </p:spTree>
     <p:extLst>
       <p:ext uri="{BB962C8B-B14F-4D97-AF65-F5344CB8AC3E}">
-        <p14:creationId xmlns:p14="http://schemas.microsoft.com/office/powerpoint/2010/main" val="2414428815"/>
+        <p14:creationId xmlns:p14="http://schemas.microsoft.com/office/powerpoint/2010/main" val="4268480646"/>
       </p:ext>
     </p:extLst>
   </p:cSld>
   <p:clrMapOvr>
     <a:masterClrMapping/>
   </p:clrMapOvr>
+  <p:timing>
+    <p:tnLst>
+      <p:par>
+        <p:cTn id="1" dur="indefinite" restart="never" nodeType="tmRoot">
+          <p:childTnLst>
+            <p:seq concurrent="1" nextAc="seek">
+              <p:cTn id="2" dur="indefinite" nodeType="mainSeq">
+                <p:childTnLst>
+                  <p:par>
+                    <p:cTn id="3" fill="hold">
+                      <p:stCondLst>
+                        <p:cond delay="indefinite"/>
+                      </p:stCondLst>
+                      <p:childTnLst>
+                        <p:par>
+                          <p:cTn id="4" fill="hold">
+                            <p:stCondLst>
+                              <p:cond delay="0"/>
+                            </p:stCondLst>
+                            <p:childTnLst>
+                              <p:par>
+                                <p:cTn id="5" presetID="1" presetClass="entr" presetSubtype="0" fill="hold" grpId="0" nodeType="clickEffect">
+                                  <p:stCondLst>
+                                    <p:cond delay="0"/>
+                                  </p:stCondLst>
+                                  <p:childTnLst>
+                                    <p:set>
+                                      <p:cBhvr>
+                                        <p:cTn id="6" dur="1" fill="hold">
+                                          <p:stCondLst>
+                                            <p:cond delay="0"/>
+                                          </p:stCondLst>
+                                        </p:cTn>
+                                        <p:tgtEl>
+                                          <p:spTgt spid="3">
+                                            <p:txEl>
+                                              <p:pRg st="0" end="0"/>
+                                            </p:txEl>
+                                          </p:spTgt>
+                                        </p:tgtEl>
+                                        <p:attrNameLst>
+                                          <p:attrName>style.visibility</p:attrName>
+                                        </p:attrNameLst>
+                                      </p:cBhvr>
+                                      <p:to>
+                                        <p:strVal val="visible"/>
+                                      </p:to>
+                                    </p:set>
+                                  </p:childTnLst>
+                                </p:cTn>
+                              </p:par>
+                              <p:par>
+                                <p:cTn id="7" presetID="1" presetClass="entr" presetSubtype="0" fill="hold" grpId="0" nodeType="withEffect">
+                                  <p:stCondLst>
+                                    <p:cond delay="0"/>
+                                  </p:stCondLst>
+                                  <p:childTnLst>
+                                    <p:set>
+                                      <p:cBhvr>
+                                        <p:cTn id="8" dur="1" fill="hold">
+                                          <p:stCondLst>
+                                            <p:cond delay="0"/>
+                                          </p:stCondLst>
+                                        </p:cTn>
+                                        <p:tgtEl>
+                                          <p:spTgt spid="3">
+                                            <p:txEl>
+                                              <p:pRg st="1" end="1"/>
+                                            </p:txEl>
+                                          </p:spTgt>
+                                        </p:tgtEl>
+                                        <p:attrNameLst>
+                                          <p:attrName>style.visibility</p:attrName>
+                                        </p:attrNameLst>
+                                      </p:cBhvr>
+                                      <p:to>
+                                        <p:strVal val="visible"/>
+                                      </p:to>
+                                    </p:set>
+                                  </p:childTnLst>
+                                </p:cTn>
+                              </p:par>
+                              <p:par>
+                                <p:cTn id="9" presetID="1" presetClass="entr" presetSubtype="0" fill="hold" grpId="0" nodeType="withEffect">
+                                  <p:stCondLst>
+                                    <p:cond delay="0"/>
+                                  </p:stCondLst>
+                                  <p:childTnLst>
+                                    <p:set>
+                                      <p:cBhvr>
+                                        <p:cTn id="10" dur="1" fill="hold">
+                                          <p:stCondLst>
+                                            <p:cond delay="0"/>
+                                          </p:stCondLst>
+                                        </p:cTn>
+                                        <p:tgtEl>
+                                          <p:spTgt spid="3">
+                                            <p:txEl>
+                                              <p:pRg st="2" end="2"/>
+                                            </p:txEl>
+                                          </p:spTgt>
+                                        </p:tgtEl>
+                                        <p:attrNameLst>
+                                          <p:attrName>style.visibility</p:attrName>
+                                        </p:attrNameLst>
+                                      </p:cBhvr>
+                                      <p:to>
+                                        <p:strVal val="visible"/>
+                                      </p:to>
+                                    </p:set>
+                                  </p:childTnLst>
+                                </p:cTn>
+                              </p:par>
+                            </p:childTnLst>
+                          </p:cTn>
+                        </p:par>
+                      </p:childTnLst>
+                    </p:cTn>
+                  </p:par>
+                  <p:par>
+                    <p:cTn id="11" fill="hold">
+                      <p:stCondLst>
+                        <p:cond delay="indefinite"/>
+                      </p:stCondLst>
+                      <p:childTnLst>
+                        <p:par>
+                          <p:cTn id="12" fill="hold">
+                            <p:stCondLst>
+                              <p:cond delay="0"/>
+                            </p:stCondLst>
+                            <p:childTnLst>
+                              <p:par>
+                                <p:cTn id="13" presetID="1" presetClass="entr" presetSubtype="0" fill="hold" grpId="0" nodeType="clickEffect">
+                                  <p:stCondLst>
+                                    <p:cond delay="0"/>
+                                  </p:stCondLst>
+                                  <p:childTnLst>
+                                    <p:set>
+                                      <p:cBhvr>
+                                        <p:cTn id="14" dur="1" fill="hold">
+                                          <p:stCondLst>
+                                            <p:cond delay="0"/>
+                                          </p:stCondLst>
+                                        </p:cTn>
+                                        <p:tgtEl>
+                                          <p:spTgt spid="3">
+                                            <p:txEl>
+                                              <p:pRg st="3" end="3"/>
+                                            </p:txEl>
+                                          </p:spTgt>
+                                        </p:tgtEl>
+                                        <p:attrNameLst>
+                                          <p:attrName>style.visibility</p:attrName>
+                                        </p:attrNameLst>
+                                      </p:cBhvr>
+                                      <p:to>
+                                        <p:strVal val="visible"/>
+                                      </p:to>
+                                    </p:set>
+                                  </p:childTnLst>
+                                </p:cTn>
+                              </p:par>
+                            </p:childTnLst>
+                          </p:cTn>
+                        </p:par>
+                      </p:childTnLst>
+                    </p:cTn>
+                  </p:par>
+                  <p:par>
+                    <p:cTn id="15" fill="hold">
+                      <p:stCondLst>
+                        <p:cond delay="indefinite"/>
+                      </p:stCondLst>
+                      <p:childTnLst>
+                        <p:par>
+                          <p:cTn id="16" fill="hold">
+                            <p:stCondLst>
+                              <p:cond delay="0"/>
+                            </p:stCondLst>
+                            <p:childTnLst>
+                              <p:par>
+                                <p:cTn id="17" presetID="1" presetClass="entr" presetSubtype="0" fill="hold" grpId="0" nodeType="clickEffect">
+                                  <p:stCondLst>
+                                    <p:cond delay="0"/>
+                                  </p:stCondLst>
+                                  <p:childTnLst>
+                                    <p:set>
+                                      <p:cBhvr>
+                                        <p:cTn id="18" dur="1" fill="hold">
+                                          <p:stCondLst>
+                                            <p:cond delay="0"/>
+                                          </p:stCondLst>
+                                        </p:cTn>
+                                        <p:tgtEl>
+                                          <p:spTgt spid="3">
+                                            <p:txEl>
+                                              <p:pRg st="4" end="4"/>
+                                            </p:txEl>
+                                          </p:spTgt>
+                                        </p:tgtEl>
+                                        <p:attrNameLst>
+                                          <p:attrName>style.visibility</p:attrName>
+                                        </p:attrNameLst>
+                                      </p:cBhvr>
+                                      <p:to>
+                                        <p:strVal val="visible"/>
+                                      </p:to>
+                                    </p:set>
+                                  </p:childTnLst>
+                                </p:cTn>
+                              </p:par>
+                            </p:childTnLst>
+                          </p:cTn>
+                        </p:par>
+                      </p:childTnLst>
+                    </p:cTn>
+                  </p:par>
+                  <p:par>
+                    <p:cTn id="19" fill="hold">
+                      <p:stCondLst>
+                        <p:cond delay="indefinite"/>
+                      </p:stCondLst>
+                      <p:childTnLst>
+                        <p:par>
+                          <p:cTn id="20" fill="hold">
+                            <p:stCondLst>
+                              <p:cond delay="0"/>
+                            </p:stCondLst>
+                            <p:childTnLst>
+                              <p:par>
+                                <p:cTn id="21" presetID="1" presetClass="entr" presetSubtype="0" fill="hold" grpId="0" nodeType="clickEffect">
+                                  <p:stCondLst>
+                                    <p:cond delay="0"/>
+                                  </p:stCondLst>
+                                  <p:childTnLst>
+                                    <p:set>
+                                      <p:cBhvr>
+                                        <p:cTn id="22" dur="1" fill="hold">
+                                          <p:stCondLst>
+                                            <p:cond delay="0"/>
+                                          </p:stCondLst>
+                                        </p:cTn>
+                                        <p:tgtEl>
+                                          <p:spTgt spid="3">
+                                            <p:txEl>
+                                              <p:pRg st="5" end="5"/>
+                                            </p:txEl>
+                                          </p:spTgt>
+                                        </p:tgtEl>
+                                        <p:attrNameLst>
+                                          <p:attrName>style.visibility</p:attrName>
+                                        </p:attrNameLst>
+                                      </p:cBhvr>
+                                      <p:to>
+                                        <p:strVal val="visible"/>
+                                      </p:to>
+                                    </p:set>
+                                  </p:childTnLst>
+                                </p:cTn>
+                              </p:par>
+                            </p:childTnLst>
+                          </p:cTn>
+                        </p:par>
+                      </p:childTnLst>
+                    </p:cTn>
+                  </p:par>
+                </p:childTnLst>
+              </p:cTn>
+              <p:prevCondLst>
+                <p:cond evt="onPrev" delay="0">
+                  <p:tgtEl>
+                    <p:sldTgt/>
+                  </p:tgtEl>
+                </p:cond>
+              </p:prevCondLst>
+              <p:nextCondLst>
+                <p:cond evt="onNext" delay="0">
+                  <p:tgtEl>
+                    <p:sldTgt/>
+                  </p:tgtEl>
+                </p:cond>
+              </p:nextCondLst>
+            </p:seq>
+          </p:childTnLst>
+        </p:cTn>
+      </p:par>
+    </p:tnLst>
+    <p:bldLst>
+      <p:bldP spid="3" grpId="0" build="p"/>
+    </p:bldLst>
+  </p:timing>
 </p:sld>
 </file>
 
@@ -8941,7 +9166,7 @@
           <p:cNvPr id="2" name="Titel 1">
             <a:extLst>
               <a:ext uri="{FF2B5EF4-FFF2-40B4-BE49-F238E27FC236}">
-                <a16:creationId xmlns:a16="http://schemas.microsoft.com/office/drawing/2014/main" id="{229A65DC-897D-7726-C81B-C6DFD2585BBE}"/>
+                <a16:creationId xmlns:a16="http://schemas.microsoft.com/office/drawing/2014/main" id="{BD1F52C3-C23D-EE9C-A52A-9EBC64E90196}"/>
               </a:ext>
             </a:extLst>
           </p:cNvPr>
@@ -8954,22 +9179,24 @@
         </p:nvSpPr>
         <p:spPr/>
         <p:txBody>
-          <a:bodyPr/>
-          <a:lstStyle/>
-          <a:p>
-            <a:r>
-              <a:rPr lang="fr-FR" dirty="0"/>
-              <a:t>Notre cas</a:t>
-            </a:r>
-          </a:p>
-        </p:txBody>
-      </p:sp>
-      <p:sp>
-        <p:nvSpPr>
-          <p:cNvPr id="3" name="Inhaltsplatzhalter 2">
+          <a:bodyPr>
+            <a:normAutofit fontScale="90000"/>
+          </a:bodyPr>
+          <a:lstStyle/>
+          <a:p>
+            <a:r>
+              <a:rPr lang="fr-FR" dirty="0"/>
+              <a:t>La logique de la MEI par rapport à &lt;source&gt; et &lt;manifestation&gt;</a:t>
+            </a:r>
+          </a:p>
+        </p:txBody>
+      </p:sp>
+      <p:sp>
+        <p:nvSpPr>
+          <p:cNvPr id="7" name="Textplatzhalter 6">
             <a:extLst>
               <a:ext uri="{FF2B5EF4-FFF2-40B4-BE49-F238E27FC236}">
-                <a16:creationId xmlns:a16="http://schemas.microsoft.com/office/drawing/2014/main" id="{20782A80-536D-BDCF-23B1-E2DA6DA21052}"/>
+                <a16:creationId xmlns:a16="http://schemas.microsoft.com/office/drawing/2014/main" id="{9456D5B7-0D3E-54D0-9E1E-2ABAD8D303AA}"/>
               </a:ext>
             </a:extLst>
           </p:cNvPr>
@@ -8977,82 +9204,255 @@
             <a:spLocks noGrp="1"/>
           </p:cNvSpPr>
           <p:nvPr>
-            <p:ph idx="1"/>
-          </p:nvPr>
-        </p:nvSpPr>
-        <p:spPr/>
-        <p:txBody>
-          <a:bodyPr/>
-          <a:lstStyle/>
-          <a:p>
-            <a:r>
-              <a:rPr lang="fr-FR" dirty="0"/>
-              <a:t>Il existe deux sources musicales manuscrites, les deux de la main de </a:t>
+            <p:ph type="body" idx="1"/>
+          </p:nvPr>
+        </p:nvSpPr>
+        <p:spPr/>
+        <p:txBody>
+          <a:bodyPr/>
+          <a:lstStyle/>
+          <a:p>
+            <a:r>
+              <a:rPr lang="fr-FR" dirty="0"/>
+              <a:t>&lt;source&gt;</a:t>
+            </a:r>
+          </a:p>
+        </p:txBody>
+      </p:sp>
+      <p:sp>
+        <p:nvSpPr>
+          <p:cNvPr id="8" name="Inhaltsplatzhalter 7">
+            <a:extLst>
+              <a:ext uri="{FF2B5EF4-FFF2-40B4-BE49-F238E27FC236}">
+                <a16:creationId xmlns:a16="http://schemas.microsoft.com/office/drawing/2014/main" id="{92B98683-6F69-43B9-8375-0FB96D16FA18}"/>
+              </a:ext>
+            </a:extLst>
+          </p:cNvPr>
+          <p:cNvSpPr>
+            <a:spLocks noGrp="1"/>
+          </p:cNvSpPr>
+          <p:nvPr>
+            <p:ph sz="half" idx="2"/>
+          </p:nvPr>
+        </p:nvSpPr>
+        <p:spPr/>
+        <p:txBody>
+          <a:bodyPr/>
+          <a:lstStyle/>
+          <a:p>
+            <a:r>
+              <a:rPr lang="fr-FR" dirty="0"/>
+              <a:t>« A </a:t>
             </a:r>
             <a:r>
               <a:rPr lang="fr-FR" dirty="0" err="1"/>
-              <a:t>Graupner</a:t>
-            </a:r>
-            <a:r>
-              <a:rPr lang="fr-FR" dirty="0"/>
-              <a:t> :</a:t>
-            </a:r>
-          </a:p>
-          <a:p>
-            <a:pPr lvl="1"/>
-            <a:r>
-              <a:rPr lang="fr-FR" dirty="0"/>
-              <a:t>La partition générale (source B)</a:t>
-            </a:r>
-          </a:p>
-          <a:p>
-            <a:pPr lvl="1"/>
-            <a:r>
-              <a:rPr lang="fr-FR" dirty="0"/>
-              <a:t>Les parties séparées (source A)</a:t>
-            </a:r>
-          </a:p>
-          <a:p>
-            <a:r>
-              <a:rPr lang="fr-FR" dirty="0"/>
-              <a:t>La partition générale et les parties séparées sont conservées sous le même cote (D DS Mus ms 429-428)</a:t>
-            </a:r>
-          </a:p>
-          <a:p>
-            <a:r>
-              <a:rPr lang="fr-FR" dirty="0"/>
-              <a:t>Puisque les parties séparées sont plus précises pour ce qui est des nuances, liaisons et ornements, elles servent de source principale (source A)</a:t>
-            </a:r>
-          </a:p>
-          <a:p>
-            <a:r>
-              <a:rPr lang="fr-FR" dirty="0"/>
-              <a:t>Une source imprimée pour le livret (source C, </a:t>
+              <a:t>bibliographic</a:t>
+            </a:r>
+            <a:r>
+              <a:rPr lang="fr-FR" dirty="0"/>
+              <a:t> description of a source </a:t>
             </a:r>
             <a:r>
               <a:rPr lang="fr-FR" dirty="0" err="1"/>
-              <a:t>Theologische</a:t>
-            </a:r>
-            <a:r>
-              <a:rPr lang="fr-FR" dirty="0"/>
+              <a:t>used</a:t>
+            </a:r>
+            <a:r>
+              <a:rPr lang="fr-FR" dirty="0"/>
+              <a:t> in the </a:t>
+            </a:r>
+            <a:r>
+              <a:rPr lang="fr-FR" dirty="0" err="1"/>
+              <a:t>creation</a:t>
+            </a:r>
+            <a:r>
+              <a:rPr lang="fr-FR" dirty="0"/>
+              <a:t> of the </a:t>
+            </a:r>
+            <a:r>
+              <a:rPr lang="fr-FR" dirty="0" err="1"/>
+              <a:t>electronic</a:t>
+            </a:r>
+            <a:r>
+              <a:rPr lang="fr-FR" dirty="0"/>
+              <a:t> file. » (MEI 5.0. Guidelines)</a:t>
+            </a:r>
+          </a:p>
+          <a:p>
+            <a:pPr marL="36900" indent="0">
+              <a:buNone/>
+            </a:pPr>
+            <a:r>
+              <a:rPr lang="fr-FR" dirty="0">
+                <a:sym typeface="Wingdings" panose="05000000000000000000" pitchFamily="2" charset="2"/>
+              </a:rPr>
+              <a:t> Nous avons besoin de différencier entre la source musicale principale (</a:t>
+            </a:r>
+            <a:r>
+              <a:rPr lang="fr-FR" dirty="0">
+                <a:solidFill>
+                  <a:srgbClr val="FF0000"/>
+                </a:solidFill>
+                <a:sym typeface="Wingdings" panose="05000000000000000000" pitchFamily="2" charset="2"/>
+              </a:rPr>
+              <a:t>A</a:t>
+            </a:r>
+            <a:r>
+              <a:rPr lang="fr-FR" dirty="0">
+                <a:sym typeface="Wingdings" panose="05000000000000000000" pitchFamily="2" charset="2"/>
+              </a:rPr>
+              <a:t>) et la source musicale secondaire (</a:t>
+            </a:r>
+            <a:r>
+              <a:rPr lang="fr-FR" dirty="0">
+                <a:solidFill>
+                  <a:srgbClr val="FF0000"/>
+                </a:solidFill>
+                <a:sym typeface="Wingdings" panose="05000000000000000000" pitchFamily="2" charset="2"/>
+              </a:rPr>
+              <a:t>B</a:t>
+            </a:r>
+            <a:r>
+              <a:rPr lang="fr-FR" dirty="0">
+                <a:sym typeface="Wingdings" panose="05000000000000000000" pitchFamily="2" charset="2"/>
+              </a:rPr>
+              <a:t>) qui constituent ensemble la même manifestation</a:t>
+            </a:r>
+            <a:endParaRPr lang="fr-FR" dirty="0"/>
+          </a:p>
+          <a:p>
+            <a:endParaRPr lang="fr-FR" dirty="0"/>
+          </a:p>
+        </p:txBody>
+      </p:sp>
+      <p:sp>
+        <p:nvSpPr>
+          <p:cNvPr id="9" name="Textplatzhalter 8">
+            <a:extLst>
+              <a:ext uri="{FF2B5EF4-FFF2-40B4-BE49-F238E27FC236}">
+                <a16:creationId xmlns:a16="http://schemas.microsoft.com/office/drawing/2014/main" id="{E844FA9E-A226-CA21-0818-557226CDBD45}"/>
+              </a:ext>
+            </a:extLst>
+          </p:cNvPr>
+          <p:cNvSpPr>
+            <a:spLocks noGrp="1"/>
+          </p:cNvSpPr>
+          <p:nvPr>
+            <p:ph type="body" sz="quarter" idx="3"/>
+          </p:nvPr>
+        </p:nvSpPr>
+        <p:spPr/>
+        <p:txBody>
+          <a:bodyPr/>
+          <a:lstStyle/>
+          <a:p>
+            <a:r>
+              <a:rPr lang="fr-FR" dirty="0"/>
+              <a:t>&lt;manifestation&gt;</a:t>
+            </a:r>
+          </a:p>
+        </p:txBody>
+      </p:sp>
+      <p:sp>
+        <p:nvSpPr>
+          <p:cNvPr id="10" name="Inhaltsplatzhalter 9">
+            <a:extLst>
+              <a:ext uri="{FF2B5EF4-FFF2-40B4-BE49-F238E27FC236}">
+                <a16:creationId xmlns:a16="http://schemas.microsoft.com/office/drawing/2014/main" id="{321CA4F0-4A16-300B-0814-09BB3BB89E71}"/>
+              </a:ext>
+            </a:extLst>
+          </p:cNvPr>
+          <p:cNvSpPr>
+            <a:spLocks noGrp="1"/>
+          </p:cNvSpPr>
+          <p:nvPr>
+            <p:ph sz="quarter" idx="4"/>
+          </p:nvPr>
+        </p:nvSpPr>
+        <p:spPr/>
+        <p:txBody>
+          <a:bodyPr/>
+          <a:lstStyle/>
+          <a:p>
+            <a:r>
+              <a:rPr lang="fr-FR" dirty="0"/>
+              <a:t>« A </a:t>
+            </a:r>
+            <a:r>
+              <a:rPr lang="fr-FR" dirty="0" err="1"/>
+              <a:t>bibliographic</a:t>
+            </a:r>
+            <a:r>
+              <a:rPr lang="fr-FR" dirty="0"/>
+              <a:t> description </a:t>
+            </a:r>
+            <a:r>
+              <a:rPr lang="fr-FR" b="1" dirty="0"/>
+              <a:t>of a </a:t>
+            </a:r>
+            <a:r>
+              <a:rPr lang="fr-FR" b="1" dirty="0" err="1"/>
+              <a:t>physical</a:t>
+            </a:r>
+            <a:r>
+              <a:rPr lang="fr-FR" b="1" dirty="0"/>
               <a:t> </a:t>
             </a:r>
             <a:r>
+              <a:rPr lang="fr-FR" b="1" dirty="0" err="1"/>
+              <a:t>embodiment</a:t>
+            </a:r>
+            <a:r>
+              <a:rPr lang="fr-FR" b="1" dirty="0"/>
+              <a:t> of an expression </a:t>
+            </a:r>
+            <a:r>
+              <a:rPr lang="fr-FR" dirty="0"/>
+              <a:t>of a </a:t>
+            </a:r>
+            <a:r>
               <a:rPr lang="fr-FR" dirty="0" err="1"/>
-              <a:t>Bibliothek</a:t>
-            </a:r>
-            <a:r>
-              <a:rPr lang="fr-FR" dirty="0"/>
-              <a:t> der </a:t>
-            </a:r>
-            <a:r>
-              <a:rPr lang="fr-FR" dirty="0" err="1"/>
-              <a:t>Universitätsbibliothek</a:t>
-            </a:r>
-            <a:r>
-              <a:rPr lang="fr-FR" dirty="0"/>
-              <a:t> Marburg 760)</a:t>
-            </a:r>
+              <a:t>work</a:t>
+            </a:r>
+            <a:r>
+              <a:rPr lang="fr-FR" dirty="0"/>
+              <a:t>. » (MEI 5.0. Guidelines)</a:t>
+            </a:r>
+          </a:p>
+          <a:p>
+            <a:pPr marL="36900" indent="0">
+              <a:buNone/>
+            </a:pPr>
+            <a:r>
+              <a:rPr lang="fr-FR" dirty="0">
+                <a:sym typeface="Wingdings" panose="05000000000000000000" pitchFamily="2" charset="2"/>
+              </a:rPr>
+              <a:t> « </a:t>
+            </a:r>
+            <a:r>
+              <a:rPr lang="fr-FR" dirty="0" err="1">
+                <a:sym typeface="Wingdings" panose="05000000000000000000" pitchFamily="2" charset="2"/>
+              </a:rPr>
+              <a:t>physical</a:t>
+            </a:r>
+            <a:r>
+              <a:rPr lang="fr-FR" dirty="0">
+                <a:sym typeface="Wingdings" panose="05000000000000000000" pitchFamily="2" charset="2"/>
+              </a:rPr>
+              <a:t> </a:t>
+            </a:r>
+            <a:r>
+              <a:rPr lang="fr-FR" dirty="0" err="1">
+                <a:sym typeface="Wingdings" panose="05000000000000000000" pitchFamily="2" charset="2"/>
+              </a:rPr>
+              <a:t>embodiment</a:t>
+            </a:r>
+            <a:r>
+              <a:rPr lang="fr-FR" dirty="0">
+                <a:sym typeface="Wingdings" panose="05000000000000000000" pitchFamily="2" charset="2"/>
+              </a:rPr>
+              <a:t> » = ce qui est conservé ensemble physiquement sous la même cote ?</a:t>
+            </a:r>
+            <a:endParaRPr lang="fr-FR" dirty="0"/>
           </a:p>
           <a:p>
             <a:endParaRPr lang="fr-FR" dirty="0"/>
@@ -9064,7 +9464,7 @@
           <p:cNvPr id="4" name="Datumsplatzhalter 3">
             <a:extLst>
               <a:ext uri="{FF2B5EF4-FFF2-40B4-BE49-F238E27FC236}">
-                <a16:creationId xmlns:a16="http://schemas.microsoft.com/office/drawing/2014/main" id="{365E1242-9B5B-A3D9-3418-C26067DD5110}"/>
+                <a16:creationId xmlns:a16="http://schemas.microsoft.com/office/drawing/2014/main" id="{8B884447-975D-3807-83A9-CBD5AE20AE37}"/>
               </a:ext>
             </a:extLst>
           </p:cNvPr>
@@ -9092,7 +9492,7 @@
           <p:cNvPr id="5" name="Fußzeilenplatzhalter 4">
             <a:extLst>
               <a:ext uri="{FF2B5EF4-FFF2-40B4-BE49-F238E27FC236}">
-                <a16:creationId xmlns:a16="http://schemas.microsoft.com/office/drawing/2014/main" id="{13CAFCFB-0730-616C-1DF5-54C3A9DBE18F}"/>
+                <a16:creationId xmlns:a16="http://schemas.microsoft.com/office/drawing/2014/main" id="{19546954-F02D-7D76-E923-E8403EA6C209}"/>
               </a:ext>
             </a:extLst>
           </p:cNvPr>
@@ -9120,7 +9520,7 @@
           <p:cNvPr id="6" name="Foliennummernplatzhalter 5">
             <a:extLst>
               <a:ext uri="{FF2B5EF4-FFF2-40B4-BE49-F238E27FC236}">
-                <a16:creationId xmlns:a16="http://schemas.microsoft.com/office/drawing/2014/main" id="{F7B1A16B-23DE-EF1A-C32A-D371C7F823E6}"/>
+                <a16:creationId xmlns:a16="http://schemas.microsoft.com/office/drawing/2014/main" id="{ABCCC77F-CAD4-AAC1-DFBF-E391AFB80917}"/>
               </a:ext>
             </a:extLst>
           </p:cNvPr>
@@ -9147,13 +9547,243 @@
     </p:spTree>
     <p:extLst>
       <p:ext uri="{BB962C8B-B14F-4D97-AF65-F5344CB8AC3E}">
-        <p14:creationId xmlns:p14="http://schemas.microsoft.com/office/powerpoint/2010/main" val="4268480646"/>
+        <p14:creationId xmlns:p14="http://schemas.microsoft.com/office/powerpoint/2010/main" val="2277292353"/>
       </p:ext>
     </p:extLst>
   </p:cSld>
   <p:clrMapOvr>
     <a:masterClrMapping/>
   </p:clrMapOvr>
+  <p:timing>
+    <p:tnLst>
+      <p:par>
+        <p:cTn id="1" dur="indefinite" restart="never" nodeType="tmRoot">
+          <p:childTnLst>
+            <p:seq concurrent="1" nextAc="seek">
+              <p:cTn id="2" dur="indefinite" nodeType="mainSeq">
+                <p:childTnLst>
+                  <p:par>
+                    <p:cTn id="3" fill="hold">
+                      <p:stCondLst>
+                        <p:cond delay="indefinite"/>
+                      </p:stCondLst>
+                      <p:childTnLst>
+                        <p:par>
+                          <p:cTn id="4" fill="hold">
+                            <p:stCondLst>
+                              <p:cond delay="0"/>
+                            </p:stCondLst>
+                            <p:childTnLst>
+                              <p:par>
+                                <p:cTn id="5" presetID="1" presetClass="entr" presetSubtype="0" fill="hold" grpId="0" nodeType="clickEffect">
+                                  <p:stCondLst>
+                                    <p:cond delay="0"/>
+                                  </p:stCondLst>
+                                  <p:childTnLst>
+                                    <p:set>
+                                      <p:cBhvr>
+                                        <p:cTn id="6" dur="1" fill="hold">
+                                          <p:stCondLst>
+                                            <p:cond delay="0"/>
+                                          </p:stCondLst>
+                                        </p:cTn>
+                                        <p:tgtEl>
+                                          <p:spTgt spid="8">
+                                            <p:txEl>
+                                              <p:pRg st="0" end="0"/>
+                                            </p:txEl>
+                                          </p:spTgt>
+                                        </p:tgtEl>
+                                        <p:attrNameLst>
+                                          <p:attrName>style.visibility</p:attrName>
+                                        </p:attrNameLst>
+                                      </p:cBhvr>
+                                      <p:to>
+                                        <p:strVal val="visible"/>
+                                      </p:to>
+                                    </p:set>
+                                  </p:childTnLst>
+                                </p:cTn>
+                              </p:par>
+                            </p:childTnLst>
+                          </p:cTn>
+                        </p:par>
+                      </p:childTnLst>
+                    </p:cTn>
+                  </p:par>
+                  <p:par>
+                    <p:cTn id="7" fill="hold">
+                      <p:stCondLst>
+                        <p:cond delay="indefinite"/>
+                      </p:stCondLst>
+                      <p:childTnLst>
+                        <p:par>
+                          <p:cTn id="8" fill="hold">
+                            <p:stCondLst>
+                              <p:cond delay="0"/>
+                            </p:stCondLst>
+                            <p:childTnLst>
+                              <p:par>
+                                <p:cTn id="9" presetID="1" presetClass="entr" presetSubtype="0" fill="hold" grpId="0" nodeType="clickEffect">
+                                  <p:stCondLst>
+                                    <p:cond delay="0"/>
+                                  </p:stCondLst>
+                                  <p:childTnLst>
+                                    <p:set>
+                                      <p:cBhvr>
+                                        <p:cTn id="10" dur="1" fill="hold">
+                                          <p:stCondLst>
+                                            <p:cond delay="0"/>
+                                          </p:stCondLst>
+                                        </p:cTn>
+                                        <p:tgtEl>
+                                          <p:spTgt spid="8">
+                                            <p:txEl>
+                                              <p:pRg st="1" end="1"/>
+                                            </p:txEl>
+                                          </p:spTgt>
+                                        </p:tgtEl>
+                                        <p:attrNameLst>
+                                          <p:attrName>style.visibility</p:attrName>
+                                        </p:attrNameLst>
+                                      </p:cBhvr>
+                                      <p:to>
+                                        <p:strVal val="visible"/>
+                                      </p:to>
+                                    </p:set>
+                                  </p:childTnLst>
+                                </p:cTn>
+                              </p:par>
+                            </p:childTnLst>
+                          </p:cTn>
+                        </p:par>
+                      </p:childTnLst>
+                    </p:cTn>
+                  </p:par>
+                  <p:par>
+                    <p:cTn id="11" fill="hold">
+                      <p:stCondLst>
+                        <p:cond delay="indefinite"/>
+                      </p:stCondLst>
+                      <p:childTnLst>
+                        <p:par>
+                          <p:cTn id="12" fill="hold">
+                            <p:stCondLst>
+                              <p:cond delay="0"/>
+                            </p:stCondLst>
+                            <p:childTnLst>
+                              <p:par>
+                                <p:cTn id="13" presetID="1" presetClass="entr" presetSubtype="0" fill="hold" grpId="0" nodeType="clickEffect">
+                                  <p:stCondLst>
+                                    <p:cond delay="0"/>
+                                  </p:stCondLst>
+                                  <p:childTnLst>
+                                    <p:set>
+                                      <p:cBhvr>
+                                        <p:cTn id="14" dur="1" fill="hold">
+                                          <p:stCondLst>
+                                            <p:cond delay="0"/>
+                                          </p:stCondLst>
+                                        </p:cTn>
+                                        <p:tgtEl>
+                                          <p:spTgt spid="10">
+                                            <p:txEl>
+                                              <p:pRg st="0" end="0"/>
+                                            </p:txEl>
+                                          </p:spTgt>
+                                        </p:tgtEl>
+                                        <p:attrNameLst>
+                                          <p:attrName>style.visibility</p:attrName>
+                                        </p:attrNameLst>
+                                      </p:cBhvr>
+                                      <p:to>
+                                        <p:strVal val="visible"/>
+                                      </p:to>
+                                    </p:set>
+                                  </p:childTnLst>
+                                </p:cTn>
+                              </p:par>
+                            </p:childTnLst>
+                          </p:cTn>
+                        </p:par>
+                      </p:childTnLst>
+                    </p:cTn>
+                  </p:par>
+                  <p:par>
+                    <p:cTn id="15" fill="hold">
+                      <p:stCondLst>
+                        <p:cond delay="indefinite"/>
+                      </p:stCondLst>
+                      <p:childTnLst>
+                        <p:par>
+                          <p:cTn id="16" fill="hold">
+                            <p:stCondLst>
+                              <p:cond delay="0"/>
+                            </p:stCondLst>
+                            <p:childTnLst>
+                              <p:par>
+                                <p:cTn id="17" presetID="1" presetClass="entr" presetSubtype="0" fill="hold" grpId="0" nodeType="clickEffect">
+                                  <p:stCondLst>
+                                    <p:cond delay="0"/>
+                                  </p:stCondLst>
+                                  <p:childTnLst>
+                                    <p:set>
+                                      <p:cBhvr>
+                                        <p:cTn id="18" dur="1" fill="hold">
+                                          <p:stCondLst>
+                                            <p:cond delay="0"/>
+                                          </p:stCondLst>
+                                        </p:cTn>
+                                        <p:tgtEl>
+                                          <p:spTgt spid="10">
+                                            <p:txEl>
+                                              <p:pRg st="1" end="1"/>
+                                            </p:txEl>
+                                          </p:spTgt>
+                                        </p:tgtEl>
+                                        <p:attrNameLst>
+                                          <p:attrName>style.visibility</p:attrName>
+                                        </p:attrNameLst>
+                                      </p:cBhvr>
+                                      <p:to>
+                                        <p:strVal val="visible"/>
+                                      </p:to>
+                                    </p:set>
+                                  </p:childTnLst>
+                                </p:cTn>
+                              </p:par>
+                            </p:childTnLst>
+                          </p:cTn>
+                        </p:par>
+                      </p:childTnLst>
+                    </p:cTn>
+                  </p:par>
+                </p:childTnLst>
+              </p:cTn>
+              <p:prevCondLst>
+                <p:cond evt="onPrev" delay="0">
+                  <p:tgtEl>
+                    <p:sldTgt/>
+                  </p:tgtEl>
+                </p:cond>
+              </p:prevCondLst>
+              <p:nextCondLst>
+                <p:cond evt="onNext" delay="0">
+                  <p:tgtEl>
+                    <p:sldTgt/>
+                  </p:tgtEl>
+                </p:cond>
+              </p:nextCondLst>
+            </p:seq>
+          </p:childTnLst>
+        </p:cTn>
+      </p:par>
+    </p:tnLst>
+    <p:bldLst>
+      <p:bldP spid="8" grpId="0" build="p"/>
+      <p:bldP spid="10" grpId="0" build="p"/>
+    </p:bldLst>
+  </p:timing>
 </p:sld>
 </file>
 
@@ -9176,849 +9806,6 @@
       </p:grpSpPr>
       <p:sp>
         <p:nvSpPr>
-          <p:cNvPr id="2" name="Datumsplatzhalter 1">
-            <a:extLst>
-              <a:ext uri="{FF2B5EF4-FFF2-40B4-BE49-F238E27FC236}">
-                <a16:creationId xmlns:a16="http://schemas.microsoft.com/office/drawing/2014/main" id="{E98DBF99-B72B-FE04-7521-BE53815F9DD2}"/>
-              </a:ext>
-            </a:extLst>
-          </p:cNvPr>
-          <p:cNvSpPr>
-            <a:spLocks noGrp="1"/>
-          </p:cNvSpPr>
-          <p:nvPr>
-            <p:ph type="dt" sz="half" idx="10"/>
-          </p:nvPr>
-        </p:nvSpPr>
-        <p:spPr/>
-        <p:txBody>
-          <a:bodyPr/>
-          <a:lstStyle/>
-          <a:p>
-            <a:r>
-              <a:rPr lang="fr-FR"/>
-              <a:t>11/06/2024</a:t>
-            </a:r>
-          </a:p>
-        </p:txBody>
-      </p:sp>
-      <p:sp>
-        <p:nvSpPr>
-          <p:cNvPr id="3" name="Fußzeilenplatzhalter 2">
-            <a:extLst>
-              <a:ext uri="{FF2B5EF4-FFF2-40B4-BE49-F238E27FC236}">
-                <a16:creationId xmlns:a16="http://schemas.microsoft.com/office/drawing/2014/main" id="{AC47D19F-A7ED-2828-E089-46912F517790}"/>
-              </a:ext>
-            </a:extLst>
-          </p:cNvPr>
-          <p:cNvSpPr>
-            <a:spLocks noGrp="1"/>
-          </p:cNvSpPr>
-          <p:nvPr>
-            <p:ph type="ftr" sz="quarter" idx="11"/>
-          </p:nvPr>
-        </p:nvSpPr>
-        <p:spPr/>
-        <p:txBody>
-          <a:bodyPr/>
-          <a:lstStyle/>
-          <a:p>
-            <a:r>
-              <a:rPr lang="fr-FR"/>
-              <a:t>Sophie Reiland-Mézil, Sorbonne Université</a:t>
-            </a:r>
-          </a:p>
-        </p:txBody>
-      </p:sp>
-      <p:sp>
-        <p:nvSpPr>
-          <p:cNvPr id="4" name="Foliennummernplatzhalter 3">
-            <a:extLst>
-              <a:ext uri="{FF2B5EF4-FFF2-40B4-BE49-F238E27FC236}">
-                <a16:creationId xmlns:a16="http://schemas.microsoft.com/office/drawing/2014/main" id="{096B42AE-7946-FCEE-7B69-6DE4EAF865A4}"/>
-              </a:ext>
-            </a:extLst>
-          </p:cNvPr>
-          <p:cNvSpPr>
-            <a:spLocks noGrp="1"/>
-          </p:cNvSpPr>
-          <p:nvPr>
-            <p:ph type="sldNum" sz="quarter" idx="12"/>
-          </p:nvPr>
-        </p:nvSpPr>
-        <p:spPr/>
-        <p:txBody>
-          <a:bodyPr/>
-          <a:lstStyle/>
-          <a:p>
-            <a:fld id="{6DF8D168-963E-48B1-A7EC-C96E46BCD5F7}" type="slidenum">
-              <a:rPr lang="fr-FR" smtClean="0"/>
-              <a:t>12</a:t>
-            </a:fld>
-            <a:endParaRPr lang="fr-FR"/>
-          </a:p>
-        </p:txBody>
-      </p:sp>
-      <p:pic>
-        <p:nvPicPr>
-          <p:cNvPr id="6" name="Grafik 5">
-            <a:extLst>
-              <a:ext uri="{FF2B5EF4-FFF2-40B4-BE49-F238E27FC236}">
-                <a16:creationId xmlns:a16="http://schemas.microsoft.com/office/drawing/2014/main" id="{9D335AE2-DDCE-3A3B-09C9-774ED3FCE7DE}"/>
-              </a:ext>
-            </a:extLst>
-          </p:cNvPr>
-          <p:cNvPicPr>
-            <a:picLocks noChangeAspect="1"/>
-          </p:cNvPicPr>
-          <p:nvPr/>
-        </p:nvPicPr>
-        <p:blipFill>
-          <a:blip r:embed="rId3"/>
-          <a:stretch>
-            <a:fillRect/>
-          </a:stretch>
-        </p:blipFill>
-        <p:spPr>
-          <a:xfrm>
-            <a:off x="420589" y="282053"/>
-            <a:ext cx="5068007" cy="4553585"/>
-          </a:xfrm>
-          <a:prstGeom prst="rect">
-            <a:avLst/>
-          </a:prstGeom>
-        </p:spPr>
-      </p:pic>
-      <p:sp>
-        <p:nvSpPr>
-          <p:cNvPr id="7" name="Textfeld 6">
-            <a:extLst>
-              <a:ext uri="{FF2B5EF4-FFF2-40B4-BE49-F238E27FC236}">
-                <a16:creationId xmlns:a16="http://schemas.microsoft.com/office/drawing/2014/main" id="{2D6CCB5F-34CB-8D25-311A-309C54A08994}"/>
-              </a:ext>
-            </a:extLst>
-          </p:cNvPr>
-          <p:cNvSpPr txBox="1"/>
-          <p:nvPr/>
-        </p:nvSpPr>
-        <p:spPr>
-          <a:xfrm>
-            <a:off x="420589" y="4852226"/>
-            <a:ext cx="5068007" cy="1061829"/>
-          </a:xfrm>
-          <a:prstGeom prst="rect">
-            <a:avLst/>
-          </a:prstGeom>
-          <a:noFill/>
-        </p:spPr>
-        <p:txBody>
-          <a:bodyPr wrap="square" rtlCol="0">
-            <a:spAutoFit/>
-          </a:bodyPr>
-          <a:lstStyle/>
-          <a:p>
-            <a:r>
-              <a:rPr lang="fr-FR" sz="1050" dirty="0"/>
-              <a:t>Christoph </a:t>
-            </a:r>
-            <a:r>
-              <a:rPr lang="fr-FR" sz="1050" dirty="0" err="1"/>
-              <a:t>Graupner</a:t>
-            </a:r>
-            <a:r>
-              <a:rPr lang="fr-FR" sz="1050" dirty="0"/>
-              <a:t>, </a:t>
-            </a:r>
-            <a:r>
-              <a:rPr lang="fr-FR" sz="1050" i="1" dirty="0" err="1"/>
-              <a:t>Hertzlich</a:t>
-            </a:r>
-            <a:r>
-              <a:rPr lang="fr-FR" sz="1050" i="1" dirty="0"/>
-              <a:t> </a:t>
-            </a:r>
-            <a:r>
-              <a:rPr lang="fr-FR" sz="1050" i="1" dirty="0" err="1"/>
-              <a:t>thut</a:t>
-            </a:r>
-            <a:r>
-              <a:rPr lang="fr-FR" sz="1050" i="1" dirty="0"/>
-              <a:t> </a:t>
-            </a:r>
-            <a:r>
-              <a:rPr lang="fr-FR" sz="1050" i="1" dirty="0" err="1"/>
-              <a:t>mich</a:t>
-            </a:r>
-            <a:r>
-              <a:rPr lang="fr-FR" sz="1050" i="1" dirty="0"/>
-              <a:t> </a:t>
-            </a:r>
-            <a:r>
-              <a:rPr lang="fr-FR" sz="1050" i="1" dirty="0" err="1"/>
-              <a:t>verlangen</a:t>
-            </a:r>
-            <a:r>
-              <a:rPr lang="fr-FR" sz="1050" i="1" dirty="0"/>
-              <a:t>, </a:t>
-            </a:r>
-            <a:r>
-              <a:rPr lang="fr-FR" sz="1050" dirty="0"/>
-              <a:t>ms, </a:t>
-            </a:r>
-          </a:p>
-          <a:p>
-            <a:r>
-              <a:rPr lang="fr-FR" sz="1050" dirty="0"/>
-              <a:t>D-</a:t>
-            </a:r>
-            <a:r>
-              <a:rPr lang="fr-FR" sz="1050" dirty="0" err="1"/>
-              <a:t>DsMus</a:t>
-            </a:r>
-            <a:r>
-              <a:rPr lang="fr-FR" sz="1050" dirty="0"/>
-              <a:t> ms 428-29, Fol. 1r., https://iiifserv.ulb.tu-darmstadt.de/tify2/avi.html? </a:t>
-            </a:r>
-          </a:p>
-          <a:p>
-            <a:r>
-              <a:rPr lang="fr-FR" sz="1050" dirty="0" err="1"/>
-              <a:t>manifest</a:t>
-            </a:r>
-            <a:r>
-              <a:rPr lang="fr-FR" sz="1050" dirty="0"/>
-              <a:t>=https://iiifserv.ulb.tu-darmstadt.de/iiif/Mus-Ms-429-28.json&amp;tify={%22pages</a:t>
-            </a:r>
-          </a:p>
-          <a:p>
-            <a:r>
-              <a:rPr lang="fr-FR" sz="1050" dirty="0"/>
-              <a:t>%22:[2],%22panX%22:0.541,%22panY%22:0.344,%22view%22:%22help%22,</a:t>
-            </a:r>
-          </a:p>
-          <a:p>
-            <a:r>
-              <a:rPr lang="fr-FR" sz="1050" dirty="0"/>
-              <a:t>%22zoom%22:0.683} [31/05/2024]</a:t>
-            </a:r>
-          </a:p>
-        </p:txBody>
-      </p:sp>
-      <p:pic>
-        <p:nvPicPr>
-          <p:cNvPr id="9" name="Grafik 8">
-            <a:extLst>
-              <a:ext uri="{FF2B5EF4-FFF2-40B4-BE49-F238E27FC236}">
-                <a16:creationId xmlns:a16="http://schemas.microsoft.com/office/drawing/2014/main" id="{16215B01-219E-CAF7-E7BA-2A71EC0CB188}"/>
-              </a:ext>
-            </a:extLst>
-          </p:cNvPr>
-          <p:cNvPicPr>
-            <a:picLocks noChangeAspect="1"/>
-          </p:cNvPicPr>
-          <p:nvPr/>
-        </p:nvPicPr>
-        <p:blipFill rotWithShape="1">
-          <a:blip r:embed="rId4"/>
-          <a:srcRect b="48384"/>
-          <a:stretch/>
-        </p:blipFill>
-        <p:spPr>
-          <a:xfrm>
-            <a:off x="6247116" y="358373"/>
-            <a:ext cx="5125165" cy="2591304"/>
-          </a:xfrm>
-          <a:prstGeom prst="rect">
-            <a:avLst/>
-          </a:prstGeom>
-        </p:spPr>
-      </p:pic>
-      <p:sp>
-        <p:nvSpPr>
-          <p:cNvPr id="11" name="Textfeld 10">
-            <a:extLst>
-              <a:ext uri="{FF2B5EF4-FFF2-40B4-BE49-F238E27FC236}">
-                <a16:creationId xmlns:a16="http://schemas.microsoft.com/office/drawing/2014/main" id="{62AE47FD-3457-29DF-83A7-441A7D1D37BC}"/>
-              </a:ext>
-            </a:extLst>
-          </p:cNvPr>
-          <p:cNvSpPr txBox="1"/>
-          <p:nvPr/>
-        </p:nvSpPr>
-        <p:spPr>
-          <a:xfrm>
-            <a:off x="6247116" y="3429000"/>
-            <a:ext cx="5020440" cy="900246"/>
-          </a:xfrm>
-          <a:prstGeom prst="rect">
-            <a:avLst/>
-          </a:prstGeom>
-          <a:noFill/>
-        </p:spPr>
-        <p:txBody>
-          <a:bodyPr wrap="square" rtlCol="0">
-            <a:spAutoFit/>
-          </a:bodyPr>
-          <a:lstStyle/>
-          <a:p>
-            <a:r>
-              <a:rPr lang="fr-FR" sz="1050" dirty="0"/>
-              <a:t>Christoph </a:t>
-            </a:r>
-            <a:r>
-              <a:rPr lang="fr-FR" sz="1050" dirty="0" err="1"/>
-              <a:t>Graupner</a:t>
-            </a:r>
-            <a:r>
-              <a:rPr lang="fr-FR" sz="1050" dirty="0"/>
-              <a:t>, </a:t>
-            </a:r>
-            <a:r>
-              <a:rPr lang="fr-FR" sz="1050" i="1" dirty="0" err="1"/>
-              <a:t>Hertzlich</a:t>
-            </a:r>
-            <a:r>
-              <a:rPr lang="fr-FR" sz="1050" i="1" dirty="0"/>
-              <a:t> </a:t>
-            </a:r>
-            <a:r>
-              <a:rPr lang="fr-FR" sz="1050" i="1" dirty="0" err="1"/>
-              <a:t>thut</a:t>
-            </a:r>
-            <a:r>
-              <a:rPr lang="fr-FR" sz="1050" i="1" dirty="0"/>
-              <a:t> </a:t>
-            </a:r>
-            <a:r>
-              <a:rPr lang="fr-FR" sz="1050" i="1" dirty="0" err="1"/>
-              <a:t>mich</a:t>
-            </a:r>
-            <a:r>
-              <a:rPr lang="fr-FR" sz="1050" i="1" dirty="0"/>
-              <a:t> </a:t>
-            </a:r>
-            <a:r>
-              <a:rPr lang="fr-FR" sz="1050" i="1" dirty="0" err="1"/>
-              <a:t>verlangen</a:t>
-            </a:r>
-            <a:r>
-              <a:rPr lang="fr-FR" sz="1050" i="1" dirty="0"/>
-              <a:t>, </a:t>
-            </a:r>
-            <a:r>
-              <a:rPr lang="fr-FR" sz="1050" dirty="0"/>
-              <a:t>ms, </a:t>
-            </a:r>
-          </a:p>
-          <a:p>
-            <a:r>
-              <a:rPr lang="fr-FR" sz="1050" dirty="0"/>
-              <a:t>D-</a:t>
-            </a:r>
-            <a:r>
-              <a:rPr lang="fr-FR" sz="1050" dirty="0" err="1"/>
-              <a:t>DsMus</a:t>
-            </a:r>
-            <a:r>
-              <a:rPr lang="fr-FR" sz="1050" dirty="0"/>
-              <a:t> ms 428-29, Fol. 8v, https://iiifserv.ulb.tu-darmstadt.de/tify2/avi.html?manifest=https://iiifserv.ulb.tu-darmstadt.de/iiif/Mus-Ms-429-28.json&amp;tify={%22pages%22:[17] ,%22panX%22:0.467,%22panY% 22:0.331,%22view%22:%22help%22,%22zoom%22:0.683} [31/05/2024]</a:t>
-            </a:r>
-          </a:p>
-        </p:txBody>
-      </p:sp>
-      <p:sp>
-        <p:nvSpPr>
-          <p:cNvPr id="12" name="Textfeld 11">
-            <a:extLst>
-              <a:ext uri="{FF2B5EF4-FFF2-40B4-BE49-F238E27FC236}">
-                <a16:creationId xmlns:a16="http://schemas.microsoft.com/office/drawing/2014/main" id="{2A538311-B026-42CE-38E5-825F6DD0D106}"/>
-              </a:ext>
-            </a:extLst>
-          </p:cNvPr>
-          <p:cNvSpPr txBox="1"/>
-          <p:nvPr/>
-        </p:nvSpPr>
-        <p:spPr>
-          <a:xfrm>
-            <a:off x="8141110" y="2979171"/>
-            <a:ext cx="1414170" cy="461665"/>
-          </a:xfrm>
-          <a:prstGeom prst="rect">
-            <a:avLst/>
-          </a:prstGeom>
-          <a:noFill/>
-        </p:spPr>
-        <p:txBody>
-          <a:bodyPr wrap="none" rtlCol="0">
-            <a:spAutoFit/>
-          </a:bodyPr>
-          <a:lstStyle/>
-          <a:p>
-            <a:r>
-              <a:rPr lang="fr-FR" sz="2400" b="1" dirty="0">
-                <a:solidFill>
-                  <a:srgbClr val="C00000"/>
-                </a:solidFill>
-              </a:rPr>
-              <a:t>Source A</a:t>
-            </a:r>
-          </a:p>
-        </p:txBody>
-      </p:sp>
-      <p:sp>
-        <p:nvSpPr>
-          <p:cNvPr id="13" name="Textfeld 12">
-            <a:extLst>
-              <a:ext uri="{FF2B5EF4-FFF2-40B4-BE49-F238E27FC236}">
-                <a16:creationId xmlns:a16="http://schemas.microsoft.com/office/drawing/2014/main" id="{4BD3261A-FD90-2257-F81D-56EE24B01DBF}"/>
-              </a:ext>
-            </a:extLst>
-          </p:cNvPr>
-          <p:cNvSpPr txBox="1"/>
-          <p:nvPr/>
-        </p:nvSpPr>
-        <p:spPr>
-          <a:xfrm>
-            <a:off x="1863211" y="2954594"/>
-            <a:ext cx="1414170" cy="461665"/>
-          </a:xfrm>
-          <a:prstGeom prst="rect">
-            <a:avLst/>
-          </a:prstGeom>
-          <a:noFill/>
-        </p:spPr>
-        <p:txBody>
-          <a:bodyPr wrap="none" rtlCol="0">
-            <a:spAutoFit/>
-          </a:bodyPr>
-          <a:lstStyle/>
-          <a:p>
-            <a:r>
-              <a:rPr lang="fr-FR" sz="2400" b="1" dirty="0">
-                <a:solidFill>
-                  <a:srgbClr val="C00000"/>
-                </a:solidFill>
-              </a:rPr>
-              <a:t>Source B</a:t>
-            </a:r>
-          </a:p>
-        </p:txBody>
-      </p:sp>
-    </p:spTree>
-    <p:extLst>
-      <p:ext uri="{BB962C8B-B14F-4D97-AF65-F5344CB8AC3E}">
-        <p14:creationId xmlns:p14="http://schemas.microsoft.com/office/powerpoint/2010/main" val="2089418173"/>
-      </p:ext>
-    </p:extLst>
-  </p:cSld>
-  <p:clrMapOvr>
-    <a:masterClrMapping/>
-  </p:clrMapOvr>
-</p:sld>
-</file>
-
-<file path=ppt/slides/slide13.xml><?xml version="1.0" encoding="utf-8"?>
-<p:sld xmlns:a="http://schemas.openxmlformats.org/drawingml/2006/main" xmlns:r="http://schemas.openxmlformats.org/officeDocument/2006/relationships" xmlns:p="http://schemas.openxmlformats.org/presentationml/2006/main">
-  <p:cSld>
-    <p:spTree>
-      <p:nvGrpSpPr>
-        <p:cNvPr id="1" name=""/>
-        <p:cNvGrpSpPr/>
-        <p:nvPr/>
-      </p:nvGrpSpPr>
-      <p:grpSpPr>
-        <a:xfrm>
-          <a:off x="0" y="0"/>
-          <a:ext cx="0" cy="0"/>
-          <a:chOff x="0" y="0"/>
-          <a:chExt cx="0" cy="0"/>
-        </a:xfrm>
-      </p:grpSpPr>
-      <p:sp>
-        <p:nvSpPr>
-          <p:cNvPr id="2" name="Titel 1">
-            <a:extLst>
-              <a:ext uri="{FF2B5EF4-FFF2-40B4-BE49-F238E27FC236}">
-                <a16:creationId xmlns:a16="http://schemas.microsoft.com/office/drawing/2014/main" id="{BD1F52C3-C23D-EE9C-A52A-9EBC64E90196}"/>
-              </a:ext>
-            </a:extLst>
-          </p:cNvPr>
-          <p:cNvSpPr>
-            <a:spLocks noGrp="1"/>
-          </p:cNvSpPr>
-          <p:nvPr>
-            <p:ph type="title"/>
-          </p:nvPr>
-        </p:nvSpPr>
-        <p:spPr/>
-        <p:txBody>
-          <a:bodyPr>
-            <a:normAutofit fontScale="90000"/>
-          </a:bodyPr>
-          <a:lstStyle/>
-          <a:p>
-            <a:r>
-              <a:rPr lang="fr-FR" dirty="0"/>
-              <a:t>La logique de la MEI par rapport à &lt;source&gt; et &lt;manifestation&gt;</a:t>
-            </a:r>
-          </a:p>
-        </p:txBody>
-      </p:sp>
-      <p:sp>
-        <p:nvSpPr>
-          <p:cNvPr id="7" name="Textplatzhalter 6">
-            <a:extLst>
-              <a:ext uri="{FF2B5EF4-FFF2-40B4-BE49-F238E27FC236}">
-                <a16:creationId xmlns:a16="http://schemas.microsoft.com/office/drawing/2014/main" id="{9456D5B7-0D3E-54D0-9E1E-2ABAD8D303AA}"/>
-              </a:ext>
-            </a:extLst>
-          </p:cNvPr>
-          <p:cNvSpPr>
-            <a:spLocks noGrp="1"/>
-          </p:cNvSpPr>
-          <p:nvPr>
-            <p:ph type="body" idx="1"/>
-          </p:nvPr>
-        </p:nvSpPr>
-        <p:spPr/>
-        <p:txBody>
-          <a:bodyPr/>
-          <a:lstStyle/>
-          <a:p>
-            <a:r>
-              <a:rPr lang="fr-FR" dirty="0"/>
-              <a:t>&lt;source&gt;</a:t>
-            </a:r>
-          </a:p>
-        </p:txBody>
-      </p:sp>
-      <p:sp>
-        <p:nvSpPr>
-          <p:cNvPr id="8" name="Inhaltsplatzhalter 7">
-            <a:extLst>
-              <a:ext uri="{FF2B5EF4-FFF2-40B4-BE49-F238E27FC236}">
-                <a16:creationId xmlns:a16="http://schemas.microsoft.com/office/drawing/2014/main" id="{92B98683-6F69-43B9-8375-0FB96D16FA18}"/>
-              </a:ext>
-            </a:extLst>
-          </p:cNvPr>
-          <p:cNvSpPr>
-            <a:spLocks noGrp="1"/>
-          </p:cNvSpPr>
-          <p:nvPr>
-            <p:ph sz="half" idx="2"/>
-          </p:nvPr>
-        </p:nvSpPr>
-        <p:spPr/>
-        <p:txBody>
-          <a:bodyPr/>
-          <a:lstStyle/>
-          <a:p>
-            <a:r>
-              <a:rPr lang="fr-FR" dirty="0"/>
-              <a:t>« A </a:t>
-            </a:r>
-            <a:r>
-              <a:rPr lang="fr-FR" dirty="0" err="1"/>
-              <a:t>bibliographic</a:t>
-            </a:r>
-            <a:r>
-              <a:rPr lang="fr-FR" dirty="0"/>
-              <a:t> description of a source </a:t>
-            </a:r>
-            <a:r>
-              <a:rPr lang="fr-FR" dirty="0" err="1"/>
-              <a:t>used</a:t>
-            </a:r>
-            <a:r>
-              <a:rPr lang="fr-FR" dirty="0"/>
-              <a:t> in the </a:t>
-            </a:r>
-            <a:r>
-              <a:rPr lang="fr-FR" dirty="0" err="1"/>
-              <a:t>creation</a:t>
-            </a:r>
-            <a:r>
-              <a:rPr lang="fr-FR" dirty="0"/>
-              <a:t> of the </a:t>
-            </a:r>
-            <a:r>
-              <a:rPr lang="fr-FR" dirty="0" err="1"/>
-              <a:t>electronic</a:t>
-            </a:r>
-            <a:r>
-              <a:rPr lang="fr-FR" dirty="0"/>
-              <a:t> file. » (MEI 5.0. Guidelines)</a:t>
-            </a:r>
-          </a:p>
-          <a:p>
-            <a:pPr marL="36900" indent="0">
-              <a:buNone/>
-            </a:pPr>
-            <a:r>
-              <a:rPr lang="fr-FR" dirty="0">
-                <a:sym typeface="Wingdings" panose="05000000000000000000" pitchFamily="2" charset="2"/>
-              </a:rPr>
-              <a:t> Nous avons besoin de différencier entre la source musicale principale (A) et la source musicale secondaire (B) qui constituent ensemble la même manifestation</a:t>
-            </a:r>
-            <a:endParaRPr lang="fr-FR" dirty="0"/>
-          </a:p>
-          <a:p>
-            <a:endParaRPr lang="fr-FR" dirty="0"/>
-          </a:p>
-        </p:txBody>
-      </p:sp>
-      <p:sp>
-        <p:nvSpPr>
-          <p:cNvPr id="9" name="Textplatzhalter 8">
-            <a:extLst>
-              <a:ext uri="{FF2B5EF4-FFF2-40B4-BE49-F238E27FC236}">
-                <a16:creationId xmlns:a16="http://schemas.microsoft.com/office/drawing/2014/main" id="{E844FA9E-A226-CA21-0818-557226CDBD45}"/>
-              </a:ext>
-            </a:extLst>
-          </p:cNvPr>
-          <p:cNvSpPr>
-            <a:spLocks noGrp="1"/>
-          </p:cNvSpPr>
-          <p:nvPr>
-            <p:ph type="body" sz="quarter" idx="3"/>
-          </p:nvPr>
-        </p:nvSpPr>
-        <p:spPr/>
-        <p:txBody>
-          <a:bodyPr/>
-          <a:lstStyle/>
-          <a:p>
-            <a:r>
-              <a:rPr lang="fr-FR" dirty="0"/>
-              <a:t>&lt;manifestation&gt;</a:t>
-            </a:r>
-          </a:p>
-        </p:txBody>
-      </p:sp>
-      <p:sp>
-        <p:nvSpPr>
-          <p:cNvPr id="10" name="Inhaltsplatzhalter 9">
-            <a:extLst>
-              <a:ext uri="{FF2B5EF4-FFF2-40B4-BE49-F238E27FC236}">
-                <a16:creationId xmlns:a16="http://schemas.microsoft.com/office/drawing/2014/main" id="{321CA4F0-4A16-300B-0814-09BB3BB89E71}"/>
-              </a:ext>
-            </a:extLst>
-          </p:cNvPr>
-          <p:cNvSpPr>
-            <a:spLocks noGrp="1"/>
-          </p:cNvSpPr>
-          <p:nvPr>
-            <p:ph sz="quarter" idx="4"/>
-          </p:nvPr>
-        </p:nvSpPr>
-        <p:spPr/>
-        <p:txBody>
-          <a:bodyPr/>
-          <a:lstStyle/>
-          <a:p>
-            <a:r>
-              <a:rPr lang="fr-FR" dirty="0"/>
-              <a:t>« A </a:t>
-            </a:r>
-            <a:r>
-              <a:rPr lang="fr-FR" dirty="0" err="1"/>
-              <a:t>bibliographic</a:t>
-            </a:r>
-            <a:r>
-              <a:rPr lang="fr-FR" dirty="0"/>
-              <a:t> description </a:t>
-            </a:r>
-            <a:r>
-              <a:rPr lang="fr-FR" b="1" dirty="0"/>
-              <a:t>of a </a:t>
-            </a:r>
-            <a:r>
-              <a:rPr lang="fr-FR" b="1" dirty="0" err="1"/>
-              <a:t>physical</a:t>
-            </a:r>
-            <a:r>
-              <a:rPr lang="fr-FR" b="1" dirty="0"/>
-              <a:t> </a:t>
-            </a:r>
-            <a:r>
-              <a:rPr lang="fr-FR" b="1" dirty="0" err="1"/>
-              <a:t>embodiment</a:t>
-            </a:r>
-            <a:r>
-              <a:rPr lang="fr-FR" b="1" dirty="0"/>
-              <a:t> of an expression </a:t>
-            </a:r>
-            <a:r>
-              <a:rPr lang="fr-FR" dirty="0"/>
-              <a:t>of a </a:t>
-            </a:r>
-            <a:r>
-              <a:rPr lang="fr-FR" dirty="0" err="1"/>
-              <a:t>work</a:t>
-            </a:r>
-            <a:r>
-              <a:rPr lang="fr-FR" dirty="0"/>
-              <a:t>. »</a:t>
-            </a:r>
-          </a:p>
-          <a:p>
-            <a:pPr marL="36900" indent="0">
-              <a:buNone/>
-            </a:pPr>
-            <a:r>
-              <a:rPr lang="fr-FR" dirty="0">
-                <a:sym typeface="Wingdings" panose="05000000000000000000" pitchFamily="2" charset="2"/>
-              </a:rPr>
-              <a:t> « </a:t>
-            </a:r>
-            <a:r>
-              <a:rPr lang="fr-FR" dirty="0" err="1">
-                <a:sym typeface="Wingdings" panose="05000000000000000000" pitchFamily="2" charset="2"/>
-              </a:rPr>
-              <a:t>physical</a:t>
-            </a:r>
-            <a:r>
-              <a:rPr lang="fr-FR" dirty="0">
-                <a:sym typeface="Wingdings" panose="05000000000000000000" pitchFamily="2" charset="2"/>
-              </a:rPr>
-              <a:t> </a:t>
-            </a:r>
-            <a:r>
-              <a:rPr lang="fr-FR" dirty="0" err="1">
-                <a:sym typeface="Wingdings" panose="05000000000000000000" pitchFamily="2" charset="2"/>
-              </a:rPr>
-              <a:t>embodiment</a:t>
-            </a:r>
-            <a:r>
-              <a:rPr lang="fr-FR" dirty="0">
-                <a:sym typeface="Wingdings" panose="05000000000000000000" pitchFamily="2" charset="2"/>
-              </a:rPr>
-              <a:t> » = ce qui est conservé ensemble physiquement sous la même cote ?</a:t>
-            </a:r>
-            <a:endParaRPr lang="fr-FR" dirty="0"/>
-          </a:p>
-          <a:p>
-            <a:endParaRPr lang="fr-FR" dirty="0"/>
-          </a:p>
-        </p:txBody>
-      </p:sp>
-      <p:sp>
-        <p:nvSpPr>
-          <p:cNvPr id="4" name="Datumsplatzhalter 3">
-            <a:extLst>
-              <a:ext uri="{FF2B5EF4-FFF2-40B4-BE49-F238E27FC236}">
-                <a16:creationId xmlns:a16="http://schemas.microsoft.com/office/drawing/2014/main" id="{8B884447-975D-3807-83A9-CBD5AE20AE37}"/>
-              </a:ext>
-            </a:extLst>
-          </p:cNvPr>
-          <p:cNvSpPr>
-            <a:spLocks noGrp="1"/>
-          </p:cNvSpPr>
-          <p:nvPr>
-            <p:ph type="dt" sz="half" idx="10"/>
-          </p:nvPr>
-        </p:nvSpPr>
-        <p:spPr/>
-        <p:txBody>
-          <a:bodyPr/>
-          <a:lstStyle/>
-          <a:p>
-            <a:r>
-              <a:rPr lang="fr-FR"/>
-              <a:t>11/06/2024</a:t>
-            </a:r>
-          </a:p>
-        </p:txBody>
-      </p:sp>
-      <p:sp>
-        <p:nvSpPr>
-          <p:cNvPr id="5" name="Fußzeilenplatzhalter 4">
-            <a:extLst>
-              <a:ext uri="{FF2B5EF4-FFF2-40B4-BE49-F238E27FC236}">
-                <a16:creationId xmlns:a16="http://schemas.microsoft.com/office/drawing/2014/main" id="{19546954-F02D-7D76-E923-E8403EA6C209}"/>
-              </a:ext>
-            </a:extLst>
-          </p:cNvPr>
-          <p:cNvSpPr>
-            <a:spLocks noGrp="1"/>
-          </p:cNvSpPr>
-          <p:nvPr>
-            <p:ph type="ftr" sz="quarter" idx="11"/>
-          </p:nvPr>
-        </p:nvSpPr>
-        <p:spPr/>
-        <p:txBody>
-          <a:bodyPr/>
-          <a:lstStyle/>
-          <a:p>
-            <a:r>
-              <a:rPr lang="fr-FR"/>
-              <a:t>Sophie Reiland-Mézil, Sorbonne Université</a:t>
-            </a:r>
-          </a:p>
-        </p:txBody>
-      </p:sp>
-      <p:sp>
-        <p:nvSpPr>
-          <p:cNvPr id="6" name="Foliennummernplatzhalter 5">
-            <a:extLst>
-              <a:ext uri="{FF2B5EF4-FFF2-40B4-BE49-F238E27FC236}">
-                <a16:creationId xmlns:a16="http://schemas.microsoft.com/office/drawing/2014/main" id="{ABCCC77F-CAD4-AAC1-DFBF-E391AFB80917}"/>
-              </a:ext>
-            </a:extLst>
-          </p:cNvPr>
-          <p:cNvSpPr>
-            <a:spLocks noGrp="1"/>
-          </p:cNvSpPr>
-          <p:nvPr>
-            <p:ph type="sldNum" sz="quarter" idx="12"/>
-          </p:nvPr>
-        </p:nvSpPr>
-        <p:spPr/>
-        <p:txBody>
-          <a:bodyPr/>
-          <a:lstStyle/>
-          <a:p>
-            <a:fld id="{6DF8D168-963E-48B1-A7EC-C96E46BCD5F7}" type="slidenum">
-              <a:rPr lang="fr-FR" smtClean="0"/>
-              <a:t>13</a:t>
-            </a:fld>
-            <a:endParaRPr lang="fr-FR"/>
-          </a:p>
-        </p:txBody>
-      </p:sp>
-    </p:spTree>
-    <p:extLst>
-      <p:ext uri="{BB962C8B-B14F-4D97-AF65-F5344CB8AC3E}">
-        <p14:creationId xmlns:p14="http://schemas.microsoft.com/office/powerpoint/2010/main" val="2277292353"/>
-      </p:ext>
-    </p:extLst>
-  </p:cSld>
-  <p:clrMapOvr>
-    <a:masterClrMapping/>
-  </p:clrMapOvr>
-</p:sld>
-</file>
-
-<file path=ppt/slides/slide14.xml><?xml version="1.0" encoding="utf-8"?>
-<p:sld xmlns:a="http://schemas.openxmlformats.org/drawingml/2006/main" xmlns:r="http://schemas.openxmlformats.org/officeDocument/2006/relationships" xmlns:p="http://schemas.openxmlformats.org/presentationml/2006/main">
-  <p:cSld>
-    <p:spTree>
-      <p:nvGrpSpPr>
-        <p:cNvPr id="1" name=""/>
-        <p:cNvGrpSpPr/>
-        <p:nvPr/>
-      </p:nvGrpSpPr>
-      <p:grpSpPr>
-        <a:xfrm>
-          <a:off x="0" y="0"/>
-          <a:ext cx="0" cy="0"/>
-          <a:chOff x="0" y="0"/>
-          <a:chExt cx="0" cy="0"/>
-        </a:xfrm>
-      </p:grpSpPr>
-      <p:sp>
-        <p:nvSpPr>
           <p:cNvPr id="2" name="Titre 1">
             <a:extLst>
               <a:ext uri="{FF2B5EF4-FFF2-40B4-BE49-F238E27FC236}">
@@ -10224,7 +10011,7 @@
           <a:p>
             <a:fld id="{6DF8D168-963E-48B1-A7EC-C96E46BCD5F7}" type="slidenum">
               <a:rPr lang="fr-FR" smtClean="0"/>
-              <a:t>14</a:t>
+              <a:t>12</a:t>
             </a:fld>
             <a:endParaRPr lang="fr-FR"/>
           </a:p>
@@ -11333,7 +11120,7 @@
 </p:sld>
 </file>
 
-<file path=ppt/slides/slide15.xml><?xml version="1.0" encoding="utf-8"?>
+<file path=ppt/slides/slide13.xml><?xml version="1.0" encoding="utf-8"?>
 <p:sld xmlns:a="http://schemas.openxmlformats.org/drawingml/2006/main" xmlns:r="http://schemas.openxmlformats.org/officeDocument/2006/relationships" xmlns:p="http://schemas.openxmlformats.org/presentationml/2006/main">
   <p:cSld>
     <p:spTree>
@@ -11368,12 +11155,14 @@
         </p:nvSpPr>
         <p:spPr/>
         <p:txBody>
-          <a:bodyPr/>
-          <a:lstStyle/>
-          <a:p>
-            <a:r>
-              <a:rPr lang="fr-FR" dirty="0"/>
-              <a:t>III. Renvoi vers plusieurs pages dans le facsimile</a:t>
+          <a:bodyPr>
+            <a:normAutofit/>
+          </a:bodyPr>
+          <a:lstStyle/>
+          <a:p>
+            <a:r>
+              <a:rPr lang="fr-FR" dirty="0"/>
+              <a:t>3. L’organisation logique du fac-similé et renvoi vers plusieurs pages</a:t>
             </a:r>
           </a:p>
         </p:txBody>
@@ -11399,7 +11188,13 @@
           <a:bodyPr/>
           <a:lstStyle/>
           <a:p>
-            <a:endParaRPr lang="fr-FR"/>
+            <a:r>
+              <a:rPr lang="fr-FR" dirty="0"/>
+              <a:t>Comment restituer l'organisation logique du fac-similé, par exemple pour renvoyer à des sections particulières (partie de hautbois, etc.) ? </a:t>
+            </a:r>
+          </a:p>
+          <a:p>
+            <a:endParaRPr lang="fr-FR" dirty="0"/>
           </a:p>
         </p:txBody>
       </p:sp>
@@ -11482,7 +11277,7 @@
           <a:p>
             <a:fld id="{6DF8D168-963E-48B1-A7EC-C96E46BCD5F7}" type="slidenum">
               <a:rPr lang="fr-FR" smtClean="0"/>
-              <a:t>15</a:t>
+              <a:t>13</a:t>
             </a:fld>
             <a:endParaRPr lang="fr-FR"/>
           </a:p>
@@ -11501,7 +11296,7 @@
 </p:sld>
 </file>
 
-<file path=ppt/slides/slide16.xml><?xml version="1.0" encoding="utf-8"?>
+<file path=ppt/slides/slide14.xml><?xml version="1.0" encoding="utf-8"?>
 <p:sld xmlns:a="http://schemas.openxmlformats.org/drawingml/2006/main" xmlns:r="http://schemas.openxmlformats.org/officeDocument/2006/relationships" xmlns:p="http://schemas.openxmlformats.org/presentationml/2006/main">
   <p:cSld>
     <p:spTree>
@@ -11632,7 +11427,7 @@
           <a:p>
             <a:fld id="{6DF8D168-963E-48B1-A7EC-C96E46BCD5F7}" type="slidenum">
               <a:rPr lang="fr-FR" smtClean="0"/>
-              <a:t>16</a:t>
+              <a:t>14</a:t>
             </a:fld>
             <a:endParaRPr lang="fr-FR"/>
           </a:p>
@@ -11851,7 +11646,7 @@
           <a:lstStyle/>
           <a:p>
             <a:r>
-              <a:rPr lang="de-DE">
+              <a:rPr lang="de-DE" dirty="0">
                 <a:solidFill>
                   <a:srgbClr val="000000"/>
                 </a:solidFill>
@@ -11859,32 +11654,76 @@
                   <a:srgbClr val="FFFFFF"/>
                 </a:highlight>
               </a:rPr>
-              <a:t>Wir folgen der Bezifferung der Continuostimme, </a:t>
-            </a:r>
-            <a:r>
-              <a:rPr lang="de-DE">
-                <a:solidFill>
-                  <a:srgbClr val="000096"/>
+              <a:t>Wir folgen der Bezifferung der </a:t>
+            </a:r>
+            <a:r>
+              <a:rPr lang="de-DE" dirty="0" err="1">
+                <a:solidFill>
+                  <a:srgbClr val="000000"/>
                 </a:solidFill>
                 <a:highlight>
                   <a:srgbClr val="FFFFFF"/>
                 </a:highlight>
               </a:rPr>
-              <a:t>&lt;ref</a:t>
-            </a:r>
-            <a:r>
-              <a:rPr lang="de-DE">
-                <a:solidFill>
-                  <a:srgbClr val="F5844C"/>
+              <a:t>Continuostimme</a:t>
+            </a:r>
+            <a:r>
+              <a:rPr lang="de-DE" dirty="0">
+                <a:solidFill>
+                  <a:srgbClr val="000000"/>
                 </a:solidFill>
                 <a:highlight>
                   <a:srgbClr val="FFFFFF"/>
                 </a:highlight>
               </a:rPr>
-              <a:t> corresp</a:t>
-            </a:r>
-            <a:r>
-              <a:rPr lang="de-DE">
+              <a:t>, </a:t>
+            </a:r>
+            <a:r>
+              <a:rPr lang="de-DE" dirty="0">
+                <a:solidFill>
+                  <a:srgbClr val="000096"/>
+                </a:solidFill>
+                <a:highlight>
+                  <a:srgbClr val="FFFFFF"/>
+                </a:highlight>
+              </a:rPr>
+              <a:t>&lt;</a:t>
+            </a:r>
+            <a:r>
+              <a:rPr lang="de-DE" dirty="0" err="1">
+                <a:solidFill>
+                  <a:srgbClr val="000096"/>
+                </a:solidFill>
+                <a:highlight>
+                  <a:srgbClr val="FFFFFF"/>
+                </a:highlight>
+              </a:rPr>
+              <a:t>ref</a:t>
+            </a:r>
+            <a:r>
+              <a:rPr lang="de-DE" dirty="0">
+                <a:solidFill>
+                  <a:srgbClr val="F5844C"/>
+                </a:solidFill>
+                <a:highlight>
+                  <a:srgbClr val="FFFFFF"/>
+                </a:highlight>
+              </a:rPr>
+              <a:t> </a:t>
+            </a:r>
+            <a:r>
+              <a:rPr lang="de-DE" dirty="0" err="1">
+                <a:solidFill>
+                  <a:srgbClr val="F5844C"/>
+                </a:solidFill>
+                <a:highlight>
+                  <a:srgbClr val="FFFFFF"/>
+                </a:highlight>
+              </a:rPr>
+              <a:t>corresp</a:t>
+            </a:r>
+            <a:r>
+              <a:rPr lang="de-DE" dirty="0">
                 <a:solidFill>
                   <a:srgbClr val="FF8040"/>
                 </a:solidFill>
@@ -11895,7 +11734,7 @@
               <a:t>=</a:t>
             </a:r>
             <a:r>
-              <a:rPr lang="de-DE">
+              <a:rPr lang="de-DE" dirty="0">
                 <a:solidFill>
                   <a:srgbClr val="993300"/>
                 </a:solidFill>
@@ -11906,7 +11745,7 @@
               <a:t>"#facsimile_017_019"</a:t>
             </a:r>
             <a:r>
-              <a:rPr lang="de-DE">
+              <a:rPr lang="de-DE" dirty="0">
                 <a:solidFill>
                   <a:srgbClr val="000096"/>
                 </a:solidFill>
@@ -11917,7 +11756,7 @@
               <a:t>&gt;</a:t>
             </a:r>
             <a:r>
-              <a:rPr lang="de-DE">
+              <a:rPr lang="de-DE" dirty="0" err="1">
                 <a:solidFill>
                   <a:srgbClr val="000000"/>
                 </a:solidFill>
@@ -11925,21 +11764,54 @@
                   <a:srgbClr val="FFFFFF"/>
                 </a:highlight>
               </a:rPr>
-              <a:t>Fol. 8v-9v</a:t>
-            </a:r>
-            <a:r>
-              <a:rPr lang="de-DE">
-                <a:solidFill>
-                  <a:srgbClr val="000096"/>
+              <a:t>Fol</a:t>
+            </a:r>
+            <a:r>
+              <a:rPr lang="de-DE" dirty="0">
+                <a:solidFill>
+                  <a:srgbClr val="000000"/>
                 </a:solidFill>
                 <a:highlight>
                   <a:srgbClr val="FFFFFF"/>
                 </a:highlight>
               </a:rPr>
-              <a:t>&lt;/ref&gt;</a:t>
-            </a:r>
-            <a:r>
-              <a:rPr lang="de-DE">
+              <a:t>. 8v-9v</a:t>
+            </a:r>
+            <a:r>
+              <a:rPr lang="de-DE" dirty="0">
+                <a:solidFill>
+                  <a:srgbClr val="000096"/>
+                </a:solidFill>
+                <a:highlight>
+                  <a:srgbClr val="FFFFFF"/>
+                </a:highlight>
+              </a:rPr>
+              <a:t>&lt;/</a:t>
+            </a:r>
+            <a:r>
+              <a:rPr lang="de-DE" dirty="0" err="1">
+                <a:solidFill>
+                  <a:srgbClr val="000096"/>
+                </a:solidFill>
+                <a:highlight>
+                  <a:srgbClr val="FFFFFF"/>
+                </a:highlight>
+              </a:rPr>
+              <a:t>ref</a:t>
+            </a:r>
+            <a:r>
+              <a:rPr lang="de-DE" dirty="0">
+                <a:solidFill>
+                  <a:srgbClr val="000096"/>
+                </a:solidFill>
+                <a:highlight>
+                  <a:srgbClr val="FFFFFF"/>
+                </a:highlight>
+              </a:rPr>
+              <a:t>&gt;</a:t>
+            </a:r>
+            <a:r>
+              <a:rPr lang="de-DE" dirty="0">
                 <a:solidFill>
                   <a:srgbClr val="000000"/>
                 </a:solidFill>
@@ -11962,10 +11834,279 @@
   <p:clrMapOvr>
     <a:masterClrMapping/>
   </p:clrMapOvr>
+  <p:timing>
+    <p:tnLst>
+      <p:par>
+        <p:cTn id="1" dur="indefinite" restart="never" nodeType="tmRoot">
+          <p:childTnLst>
+            <p:seq concurrent="1" nextAc="seek">
+              <p:cTn id="2" dur="indefinite" nodeType="mainSeq">
+                <p:childTnLst>
+                  <p:par>
+                    <p:cTn id="3" fill="hold">
+                      <p:stCondLst>
+                        <p:cond delay="indefinite"/>
+                      </p:stCondLst>
+                      <p:childTnLst>
+                        <p:par>
+                          <p:cTn id="4" fill="hold">
+                            <p:stCondLst>
+                              <p:cond delay="0"/>
+                            </p:stCondLst>
+                            <p:childTnLst>
+                              <p:par>
+                                <p:cTn id="5" presetID="1" presetClass="entr" presetSubtype="0" fill="hold" grpId="0" nodeType="clickEffect">
+                                  <p:stCondLst>
+                                    <p:cond delay="0"/>
+                                  </p:stCondLst>
+                                  <p:childTnLst>
+                                    <p:set>
+                                      <p:cBhvr>
+                                        <p:cTn id="6" dur="1" fill="hold">
+                                          <p:stCondLst>
+                                            <p:cond delay="0"/>
+                                          </p:stCondLst>
+                                        </p:cTn>
+                                        <p:tgtEl>
+                                          <p:spTgt spid="7"/>
+                                        </p:tgtEl>
+                                        <p:attrNameLst>
+                                          <p:attrName>style.visibility</p:attrName>
+                                        </p:attrNameLst>
+                                      </p:cBhvr>
+                                      <p:to>
+                                        <p:strVal val="visible"/>
+                                      </p:to>
+                                    </p:set>
+                                  </p:childTnLst>
+                                </p:cTn>
+                              </p:par>
+                            </p:childTnLst>
+                          </p:cTn>
+                        </p:par>
+                      </p:childTnLst>
+                    </p:cTn>
+                  </p:par>
+                  <p:par>
+                    <p:cTn id="7" fill="hold">
+                      <p:stCondLst>
+                        <p:cond delay="indefinite"/>
+                      </p:stCondLst>
+                      <p:childTnLst>
+                        <p:par>
+                          <p:cTn id="8" fill="hold">
+                            <p:stCondLst>
+                              <p:cond delay="0"/>
+                            </p:stCondLst>
+                            <p:childTnLst>
+                              <p:par>
+                                <p:cTn id="9" presetID="1" presetClass="entr" presetSubtype="0" fill="hold" grpId="0" nodeType="clickEffect">
+                                  <p:stCondLst>
+                                    <p:cond delay="0"/>
+                                  </p:stCondLst>
+                                  <p:childTnLst>
+                                    <p:set>
+                                      <p:cBhvr>
+                                        <p:cTn id="10" dur="1" fill="hold">
+                                          <p:stCondLst>
+                                            <p:cond delay="0"/>
+                                          </p:stCondLst>
+                                        </p:cTn>
+                                        <p:tgtEl>
+                                          <p:spTgt spid="2"/>
+                                        </p:tgtEl>
+                                        <p:attrNameLst>
+                                          <p:attrName>style.visibility</p:attrName>
+                                        </p:attrNameLst>
+                                      </p:cBhvr>
+                                      <p:to>
+                                        <p:strVal val="visible"/>
+                                      </p:to>
+                                    </p:set>
+                                  </p:childTnLst>
+                                </p:cTn>
+                              </p:par>
+                            </p:childTnLst>
+                          </p:cTn>
+                        </p:par>
+                      </p:childTnLst>
+                    </p:cTn>
+                  </p:par>
+                  <p:par>
+                    <p:cTn id="11" fill="hold">
+                      <p:stCondLst>
+                        <p:cond delay="indefinite"/>
+                      </p:stCondLst>
+                      <p:childTnLst>
+                        <p:par>
+                          <p:cTn id="12" fill="hold">
+                            <p:stCondLst>
+                              <p:cond delay="0"/>
+                            </p:stCondLst>
+                            <p:childTnLst>
+                              <p:par>
+                                <p:cTn id="13" presetID="1" presetClass="entr" presetSubtype="0" fill="hold" nodeType="clickEffect">
+                                  <p:stCondLst>
+                                    <p:cond delay="0"/>
+                                  </p:stCondLst>
+                                  <p:childTnLst>
+                                    <p:set>
+                                      <p:cBhvr>
+                                        <p:cTn id="14" dur="1" fill="hold">
+                                          <p:stCondLst>
+                                            <p:cond delay="0"/>
+                                          </p:stCondLst>
+                                        </p:cTn>
+                                        <p:tgtEl>
+                                          <p:spTgt spid="12"/>
+                                        </p:tgtEl>
+                                        <p:attrNameLst>
+                                          <p:attrName>style.visibility</p:attrName>
+                                        </p:attrNameLst>
+                                      </p:cBhvr>
+                                      <p:to>
+                                        <p:strVal val="visible"/>
+                                      </p:to>
+                                    </p:set>
+                                  </p:childTnLst>
+                                </p:cTn>
+                              </p:par>
+                            </p:childTnLst>
+                          </p:cTn>
+                        </p:par>
+                      </p:childTnLst>
+                    </p:cTn>
+                  </p:par>
+                  <p:par>
+                    <p:cTn id="15" fill="hold">
+                      <p:stCondLst>
+                        <p:cond delay="indefinite"/>
+                      </p:stCondLst>
+                      <p:childTnLst>
+                        <p:par>
+                          <p:cTn id="16" fill="hold">
+                            <p:stCondLst>
+                              <p:cond delay="0"/>
+                            </p:stCondLst>
+                            <p:childTnLst>
+                              <p:par>
+                                <p:cTn id="17" presetID="1" presetClass="entr" presetSubtype="0" fill="hold" nodeType="clickEffect">
+                                  <p:stCondLst>
+                                    <p:cond delay="0"/>
+                                  </p:stCondLst>
+                                  <p:childTnLst>
+                                    <p:set>
+                                      <p:cBhvr>
+                                        <p:cTn id="18" dur="1" fill="hold">
+                                          <p:stCondLst>
+                                            <p:cond delay="0"/>
+                                          </p:stCondLst>
+                                        </p:cTn>
+                                        <p:tgtEl>
+                                          <p:spTgt spid="15"/>
+                                        </p:tgtEl>
+                                        <p:attrNameLst>
+                                          <p:attrName>style.visibility</p:attrName>
+                                        </p:attrNameLst>
+                                      </p:cBhvr>
+                                      <p:to>
+                                        <p:strVal val="visible"/>
+                                      </p:to>
+                                    </p:set>
+                                  </p:childTnLst>
+                                </p:cTn>
+                              </p:par>
+                              <p:par>
+                                <p:cTn id="19" presetID="1" presetClass="entr" presetSubtype="0" fill="hold" grpId="0" nodeType="withEffect">
+                                  <p:stCondLst>
+                                    <p:cond delay="0"/>
+                                  </p:stCondLst>
+                                  <p:childTnLst>
+                                    <p:set>
+                                      <p:cBhvr>
+                                        <p:cTn id="20" dur="1" fill="hold">
+                                          <p:stCondLst>
+                                            <p:cond delay="0"/>
+                                          </p:stCondLst>
+                                        </p:cTn>
+                                        <p:tgtEl>
+                                          <p:spTgt spid="13"/>
+                                        </p:tgtEl>
+                                        <p:attrNameLst>
+                                          <p:attrName>style.visibility</p:attrName>
+                                        </p:attrNameLst>
+                                      </p:cBhvr>
+                                      <p:to>
+                                        <p:strVal val="visible"/>
+                                      </p:to>
+                                    </p:set>
+                                  </p:childTnLst>
+                                </p:cTn>
+                              </p:par>
+                              <p:par>
+                                <p:cTn id="21" presetID="1" presetClass="entr" presetSubtype="0" fill="hold" nodeType="withEffect">
+                                  <p:stCondLst>
+                                    <p:cond delay="0"/>
+                                  </p:stCondLst>
+                                  <p:childTnLst>
+                                    <p:set>
+                                      <p:cBhvr>
+                                        <p:cTn id="22" dur="1" fill="hold">
+                                          <p:stCondLst>
+                                            <p:cond delay="0"/>
+                                          </p:stCondLst>
+                                        </p:cTn>
+                                        <p:tgtEl>
+                                          <p:spTgt spid="23"/>
+                                        </p:tgtEl>
+                                        <p:attrNameLst>
+                                          <p:attrName>style.visibility</p:attrName>
+                                        </p:attrNameLst>
+                                      </p:cBhvr>
+                                      <p:to>
+                                        <p:strVal val="visible"/>
+                                      </p:to>
+                                    </p:set>
+                                  </p:childTnLst>
+                                </p:cTn>
+                              </p:par>
+                            </p:childTnLst>
+                          </p:cTn>
+                        </p:par>
+                      </p:childTnLst>
+                    </p:cTn>
+                  </p:par>
+                </p:childTnLst>
+              </p:cTn>
+              <p:prevCondLst>
+                <p:cond evt="onPrev" delay="0">
+                  <p:tgtEl>
+                    <p:sldTgt/>
+                  </p:tgtEl>
+                </p:cond>
+              </p:prevCondLst>
+              <p:nextCondLst>
+                <p:cond evt="onNext" delay="0">
+                  <p:tgtEl>
+                    <p:sldTgt/>
+                  </p:tgtEl>
+                </p:cond>
+              </p:nextCondLst>
+            </p:seq>
+          </p:childTnLst>
+        </p:cTn>
+      </p:par>
+    </p:tnLst>
+    <p:bldLst>
+      <p:bldP spid="7" grpId="0"/>
+      <p:bldP spid="13" grpId="0" animBg="1"/>
+      <p:bldP spid="2" grpId="0" animBg="1"/>
+    </p:bldLst>
+  </p:timing>
 </p:sld>
 </file>
 
-<file path=ppt/slides/slide17.xml><?xml version="1.0" encoding="utf-8"?>
+<file path=ppt/slides/slide15.xml><?xml version="1.0" encoding="utf-8"?>
 <p:sld xmlns:a="http://schemas.openxmlformats.org/drawingml/2006/main" xmlns:r="http://schemas.openxmlformats.org/officeDocument/2006/relationships" xmlns:p="http://schemas.openxmlformats.org/presentationml/2006/main">
   <p:cSld>
     <p:spTree>
@@ -12005,7 +12146,7 @@
           <a:p>
             <a:r>
               <a:rPr lang="fr-FR" dirty="0"/>
-              <a:t>IV. Référence des fac-similés dans &lt;body&gt;</a:t>
+              <a:t>4. L’organisation logique du fac-similé</a:t>
             </a:r>
           </a:p>
         </p:txBody>
@@ -12031,7 +12172,14 @@
           <a:bodyPr/>
           <a:lstStyle/>
           <a:p>
-            <a:endParaRPr lang="fr-FR"/>
+            <a:pPr marL="36900"/>
+            <a:r>
+              <a:rPr lang="fr-FR" dirty="0"/>
+              <a:t>Comment gérer les relations complexes entre &lt;facsimile&gt; (deux sources musicales) et &lt;body&gt; (une édition) ?</a:t>
+            </a:r>
+          </a:p>
+          <a:p>
+            <a:endParaRPr lang="fr-FR" dirty="0"/>
           </a:p>
         </p:txBody>
       </p:sp>
@@ -12114,7 +12262,7 @@
           <a:p>
             <a:fld id="{6DF8D168-963E-48B1-A7EC-C96E46BCD5F7}" type="slidenum">
               <a:rPr lang="fr-FR" smtClean="0"/>
-              <a:t>17</a:t>
+              <a:t>15</a:t>
             </a:fld>
             <a:endParaRPr lang="fr-FR"/>
           </a:p>
@@ -12133,7 +12281,7 @@
 </p:sld>
 </file>
 
-<file path=ppt/slides/slide18.xml><?xml version="1.0" encoding="utf-8"?>
+<file path=ppt/slides/slide16.xml><?xml version="1.0" encoding="utf-8"?>
 <p:sld xmlns:a="http://schemas.openxmlformats.org/drawingml/2006/main" xmlns:r="http://schemas.openxmlformats.org/officeDocument/2006/relationships" xmlns:p="http://schemas.openxmlformats.org/presentationml/2006/main">
   <p:cSld>
     <p:spTree>
@@ -12173,7 +12321,7 @@
           <a:p>
             <a:r>
               <a:rPr lang="fr-FR" dirty="0"/>
-              <a:t>Notre cas</a:t>
+              <a:t>Notre approche</a:t>
             </a:r>
           </a:p>
         </p:txBody>
@@ -12219,7 +12367,7 @@
                   <a:srgbClr val="FFFFFF"/>
                 </a:highlight>
               </a:rPr>
-              <a:t>&lt;pb</a:t>
+              <a:t>pb</a:t>
             </a:r>
             <a:r>
               <a:rPr lang="fr-FR" dirty="0">
@@ -12252,7 +12400,7 @@
                   <a:srgbClr val="FFFFFF"/>
                 </a:highlight>
               </a:rPr>
-              <a:t>"#facsimile_037"</a:t>
+              <a:t>"#facsimile_049"</a:t>
             </a:r>
             <a:r>
               <a:rPr lang="fr-FR" dirty="0">
@@ -12285,29 +12433,7 @@
                   <a:srgbClr val="FFFFFF"/>
                 </a:highlight>
               </a:rPr>
-              <a:t>"</a:t>
-            </a:r>
-            <a:r>
-              <a:rPr lang="fr-FR" dirty="0" err="1">
-                <a:solidFill>
-                  <a:srgbClr val="993300"/>
-                </a:solidFill>
-                <a:highlight>
-                  <a:srgbClr val="FFFFFF"/>
-                </a:highlight>
-              </a:rPr>
-              <a:t>sourceFirstPageHornII</a:t>
-            </a:r>
-            <a:r>
-              <a:rPr lang="fr-FR" dirty="0">
-                <a:solidFill>
-                  <a:srgbClr val="993300"/>
-                </a:solidFill>
-                <a:highlight>
-                  <a:srgbClr val="FFFFFF"/>
-                </a:highlight>
-              </a:rPr>
-              <a:t>"</a:t>
+              <a:t>"Bass"</a:t>
             </a:r>
             <a:r>
               <a:rPr lang="fr-FR" dirty="0">
@@ -12362,164 +12488,6 @@
                   <a:srgbClr val="FFFFFF"/>
                 </a:highlight>
               </a:rPr>
-              <a:t>&gt;&lt;/pb&gt; </a:t>
-            </a:r>
-            <a:r>
-              <a:rPr lang="fr-FR" dirty="0"/>
-              <a:t>ou </a:t>
-            </a:r>
-            <a:r>
-              <a:rPr lang="fr-FR" dirty="0">
-                <a:solidFill>
-                  <a:srgbClr val="000096"/>
-                </a:solidFill>
-                <a:highlight>
-                  <a:srgbClr val="FFFFFF"/>
-                </a:highlight>
-              </a:rPr>
-              <a:t>&lt;pb</a:t>
-            </a:r>
-            <a:r>
-              <a:rPr lang="fr-FR" dirty="0">
-                <a:solidFill>
-                  <a:srgbClr val="F5844C"/>
-                </a:solidFill>
-                <a:highlight>
-                  <a:srgbClr val="FFFFFF"/>
-                </a:highlight>
-              </a:rPr>
-              <a:t> facs</a:t>
-            </a:r>
-            <a:r>
-              <a:rPr lang="fr-FR" dirty="0">
-                <a:solidFill>
-                  <a:srgbClr val="FF8040"/>
-                </a:solidFill>
-                <a:highlight>
-                  <a:srgbClr val="FFFFFF"/>
-                </a:highlight>
-              </a:rPr>
-              <a:t>=</a:t>
-            </a:r>
-            <a:r>
-              <a:rPr lang="fr-FR" dirty="0">
-                <a:solidFill>
-                  <a:srgbClr val="993300"/>
-                </a:solidFill>
-                <a:highlight>
-                  <a:srgbClr val="FFFFFF"/>
-                </a:highlight>
-              </a:rPr>
-              <a:t>"#facsimile_049"</a:t>
-            </a:r>
-            <a:r>
-              <a:rPr lang="fr-FR" dirty="0">
-                <a:solidFill>
-                  <a:srgbClr val="F5844C"/>
-                </a:solidFill>
-                <a:highlight>
-                  <a:srgbClr val="FFFFFF"/>
-                </a:highlight>
-              </a:rPr>
-              <a:t> type</a:t>
-            </a:r>
-            <a:r>
-              <a:rPr lang="fr-FR" dirty="0">
-                <a:solidFill>
-                  <a:srgbClr val="FF8040"/>
-                </a:solidFill>
-                <a:highlight>
-                  <a:srgbClr val="FFFFFF"/>
-                </a:highlight>
-              </a:rPr>
-              <a:t>=</a:t>
-            </a:r>
-            <a:r>
-              <a:rPr lang="fr-FR" dirty="0">
-                <a:solidFill>
-                  <a:srgbClr val="993300"/>
-                </a:solidFill>
-                <a:highlight>
-                  <a:srgbClr val="FFFFFF"/>
-                </a:highlight>
-              </a:rPr>
-              <a:t>"</a:t>
-            </a:r>
-            <a:r>
-              <a:rPr lang="fr-FR" dirty="0" err="1">
-                <a:solidFill>
-                  <a:srgbClr val="993300"/>
-                </a:solidFill>
-                <a:highlight>
-                  <a:srgbClr val="FFFFFF"/>
-                </a:highlight>
-              </a:rPr>
-              <a:t>sourcePBBass</a:t>
-            </a:r>
-            <a:r>
-              <a:rPr lang="fr-FR" dirty="0">
-                <a:solidFill>
-                  <a:srgbClr val="993300"/>
-                </a:solidFill>
-                <a:highlight>
-                  <a:srgbClr val="FFFFFF"/>
-                </a:highlight>
-              </a:rPr>
-              <a:t>"</a:t>
-            </a:r>
-            <a:r>
-              <a:rPr lang="fr-FR" dirty="0">
-                <a:solidFill>
-                  <a:srgbClr val="F5844C"/>
-                </a:solidFill>
-                <a:highlight>
-                  <a:srgbClr val="FFFFFF"/>
-                </a:highlight>
-              </a:rPr>
-              <a:t> </a:t>
-            </a:r>
-            <a:r>
-              <a:rPr lang="fr-FR" dirty="0" err="1">
-                <a:solidFill>
-                  <a:srgbClr val="F5844C"/>
-                </a:solidFill>
-                <a:highlight>
-                  <a:srgbClr val="FFFFFF"/>
-                </a:highlight>
-              </a:rPr>
-              <a:t>corresp</a:t>
-            </a:r>
-            <a:r>
-              <a:rPr lang="fr-FR" dirty="0">
-                <a:solidFill>
-                  <a:srgbClr val="FF8040"/>
-                </a:solidFill>
-                <a:highlight>
-                  <a:srgbClr val="FFFFFF"/>
-                </a:highlight>
-              </a:rPr>
-              <a:t>=</a:t>
-            </a:r>
-            <a:r>
-              <a:rPr lang="fr-FR" dirty="0">
-                <a:solidFill>
-                  <a:srgbClr val="993300"/>
-                </a:solidFill>
-                <a:highlight>
-                  <a:srgbClr val="FFFFFF"/>
-                </a:highlight>
-              </a:rPr>
-              <a:t>"parentScore#manifestation_1_source_A"</a:t>
-            </a:r>
-            <a:r>
-              <a:rPr lang="fr-FR" dirty="0">
-                <a:solidFill>
-                  <a:srgbClr val="000096"/>
-                </a:solidFill>
-                <a:highlight>
-                  <a:srgbClr val="FFFFFF"/>
-                </a:highlight>
-              </a:rPr>
               <a:t>&gt;&lt;/pb&gt;</a:t>
             </a:r>
             <a:endParaRPr lang="fr-FR" dirty="0"/>
@@ -12531,164 +12499,6 @@
                 <a:effectLst/>
               </a:rPr>
               <a:t>Source B : </a:t>
-            </a:r>
-            <a:r>
-              <a:rPr lang="fr-FR" dirty="0">
-                <a:solidFill>
-                  <a:srgbClr val="000096"/>
-                </a:solidFill>
-                <a:highlight>
-                  <a:srgbClr val="FFFFFF"/>
-                </a:highlight>
-              </a:rPr>
-              <a:t>&lt;pb</a:t>
-            </a:r>
-            <a:r>
-              <a:rPr lang="fr-FR" dirty="0">
-                <a:solidFill>
-                  <a:srgbClr val="F5844C"/>
-                </a:solidFill>
-                <a:highlight>
-                  <a:srgbClr val="FFFFFF"/>
-                </a:highlight>
-              </a:rPr>
-              <a:t> facs</a:t>
-            </a:r>
-            <a:r>
-              <a:rPr lang="fr-FR" dirty="0">
-                <a:solidFill>
-                  <a:srgbClr val="FF8040"/>
-                </a:solidFill>
-                <a:highlight>
-                  <a:srgbClr val="FFFFFF"/>
-                </a:highlight>
-              </a:rPr>
-              <a:t>=</a:t>
-            </a:r>
-            <a:r>
-              <a:rPr lang="fr-FR" dirty="0">
-                <a:solidFill>
-                  <a:srgbClr val="993300"/>
-                </a:solidFill>
-                <a:highlight>
-                  <a:srgbClr val="FFFFFF"/>
-                </a:highlight>
-              </a:rPr>
-              <a:t>"#facsimile_002"</a:t>
-            </a:r>
-            <a:r>
-              <a:rPr lang="fr-FR" dirty="0">
-                <a:solidFill>
-                  <a:srgbClr val="F5844C"/>
-                </a:solidFill>
-                <a:highlight>
-                  <a:srgbClr val="FFFFFF"/>
-                </a:highlight>
-              </a:rPr>
-              <a:t> type</a:t>
-            </a:r>
-            <a:r>
-              <a:rPr lang="fr-FR" dirty="0">
-                <a:solidFill>
-                  <a:srgbClr val="FF8040"/>
-                </a:solidFill>
-                <a:highlight>
-                  <a:srgbClr val="FFFFFF"/>
-                </a:highlight>
-              </a:rPr>
-              <a:t>=</a:t>
-            </a:r>
-            <a:r>
-              <a:rPr lang="fr-FR" dirty="0">
-                <a:solidFill>
-                  <a:srgbClr val="993300"/>
-                </a:solidFill>
-                <a:highlight>
-                  <a:srgbClr val="FFFFFF"/>
-                </a:highlight>
-              </a:rPr>
-              <a:t>"</a:t>
-            </a:r>
-            <a:r>
-              <a:rPr lang="fr-FR" dirty="0" err="1">
-                <a:solidFill>
-                  <a:srgbClr val="993300"/>
-                </a:solidFill>
-                <a:highlight>
-                  <a:srgbClr val="FFFFFF"/>
-                </a:highlight>
-              </a:rPr>
-              <a:t>sourceFirstPage</a:t>
-            </a:r>
-            <a:r>
-              <a:rPr lang="fr-FR" dirty="0">
-                <a:solidFill>
-                  <a:srgbClr val="993300"/>
-                </a:solidFill>
-                <a:highlight>
-                  <a:srgbClr val="FFFFFF"/>
-                </a:highlight>
-              </a:rPr>
-              <a:t>"</a:t>
-            </a:r>
-            <a:r>
-              <a:rPr lang="fr-FR" dirty="0">
-                <a:solidFill>
-                  <a:srgbClr val="F5844C"/>
-                </a:solidFill>
-                <a:highlight>
-                  <a:srgbClr val="FFFFFF"/>
-                </a:highlight>
-              </a:rPr>
-              <a:t> </a:t>
-            </a:r>
-            <a:r>
-              <a:rPr lang="fr-FR" dirty="0" err="1">
-                <a:solidFill>
-                  <a:srgbClr val="F5844C"/>
-                </a:solidFill>
-                <a:highlight>
-                  <a:srgbClr val="FFFFFF"/>
-                </a:highlight>
-              </a:rPr>
-              <a:t>corresp</a:t>
-            </a:r>
-            <a:r>
-              <a:rPr lang="fr-FR" dirty="0">
-                <a:solidFill>
-                  <a:srgbClr val="FF8040"/>
-                </a:solidFill>
-                <a:highlight>
-                  <a:srgbClr val="FFFFFF"/>
-                </a:highlight>
-              </a:rPr>
-              <a:t>=</a:t>
-            </a:r>
-            <a:r>
-              <a:rPr lang="fr-FR" dirty="0">
-                <a:solidFill>
-                  <a:srgbClr val="993300"/>
-                </a:solidFill>
-                <a:highlight>
-                  <a:srgbClr val="FFFFFF"/>
-                </a:highlight>
-              </a:rPr>
-              <a:t>"parentScore#manifestation_1_source_B"</a:t>
-            </a:r>
-            <a:r>
-              <a:rPr lang="fr-FR" dirty="0">
-                <a:solidFill>
-                  <a:srgbClr val="000096"/>
-                </a:solidFill>
-                <a:highlight>
-                  <a:srgbClr val="FFFFFF"/>
-                </a:highlight>
-              </a:rPr>
-              <a:t>&gt;&lt;/pb&gt; </a:t>
-            </a:r>
-            <a:r>
-              <a:rPr lang="fr-FR" dirty="0"/>
-              <a:t>ou </a:t>
             </a:r>
             <a:r>
               <a:rPr lang="fr-FR" dirty="0">
@@ -12935,7 +12745,7 @@
           <a:p>
             <a:fld id="{6DF8D168-963E-48B1-A7EC-C96E46BCD5F7}" type="slidenum">
               <a:rPr lang="fr-FR" smtClean="0"/>
-              <a:t>18</a:t>
+              <a:t>16</a:t>
             </a:fld>
             <a:endParaRPr lang="fr-FR"/>
           </a:p>
@@ -12954,8 +12764,755 @@
 </p:sld>
 </file>
 
+<file path=ppt/slides/slide17.xml><?xml version="1.0" encoding="utf-8"?>
+<p:sld xmlns:a="http://schemas.openxmlformats.org/drawingml/2006/main" xmlns:r="http://schemas.openxmlformats.org/officeDocument/2006/relationships" xmlns:p="http://schemas.openxmlformats.org/presentationml/2006/main" show="0">
+  <p:cSld>
+    <p:spTree>
+      <p:nvGrpSpPr>
+        <p:cNvPr id="1" name=""/>
+        <p:cNvGrpSpPr/>
+        <p:nvPr/>
+      </p:nvGrpSpPr>
+      <p:grpSpPr>
+        <a:xfrm>
+          <a:off x="0" y="0"/>
+          <a:ext cx="0" cy="0"/>
+          <a:chOff x="0" y="0"/>
+          <a:chExt cx="0" cy="0"/>
+        </a:xfrm>
+      </p:grpSpPr>
+      <p:sp>
+        <p:nvSpPr>
+          <p:cNvPr id="2" name="Titel 1">
+            <a:extLst>
+              <a:ext uri="{FF2B5EF4-FFF2-40B4-BE49-F238E27FC236}">
+                <a16:creationId xmlns:a16="http://schemas.microsoft.com/office/drawing/2014/main" id="{E9B6FD49-9CA2-16BA-A827-89B6043C8578}"/>
+              </a:ext>
+            </a:extLst>
+          </p:cNvPr>
+          <p:cNvSpPr>
+            <a:spLocks noGrp="1"/>
+          </p:cNvSpPr>
+          <p:nvPr>
+            <p:ph type="title"/>
+          </p:nvPr>
+        </p:nvSpPr>
+        <p:spPr/>
+        <p:txBody>
+          <a:bodyPr>
+            <a:normAutofit fontScale="90000"/>
+          </a:bodyPr>
+          <a:lstStyle/>
+          <a:p>
+            <a:r>
+              <a:rPr lang="fr-FR" dirty="0"/>
+              <a:t>Division entre un document parent et sept documents enfants : comment ? </a:t>
+            </a:r>
+          </a:p>
+        </p:txBody>
+      </p:sp>
+      <p:sp>
+        <p:nvSpPr>
+          <p:cNvPr id="7" name="Textplatzhalter 6">
+            <a:extLst>
+              <a:ext uri="{FF2B5EF4-FFF2-40B4-BE49-F238E27FC236}">
+                <a16:creationId xmlns:a16="http://schemas.microsoft.com/office/drawing/2014/main" id="{3C378CDC-BB6E-D5BC-C22C-AE698746166F}"/>
+              </a:ext>
+            </a:extLst>
+          </p:cNvPr>
+          <p:cNvSpPr>
+            <a:spLocks noGrp="1"/>
+          </p:cNvSpPr>
+          <p:nvPr>
+            <p:ph type="body" idx="1"/>
+          </p:nvPr>
+        </p:nvSpPr>
+        <p:spPr/>
+        <p:txBody>
+          <a:bodyPr/>
+          <a:lstStyle/>
+          <a:p>
+            <a:r>
+              <a:rPr lang="fr-FR" sz="1800" dirty="0"/>
+              <a:t>0_Mere_Herzlich tut </a:t>
+            </a:r>
+            <a:r>
+              <a:rPr lang="fr-FR" sz="1800" dirty="0" err="1"/>
+              <a:t>mich</a:t>
+            </a:r>
+            <a:r>
+              <a:rPr lang="fr-FR" sz="1800" dirty="0"/>
+              <a:t> </a:t>
+            </a:r>
+            <a:r>
+              <a:rPr lang="fr-FR" sz="1800" dirty="0" err="1"/>
+              <a:t>verlangen.mei</a:t>
+            </a:r>
+            <a:endParaRPr lang="fr-FR" sz="1800" dirty="0"/>
+          </a:p>
+        </p:txBody>
+      </p:sp>
+      <p:sp>
+        <p:nvSpPr>
+          <p:cNvPr id="9" name="Textplatzhalter 8">
+            <a:extLst>
+              <a:ext uri="{FF2B5EF4-FFF2-40B4-BE49-F238E27FC236}">
+                <a16:creationId xmlns:a16="http://schemas.microsoft.com/office/drawing/2014/main" id="{E263F9CD-4581-8085-0561-28C6ABFBC1B2}"/>
+              </a:ext>
+            </a:extLst>
+          </p:cNvPr>
+          <p:cNvSpPr>
+            <a:spLocks noGrp="1"/>
+          </p:cNvSpPr>
+          <p:nvPr>
+            <p:ph type="body" sz="quarter" idx="3"/>
+          </p:nvPr>
+        </p:nvSpPr>
+        <p:spPr/>
+        <p:txBody>
+          <a:bodyPr/>
+          <a:lstStyle/>
+          <a:p>
+            <a:r>
+              <a:rPr lang="fr-FR" sz="1800" dirty="0"/>
+              <a:t>p. ex. 1_Choral_Herzlich tut </a:t>
+            </a:r>
+            <a:r>
+              <a:rPr lang="fr-FR" sz="1800" dirty="0" err="1"/>
+              <a:t>mich</a:t>
+            </a:r>
+            <a:r>
+              <a:rPr lang="fr-FR" sz="1800" dirty="0"/>
+              <a:t> </a:t>
+            </a:r>
+            <a:r>
+              <a:rPr lang="fr-FR" sz="1800" dirty="0" err="1"/>
+              <a:t>verlangen.mei</a:t>
+            </a:r>
+            <a:endParaRPr lang="fr-FR" sz="1800" dirty="0"/>
+          </a:p>
+        </p:txBody>
+      </p:sp>
+      <p:sp>
+        <p:nvSpPr>
+          <p:cNvPr id="4" name="Datumsplatzhalter 3">
+            <a:extLst>
+              <a:ext uri="{FF2B5EF4-FFF2-40B4-BE49-F238E27FC236}">
+                <a16:creationId xmlns:a16="http://schemas.microsoft.com/office/drawing/2014/main" id="{7F41AE56-593E-FA55-511C-83DE9C2FDFC2}"/>
+              </a:ext>
+            </a:extLst>
+          </p:cNvPr>
+          <p:cNvSpPr>
+            <a:spLocks noGrp="1"/>
+          </p:cNvSpPr>
+          <p:nvPr>
+            <p:ph type="dt" sz="half" idx="10"/>
+          </p:nvPr>
+        </p:nvSpPr>
+        <p:spPr/>
+        <p:txBody>
+          <a:bodyPr/>
+          <a:lstStyle/>
+          <a:p>
+            <a:r>
+              <a:rPr lang="fr-FR"/>
+              <a:t>11/06/2024</a:t>
+            </a:r>
+          </a:p>
+        </p:txBody>
+      </p:sp>
+      <p:sp>
+        <p:nvSpPr>
+          <p:cNvPr id="5" name="Fußzeilenplatzhalter 4">
+            <a:extLst>
+              <a:ext uri="{FF2B5EF4-FFF2-40B4-BE49-F238E27FC236}">
+                <a16:creationId xmlns:a16="http://schemas.microsoft.com/office/drawing/2014/main" id="{629D9E27-0F6E-B0BD-C4A3-E38DBC67C814}"/>
+              </a:ext>
+            </a:extLst>
+          </p:cNvPr>
+          <p:cNvSpPr>
+            <a:spLocks noGrp="1"/>
+          </p:cNvSpPr>
+          <p:nvPr>
+            <p:ph type="ftr" sz="quarter" idx="11"/>
+          </p:nvPr>
+        </p:nvSpPr>
+        <p:spPr/>
+        <p:txBody>
+          <a:bodyPr/>
+          <a:lstStyle/>
+          <a:p>
+            <a:r>
+              <a:rPr lang="fr-FR"/>
+              <a:t>Sophie Reiland-Mézil, Sorbonne Université</a:t>
+            </a:r>
+          </a:p>
+        </p:txBody>
+      </p:sp>
+      <p:sp>
+        <p:nvSpPr>
+          <p:cNvPr id="6" name="Foliennummernplatzhalter 5">
+            <a:extLst>
+              <a:ext uri="{FF2B5EF4-FFF2-40B4-BE49-F238E27FC236}">
+                <a16:creationId xmlns:a16="http://schemas.microsoft.com/office/drawing/2014/main" id="{5BCA206E-1DF9-2ED9-008F-A55C73C1A257}"/>
+              </a:ext>
+            </a:extLst>
+          </p:cNvPr>
+          <p:cNvSpPr>
+            <a:spLocks noGrp="1"/>
+          </p:cNvSpPr>
+          <p:nvPr>
+            <p:ph type="sldNum" sz="quarter" idx="12"/>
+          </p:nvPr>
+        </p:nvSpPr>
+        <p:spPr/>
+        <p:txBody>
+          <a:bodyPr/>
+          <a:lstStyle/>
+          <a:p>
+            <a:fld id="{6DF8D168-963E-48B1-A7EC-C96E46BCD5F7}" type="slidenum">
+              <a:rPr lang="fr-FR" smtClean="0"/>
+              <a:t>17</a:t>
+            </a:fld>
+            <a:endParaRPr lang="fr-FR"/>
+          </a:p>
+        </p:txBody>
+      </p:sp>
+      <p:pic>
+        <p:nvPicPr>
+          <p:cNvPr id="12" name="Grafik 11">
+            <a:extLst>
+              <a:ext uri="{FF2B5EF4-FFF2-40B4-BE49-F238E27FC236}">
+                <a16:creationId xmlns:a16="http://schemas.microsoft.com/office/drawing/2014/main" id="{D5305999-B61E-B009-A5BD-D06DE901A7E1}"/>
+              </a:ext>
+            </a:extLst>
+          </p:cNvPr>
+          <p:cNvPicPr>
+            <a:picLocks noChangeAspect="1"/>
+          </p:cNvPicPr>
+          <p:nvPr/>
+        </p:nvPicPr>
+        <p:blipFill>
+          <a:blip r:embed="rId3"/>
+          <a:stretch>
+            <a:fillRect/>
+          </a:stretch>
+        </p:blipFill>
+        <p:spPr>
+          <a:xfrm>
+            <a:off x="1001703" y="2809140"/>
+            <a:ext cx="4925112" cy="1276528"/>
+          </a:xfrm>
+          <a:prstGeom prst="rect">
+            <a:avLst/>
+          </a:prstGeom>
+        </p:spPr>
+      </p:pic>
+      <p:pic>
+        <p:nvPicPr>
+          <p:cNvPr id="14" name="Grafik 13">
+            <a:extLst>
+              <a:ext uri="{FF2B5EF4-FFF2-40B4-BE49-F238E27FC236}">
+                <a16:creationId xmlns:a16="http://schemas.microsoft.com/office/drawing/2014/main" id="{AB173ADB-9C7E-540F-578A-FC80948910C4}"/>
+              </a:ext>
+            </a:extLst>
+          </p:cNvPr>
+          <p:cNvPicPr>
+            <a:picLocks noChangeAspect="1"/>
+          </p:cNvPicPr>
+          <p:nvPr/>
+        </p:nvPicPr>
+        <p:blipFill>
+          <a:blip r:embed="rId4"/>
+          <a:stretch>
+            <a:fillRect/>
+          </a:stretch>
+        </p:blipFill>
+        <p:spPr>
+          <a:xfrm>
+            <a:off x="6327807" y="3170872"/>
+            <a:ext cx="4639322" cy="457264"/>
+          </a:xfrm>
+          <a:prstGeom prst="rect">
+            <a:avLst/>
+          </a:prstGeom>
+        </p:spPr>
+      </p:pic>
+    </p:spTree>
+    <p:extLst>
+      <p:ext uri="{BB962C8B-B14F-4D97-AF65-F5344CB8AC3E}">
+        <p14:creationId xmlns:p14="http://schemas.microsoft.com/office/powerpoint/2010/main" val="762619853"/>
+      </p:ext>
+    </p:extLst>
+  </p:cSld>
+  <p:clrMapOvr>
+    <a:masterClrMapping/>
+  </p:clrMapOvr>
+</p:sld>
+</file>
+
+<file path=ppt/slides/slide18.xml><?xml version="1.0" encoding="utf-8"?>
+<p:sld xmlns:a="http://schemas.openxmlformats.org/drawingml/2006/main" xmlns:r="http://schemas.openxmlformats.org/officeDocument/2006/relationships" xmlns:p="http://schemas.openxmlformats.org/presentationml/2006/main" show="0">
+  <p:cSld>
+    <p:spTree>
+      <p:nvGrpSpPr>
+        <p:cNvPr id="1" name=""/>
+        <p:cNvGrpSpPr/>
+        <p:nvPr/>
+      </p:nvGrpSpPr>
+      <p:grpSpPr>
+        <a:xfrm>
+          <a:off x="0" y="0"/>
+          <a:ext cx="0" cy="0"/>
+          <a:chOff x="0" y="0"/>
+          <a:chExt cx="0" cy="0"/>
+        </a:xfrm>
+      </p:grpSpPr>
+      <p:sp>
+        <p:nvSpPr>
+          <p:cNvPr id="2" name="Datumsplatzhalter 1">
+            <a:extLst>
+              <a:ext uri="{FF2B5EF4-FFF2-40B4-BE49-F238E27FC236}">
+                <a16:creationId xmlns:a16="http://schemas.microsoft.com/office/drawing/2014/main" id="{E98DBF99-B72B-FE04-7521-BE53815F9DD2}"/>
+              </a:ext>
+            </a:extLst>
+          </p:cNvPr>
+          <p:cNvSpPr>
+            <a:spLocks noGrp="1"/>
+          </p:cNvSpPr>
+          <p:nvPr>
+            <p:ph type="dt" sz="half" idx="10"/>
+          </p:nvPr>
+        </p:nvSpPr>
+        <p:spPr/>
+        <p:txBody>
+          <a:bodyPr/>
+          <a:lstStyle/>
+          <a:p>
+            <a:r>
+              <a:rPr lang="fr-FR"/>
+              <a:t>11/06/2024</a:t>
+            </a:r>
+          </a:p>
+        </p:txBody>
+      </p:sp>
+      <p:sp>
+        <p:nvSpPr>
+          <p:cNvPr id="3" name="Fußzeilenplatzhalter 2">
+            <a:extLst>
+              <a:ext uri="{FF2B5EF4-FFF2-40B4-BE49-F238E27FC236}">
+                <a16:creationId xmlns:a16="http://schemas.microsoft.com/office/drawing/2014/main" id="{AC47D19F-A7ED-2828-E089-46912F517790}"/>
+              </a:ext>
+            </a:extLst>
+          </p:cNvPr>
+          <p:cNvSpPr>
+            <a:spLocks noGrp="1"/>
+          </p:cNvSpPr>
+          <p:nvPr>
+            <p:ph type="ftr" sz="quarter" idx="11"/>
+          </p:nvPr>
+        </p:nvSpPr>
+        <p:spPr/>
+        <p:txBody>
+          <a:bodyPr/>
+          <a:lstStyle/>
+          <a:p>
+            <a:r>
+              <a:rPr lang="fr-FR"/>
+              <a:t>Sophie Reiland-Mézil, Sorbonne Université</a:t>
+            </a:r>
+          </a:p>
+        </p:txBody>
+      </p:sp>
+      <p:sp>
+        <p:nvSpPr>
+          <p:cNvPr id="4" name="Foliennummernplatzhalter 3">
+            <a:extLst>
+              <a:ext uri="{FF2B5EF4-FFF2-40B4-BE49-F238E27FC236}">
+                <a16:creationId xmlns:a16="http://schemas.microsoft.com/office/drawing/2014/main" id="{096B42AE-7946-FCEE-7B69-6DE4EAF865A4}"/>
+              </a:ext>
+            </a:extLst>
+          </p:cNvPr>
+          <p:cNvSpPr>
+            <a:spLocks noGrp="1"/>
+          </p:cNvSpPr>
+          <p:nvPr>
+            <p:ph type="sldNum" sz="quarter" idx="12"/>
+          </p:nvPr>
+        </p:nvSpPr>
+        <p:spPr/>
+        <p:txBody>
+          <a:bodyPr/>
+          <a:lstStyle/>
+          <a:p>
+            <a:fld id="{6DF8D168-963E-48B1-A7EC-C96E46BCD5F7}" type="slidenum">
+              <a:rPr lang="fr-FR" smtClean="0"/>
+              <a:t>18</a:t>
+            </a:fld>
+            <a:endParaRPr lang="fr-FR"/>
+          </a:p>
+        </p:txBody>
+      </p:sp>
+      <p:pic>
+        <p:nvPicPr>
+          <p:cNvPr id="6" name="Grafik 5">
+            <a:extLst>
+              <a:ext uri="{FF2B5EF4-FFF2-40B4-BE49-F238E27FC236}">
+                <a16:creationId xmlns:a16="http://schemas.microsoft.com/office/drawing/2014/main" id="{9D335AE2-DDCE-3A3B-09C9-774ED3FCE7DE}"/>
+              </a:ext>
+            </a:extLst>
+          </p:cNvPr>
+          <p:cNvPicPr>
+            <a:picLocks noChangeAspect="1"/>
+          </p:cNvPicPr>
+          <p:nvPr/>
+        </p:nvPicPr>
+        <p:blipFill>
+          <a:blip r:embed="rId3"/>
+          <a:stretch>
+            <a:fillRect/>
+          </a:stretch>
+        </p:blipFill>
+        <p:spPr>
+          <a:xfrm>
+            <a:off x="420589" y="282053"/>
+            <a:ext cx="5068007" cy="4553585"/>
+          </a:xfrm>
+          <a:prstGeom prst="rect">
+            <a:avLst/>
+          </a:prstGeom>
+        </p:spPr>
+      </p:pic>
+      <p:sp>
+        <p:nvSpPr>
+          <p:cNvPr id="7" name="Textfeld 6">
+            <a:extLst>
+              <a:ext uri="{FF2B5EF4-FFF2-40B4-BE49-F238E27FC236}">
+                <a16:creationId xmlns:a16="http://schemas.microsoft.com/office/drawing/2014/main" id="{2D6CCB5F-34CB-8D25-311A-309C54A08994}"/>
+              </a:ext>
+            </a:extLst>
+          </p:cNvPr>
+          <p:cNvSpPr txBox="1"/>
+          <p:nvPr/>
+        </p:nvSpPr>
+        <p:spPr>
+          <a:xfrm>
+            <a:off x="420589" y="4852226"/>
+            <a:ext cx="5068007" cy="1061829"/>
+          </a:xfrm>
+          <a:prstGeom prst="rect">
+            <a:avLst/>
+          </a:prstGeom>
+          <a:noFill/>
+        </p:spPr>
+        <p:txBody>
+          <a:bodyPr wrap="square" rtlCol="0">
+            <a:spAutoFit/>
+          </a:bodyPr>
+          <a:lstStyle/>
+          <a:p>
+            <a:r>
+              <a:rPr lang="fr-FR" sz="1050" dirty="0"/>
+              <a:t>Christoph </a:t>
+            </a:r>
+            <a:r>
+              <a:rPr lang="fr-FR" sz="1050" dirty="0" err="1"/>
+              <a:t>Graupner</a:t>
+            </a:r>
+            <a:r>
+              <a:rPr lang="fr-FR" sz="1050" dirty="0"/>
+              <a:t>, </a:t>
+            </a:r>
+            <a:r>
+              <a:rPr lang="fr-FR" sz="1050" i="1" dirty="0" err="1"/>
+              <a:t>Hertzlich</a:t>
+            </a:r>
+            <a:r>
+              <a:rPr lang="fr-FR" sz="1050" i="1" dirty="0"/>
+              <a:t> </a:t>
+            </a:r>
+            <a:r>
+              <a:rPr lang="fr-FR" sz="1050" i="1" dirty="0" err="1"/>
+              <a:t>thut</a:t>
+            </a:r>
+            <a:r>
+              <a:rPr lang="fr-FR" sz="1050" i="1" dirty="0"/>
+              <a:t> </a:t>
+            </a:r>
+            <a:r>
+              <a:rPr lang="fr-FR" sz="1050" i="1" dirty="0" err="1"/>
+              <a:t>mich</a:t>
+            </a:r>
+            <a:r>
+              <a:rPr lang="fr-FR" sz="1050" i="1" dirty="0"/>
+              <a:t> </a:t>
+            </a:r>
+            <a:r>
+              <a:rPr lang="fr-FR" sz="1050" i="1" dirty="0" err="1"/>
+              <a:t>verlangen</a:t>
+            </a:r>
+            <a:r>
+              <a:rPr lang="fr-FR" sz="1050" i="1" dirty="0"/>
+              <a:t>, </a:t>
+            </a:r>
+            <a:r>
+              <a:rPr lang="fr-FR" sz="1050" dirty="0"/>
+              <a:t>ms, </a:t>
+            </a:r>
+          </a:p>
+          <a:p>
+            <a:r>
+              <a:rPr lang="fr-FR" sz="1050" dirty="0"/>
+              <a:t>D-</a:t>
+            </a:r>
+            <a:r>
+              <a:rPr lang="fr-FR" sz="1050" dirty="0" err="1"/>
+              <a:t>DsMus</a:t>
+            </a:r>
+            <a:r>
+              <a:rPr lang="fr-FR" sz="1050" dirty="0"/>
+              <a:t> ms 428-29, Fol. 1r., https://iiifserv.ulb.tu-darmstadt.de/tify2/avi.html? </a:t>
+            </a:r>
+          </a:p>
+          <a:p>
+            <a:r>
+              <a:rPr lang="fr-FR" sz="1050" dirty="0" err="1"/>
+              <a:t>manifest</a:t>
+            </a:r>
+            <a:r>
+              <a:rPr lang="fr-FR" sz="1050" dirty="0"/>
+              <a:t>=https://iiifserv.ulb.tu-darmstadt.de/iiif/Mus-Ms-429-28.json&amp;tify={%22pages</a:t>
+            </a:r>
+          </a:p>
+          <a:p>
+            <a:r>
+              <a:rPr lang="fr-FR" sz="1050" dirty="0"/>
+              <a:t>%22:[2],%22panX%22:0.541,%22panY%22:0.344,%22view%22:%22help%22,</a:t>
+            </a:r>
+          </a:p>
+          <a:p>
+            <a:r>
+              <a:rPr lang="fr-FR" sz="1050" dirty="0"/>
+              <a:t>%22zoom%22:0.683} [31/05/2024]</a:t>
+            </a:r>
+          </a:p>
+        </p:txBody>
+      </p:sp>
+      <p:pic>
+        <p:nvPicPr>
+          <p:cNvPr id="9" name="Grafik 8">
+            <a:extLst>
+              <a:ext uri="{FF2B5EF4-FFF2-40B4-BE49-F238E27FC236}">
+                <a16:creationId xmlns:a16="http://schemas.microsoft.com/office/drawing/2014/main" id="{16215B01-219E-CAF7-E7BA-2A71EC0CB188}"/>
+              </a:ext>
+            </a:extLst>
+          </p:cNvPr>
+          <p:cNvPicPr>
+            <a:picLocks noChangeAspect="1"/>
+          </p:cNvPicPr>
+          <p:nvPr/>
+        </p:nvPicPr>
+        <p:blipFill rotWithShape="1">
+          <a:blip r:embed="rId4"/>
+          <a:srcRect b="48384"/>
+          <a:stretch/>
+        </p:blipFill>
+        <p:spPr>
+          <a:xfrm>
+            <a:off x="6247116" y="358373"/>
+            <a:ext cx="5125165" cy="2591304"/>
+          </a:xfrm>
+          <a:prstGeom prst="rect">
+            <a:avLst/>
+          </a:prstGeom>
+        </p:spPr>
+      </p:pic>
+      <p:sp>
+        <p:nvSpPr>
+          <p:cNvPr id="11" name="Textfeld 10">
+            <a:extLst>
+              <a:ext uri="{FF2B5EF4-FFF2-40B4-BE49-F238E27FC236}">
+                <a16:creationId xmlns:a16="http://schemas.microsoft.com/office/drawing/2014/main" id="{62AE47FD-3457-29DF-83A7-441A7D1D37BC}"/>
+              </a:ext>
+            </a:extLst>
+          </p:cNvPr>
+          <p:cNvSpPr txBox="1"/>
+          <p:nvPr/>
+        </p:nvSpPr>
+        <p:spPr>
+          <a:xfrm>
+            <a:off x="6247116" y="3429000"/>
+            <a:ext cx="5020440" cy="900246"/>
+          </a:xfrm>
+          <a:prstGeom prst="rect">
+            <a:avLst/>
+          </a:prstGeom>
+          <a:noFill/>
+        </p:spPr>
+        <p:txBody>
+          <a:bodyPr wrap="square" rtlCol="0">
+            <a:spAutoFit/>
+          </a:bodyPr>
+          <a:lstStyle/>
+          <a:p>
+            <a:r>
+              <a:rPr lang="fr-FR" sz="1050" dirty="0"/>
+              <a:t>Christoph </a:t>
+            </a:r>
+            <a:r>
+              <a:rPr lang="fr-FR" sz="1050" dirty="0" err="1"/>
+              <a:t>Graupner</a:t>
+            </a:r>
+            <a:r>
+              <a:rPr lang="fr-FR" sz="1050" dirty="0"/>
+              <a:t>, </a:t>
+            </a:r>
+            <a:r>
+              <a:rPr lang="fr-FR" sz="1050" i="1" dirty="0" err="1"/>
+              <a:t>Hertzlich</a:t>
+            </a:r>
+            <a:r>
+              <a:rPr lang="fr-FR" sz="1050" i="1" dirty="0"/>
+              <a:t> </a:t>
+            </a:r>
+            <a:r>
+              <a:rPr lang="fr-FR" sz="1050" i="1" dirty="0" err="1"/>
+              <a:t>thut</a:t>
+            </a:r>
+            <a:r>
+              <a:rPr lang="fr-FR" sz="1050" i="1" dirty="0"/>
+              <a:t> </a:t>
+            </a:r>
+            <a:r>
+              <a:rPr lang="fr-FR" sz="1050" i="1" dirty="0" err="1"/>
+              <a:t>mich</a:t>
+            </a:r>
+            <a:r>
+              <a:rPr lang="fr-FR" sz="1050" i="1" dirty="0"/>
+              <a:t> </a:t>
+            </a:r>
+            <a:r>
+              <a:rPr lang="fr-FR" sz="1050" i="1" dirty="0" err="1"/>
+              <a:t>verlangen</a:t>
+            </a:r>
+            <a:r>
+              <a:rPr lang="fr-FR" sz="1050" i="1" dirty="0"/>
+              <a:t>, </a:t>
+            </a:r>
+            <a:r>
+              <a:rPr lang="fr-FR" sz="1050" dirty="0"/>
+              <a:t>ms, </a:t>
+            </a:r>
+          </a:p>
+          <a:p>
+            <a:r>
+              <a:rPr lang="fr-FR" sz="1050" dirty="0"/>
+              <a:t>D-</a:t>
+            </a:r>
+            <a:r>
+              <a:rPr lang="fr-FR" sz="1050" dirty="0" err="1"/>
+              <a:t>DsMus</a:t>
+            </a:r>
+            <a:r>
+              <a:rPr lang="fr-FR" sz="1050" dirty="0"/>
+              <a:t> ms 428-29, Fol. 8v, https://iiifserv.ulb.tu-darmstadt.de/tify2/avi.html?manifest=https://iiifserv.ulb.tu-darmstadt.de/iiif/Mus-Ms-429-28.json&amp;tify={%22pages%22:[17] ,%22panX%22:0.467,%22panY% 22:0.331,%22view%22:%22help%22,%22zoom%22:0.683} [31/05/2024]</a:t>
+            </a:r>
+          </a:p>
+        </p:txBody>
+      </p:sp>
+      <p:sp>
+        <p:nvSpPr>
+          <p:cNvPr id="12" name="Textfeld 11">
+            <a:extLst>
+              <a:ext uri="{FF2B5EF4-FFF2-40B4-BE49-F238E27FC236}">
+                <a16:creationId xmlns:a16="http://schemas.microsoft.com/office/drawing/2014/main" id="{2A538311-B026-42CE-38E5-825F6DD0D106}"/>
+              </a:ext>
+            </a:extLst>
+          </p:cNvPr>
+          <p:cNvSpPr txBox="1"/>
+          <p:nvPr/>
+        </p:nvSpPr>
+        <p:spPr>
+          <a:xfrm>
+            <a:off x="8141110" y="2979171"/>
+            <a:ext cx="1414170" cy="461665"/>
+          </a:xfrm>
+          <a:prstGeom prst="rect">
+            <a:avLst/>
+          </a:prstGeom>
+          <a:noFill/>
+        </p:spPr>
+        <p:txBody>
+          <a:bodyPr wrap="none" rtlCol="0">
+            <a:spAutoFit/>
+          </a:bodyPr>
+          <a:lstStyle/>
+          <a:p>
+            <a:r>
+              <a:rPr lang="fr-FR" sz="2400" b="1" dirty="0">
+                <a:solidFill>
+                  <a:srgbClr val="C00000"/>
+                </a:solidFill>
+              </a:rPr>
+              <a:t>Source A</a:t>
+            </a:r>
+          </a:p>
+        </p:txBody>
+      </p:sp>
+      <p:sp>
+        <p:nvSpPr>
+          <p:cNvPr id="13" name="Textfeld 12">
+            <a:extLst>
+              <a:ext uri="{FF2B5EF4-FFF2-40B4-BE49-F238E27FC236}">
+                <a16:creationId xmlns:a16="http://schemas.microsoft.com/office/drawing/2014/main" id="{4BD3261A-FD90-2257-F81D-56EE24B01DBF}"/>
+              </a:ext>
+            </a:extLst>
+          </p:cNvPr>
+          <p:cNvSpPr txBox="1"/>
+          <p:nvPr/>
+        </p:nvSpPr>
+        <p:spPr>
+          <a:xfrm>
+            <a:off x="1863211" y="2954594"/>
+            <a:ext cx="1414170" cy="461665"/>
+          </a:xfrm>
+          <a:prstGeom prst="rect">
+            <a:avLst/>
+          </a:prstGeom>
+          <a:noFill/>
+        </p:spPr>
+        <p:txBody>
+          <a:bodyPr wrap="none" rtlCol="0">
+            <a:spAutoFit/>
+          </a:bodyPr>
+          <a:lstStyle/>
+          <a:p>
+            <a:r>
+              <a:rPr lang="fr-FR" sz="2400" b="1" dirty="0">
+                <a:solidFill>
+                  <a:srgbClr val="C00000"/>
+                </a:solidFill>
+              </a:rPr>
+              <a:t>Source B</a:t>
+            </a:r>
+          </a:p>
+        </p:txBody>
+      </p:sp>
+    </p:spTree>
+    <p:extLst>
+      <p:ext uri="{BB962C8B-B14F-4D97-AF65-F5344CB8AC3E}">
+        <p14:creationId xmlns:p14="http://schemas.microsoft.com/office/powerpoint/2010/main" val="2089418173"/>
+      </p:ext>
+    </p:extLst>
+  </p:cSld>
+  <p:clrMapOvr>
+    <a:masterClrMapping/>
+  </p:clrMapOvr>
+</p:sld>
+</file>
+
 <file path=ppt/slides/slide19.xml><?xml version="1.0" encoding="utf-8"?>
-<p:sld xmlns:a="http://schemas.openxmlformats.org/drawingml/2006/main" xmlns:r="http://schemas.openxmlformats.org/officeDocument/2006/relationships" xmlns:p="http://schemas.openxmlformats.org/presentationml/2006/main">
+<p:sld xmlns:a="http://schemas.openxmlformats.org/drawingml/2006/main" xmlns:r="http://schemas.openxmlformats.org/officeDocument/2006/relationships" xmlns:p="http://schemas.openxmlformats.org/presentationml/2006/main" show="0">
   <p:cSld>
     <p:spTree>
       <p:nvGrpSpPr>
@@ -13197,63 +13754,13 @@
           <a:p>
             <a:r>
               <a:rPr lang="fr-FR" dirty="0"/>
-              <a:t>Aperçu : nos questions</a:t>
-            </a:r>
-          </a:p>
-          <a:p>
-            <a:r>
-              <a:rPr lang="fr-FR" dirty="0"/>
-              <a:t>Nos problèmes :</a:t>
-            </a:r>
-          </a:p>
-          <a:p>
-            <a:pPr marL="871200" lvl="1" indent="-457200">
-              <a:buFont typeface="+mj-lt"/>
-              <a:buAutoNum type="romanUcPeriod"/>
-            </a:pPr>
-            <a:r>
-              <a:rPr lang="fr-FR" dirty="0"/>
-              <a:t>Relation entre le document parent et les documents enfants</a:t>
-            </a:r>
-          </a:p>
-          <a:p>
-            <a:pPr marL="871200" lvl="1" indent="-457200">
-              <a:buFont typeface="+mj-lt"/>
-              <a:buAutoNum type="romanUcPeriod"/>
-            </a:pPr>
-            <a:r>
-              <a:rPr lang="fr-FR" dirty="0"/>
-              <a:t>Rapport entre &lt;source&gt; et &lt;manifestation&gt; </a:t>
-            </a:r>
-          </a:p>
-          <a:p>
-            <a:pPr marL="871200" lvl="1" indent="-457200">
-              <a:buFont typeface="+mj-lt"/>
-              <a:buAutoNum type="romanUcPeriod"/>
-            </a:pPr>
-            <a:r>
-              <a:rPr lang="fr-FR" dirty="0"/>
-              <a:t>Renvoi vers plusieurs pages dans le facsimile</a:t>
-            </a:r>
-          </a:p>
-          <a:p>
-            <a:pPr marL="871200" lvl="1" indent="-457200">
-              <a:buFont typeface="+mj-lt"/>
-              <a:buAutoNum type="romanUcPeriod"/>
-            </a:pPr>
-            <a:r>
-              <a:rPr lang="fr-FR" dirty="0"/>
-              <a:t>Référence des fac-similés dans &lt;body&gt;</a:t>
-            </a:r>
-          </a:p>
-          <a:p>
-            <a:pPr marL="871200" lvl="1" indent="-457200">
-              <a:buFont typeface="+mj-lt"/>
-              <a:buAutoNum type="romanUcPeriod"/>
-            </a:pPr>
-            <a:r>
-              <a:rPr lang="fr-FR" dirty="0"/>
-              <a:t>Modélisation de la structure logique des fac-similés</a:t>
+              <a:t>Aperçu : nos quatre questions</a:t>
+            </a:r>
+          </a:p>
+          <a:p>
+            <a:r>
+              <a:rPr lang="fr-FR" dirty="0"/>
+              <a:t>Nos réponses provisoires</a:t>
             </a:r>
           </a:p>
         </p:txBody>
@@ -13353,11 +13860,191 @@
   <p:clrMapOvr>
     <a:masterClrMapping/>
   </p:clrMapOvr>
+  <p:timing>
+    <p:tnLst>
+      <p:par>
+        <p:cTn id="1" dur="indefinite" restart="never" nodeType="tmRoot">
+          <p:childTnLst>
+            <p:seq concurrent="1" nextAc="seek">
+              <p:cTn id="2" dur="indefinite" nodeType="mainSeq">
+                <p:childTnLst>
+                  <p:par>
+                    <p:cTn id="3" fill="hold">
+                      <p:stCondLst>
+                        <p:cond delay="indefinite"/>
+                      </p:stCondLst>
+                      <p:childTnLst>
+                        <p:par>
+                          <p:cTn id="4" fill="hold">
+                            <p:stCondLst>
+                              <p:cond delay="0"/>
+                            </p:stCondLst>
+                            <p:childTnLst>
+                              <p:par>
+                                <p:cTn id="5" presetID="1" presetClass="entr" presetSubtype="0" fill="hold" grpId="0" nodeType="clickEffect">
+                                  <p:stCondLst>
+                                    <p:cond delay="0"/>
+                                  </p:stCondLst>
+                                  <p:childTnLst>
+                                    <p:set>
+                                      <p:cBhvr>
+                                        <p:cTn id="6" dur="1" fill="hold">
+                                          <p:stCondLst>
+                                            <p:cond delay="0"/>
+                                          </p:stCondLst>
+                                        </p:cTn>
+                                        <p:tgtEl>
+                                          <p:spTgt spid="3">
+                                            <p:txEl>
+                                              <p:pRg st="0" end="0"/>
+                                            </p:txEl>
+                                          </p:spTgt>
+                                        </p:tgtEl>
+                                        <p:attrNameLst>
+                                          <p:attrName>style.visibility</p:attrName>
+                                        </p:attrNameLst>
+                                      </p:cBhvr>
+                                      <p:to>
+                                        <p:strVal val="visible"/>
+                                      </p:to>
+                                    </p:set>
+                                  </p:childTnLst>
+                                </p:cTn>
+                              </p:par>
+                            </p:childTnLst>
+                          </p:cTn>
+                        </p:par>
+                      </p:childTnLst>
+                    </p:cTn>
+                  </p:par>
+                  <p:par>
+                    <p:cTn id="7" fill="hold">
+                      <p:stCondLst>
+                        <p:cond delay="indefinite"/>
+                      </p:stCondLst>
+                      <p:childTnLst>
+                        <p:par>
+                          <p:cTn id="8" fill="hold">
+                            <p:stCondLst>
+                              <p:cond delay="0"/>
+                            </p:stCondLst>
+                            <p:childTnLst>
+                              <p:par>
+                                <p:cTn id="9" presetID="1" presetClass="entr" presetSubtype="0" fill="hold" grpId="0" nodeType="clickEffect">
+                                  <p:stCondLst>
+                                    <p:cond delay="0"/>
+                                  </p:stCondLst>
+                                  <p:childTnLst>
+                                    <p:set>
+                                      <p:cBhvr>
+                                        <p:cTn id="10" dur="1" fill="hold">
+                                          <p:stCondLst>
+                                            <p:cond delay="0"/>
+                                          </p:stCondLst>
+                                        </p:cTn>
+                                        <p:tgtEl>
+                                          <p:spTgt spid="3">
+                                            <p:txEl>
+                                              <p:pRg st="1" end="1"/>
+                                            </p:txEl>
+                                          </p:spTgt>
+                                        </p:tgtEl>
+                                        <p:attrNameLst>
+                                          <p:attrName>style.visibility</p:attrName>
+                                        </p:attrNameLst>
+                                      </p:cBhvr>
+                                      <p:to>
+                                        <p:strVal val="visible"/>
+                                      </p:to>
+                                    </p:set>
+                                  </p:childTnLst>
+                                </p:cTn>
+                              </p:par>
+                            </p:childTnLst>
+                          </p:cTn>
+                        </p:par>
+                      </p:childTnLst>
+                    </p:cTn>
+                  </p:par>
+                  <p:par>
+                    <p:cTn id="11" fill="hold">
+                      <p:stCondLst>
+                        <p:cond delay="indefinite"/>
+                      </p:stCondLst>
+                      <p:childTnLst>
+                        <p:par>
+                          <p:cTn id="12" fill="hold">
+                            <p:stCondLst>
+                              <p:cond delay="0"/>
+                            </p:stCondLst>
+                            <p:childTnLst>
+                              <p:par>
+                                <p:cTn id="13" presetID="1" presetClass="entr" presetSubtype="0" fill="hold" grpId="0" nodeType="clickEffect">
+                                  <p:stCondLst>
+                                    <p:cond delay="0"/>
+                                  </p:stCondLst>
+                                  <p:childTnLst>
+                                    <p:set>
+                                      <p:cBhvr>
+                                        <p:cTn id="14" dur="1" fill="hold">
+                                          <p:stCondLst>
+                                            <p:cond delay="0"/>
+                                          </p:stCondLst>
+                                        </p:cTn>
+                                        <p:tgtEl>
+                                          <p:spTgt spid="3">
+                                            <p:txEl>
+                                              <p:pRg st="2" end="2"/>
+                                            </p:txEl>
+                                          </p:spTgt>
+                                        </p:tgtEl>
+                                        <p:attrNameLst>
+                                          <p:attrName>style.visibility</p:attrName>
+                                        </p:attrNameLst>
+                                      </p:cBhvr>
+                                      <p:to>
+                                        <p:strVal val="visible"/>
+                                      </p:to>
+                                    </p:set>
+                                  </p:childTnLst>
+                                </p:cTn>
+                              </p:par>
+                            </p:childTnLst>
+                          </p:cTn>
+                        </p:par>
+                      </p:childTnLst>
+                    </p:cTn>
+                  </p:par>
+                </p:childTnLst>
+              </p:cTn>
+              <p:prevCondLst>
+                <p:cond evt="onPrev" delay="0">
+                  <p:tgtEl>
+                    <p:sldTgt/>
+                  </p:tgtEl>
+                </p:cond>
+              </p:prevCondLst>
+              <p:nextCondLst>
+                <p:cond evt="onNext" delay="0">
+                  <p:tgtEl>
+                    <p:sldTgt/>
+                  </p:tgtEl>
+                </p:cond>
+              </p:nextCondLst>
+            </p:seq>
+          </p:childTnLst>
+        </p:cTn>
+      </p:par>
+    </p:tnLst>
+    <p:bldLst>
+      <p:bldP spid="3" grpId="0" build="p"/>
+    </p:bldLst>
+  </p:timing>
 </p:sld>
 </file>
 
 <file path=ppt/slides/slide20.xml><?xml version="1.0" encoding="utf-8"?>
-<p:sld xmlns:a="http://schemas.openxmlformats.org/drawingml/2006/main" xmlns:r="http://schemas.openxmlformats.org/officeDocument/2006/relationships" xmlns:p="http://schemas.openxmlformats.org/presentationml/2006/main">
+<p:sld xmlns:a="http://schemas.openxmlformats.org/drawingml/2006/main" xmlns:r="http://schemas.openxmlformats.org/officeDocument/2006/relationships" xmlns:p="http://schemas.openxmlformats.org/presentationml/2006/main" show="0">
   <p:cSld>
     <p:spTree>
       <p:nvGrpSpPr>
@@ -17477,16 +18164,25 @@
           <a:p>
             <a:r>
               <a:rPr lang="fr-FR" dirty="0"/>
-              <a:t>Source imprimée pour le livret écrit par Johann Conrad Lichtenberg, numérisé aussi : [Link </a:t>
-            </a:r>
-            <a:r>
-              <a:rPr lang="fr-FR" dirty="0" err="1"/>
-              <a:t>einfügen</a:t>
-            </a:r>
-            <a:r>
-              <a:rPr lang="fr-FR" dirty="0"/>
-              <a:t>]</a:t>
-            </a:r>
+              <a:t>Source imprimée pour le livret écrit par Johann Conrad Lichtenberg, numérisé aussi : </a:t>
+            </a:r>
+            <a:r>
+              <a:rPr lang="fr-FR" dirty="0">
+                <a:hlinkClick r:id="rId4"/>
+              </a:rPr>
+              <a:t>https://archiv.ub.uni-marburg.de/ubfind/Record/urn:nbn:de:hebis:04-eb2011-0009</a:t>
+            </a:r>
+            <a:r>
+              <a:rPr lang="fr-FR">
+                <a:hlinkClick r:id="rId4"/>
+              </a:rPr>
+              <a:t>/View</a:t>
+            </a:r>
+            <a:r>
+              <a:rPr lang="fr-FR"/>
+              <a:t> </a:t>
+            </a:r>
+            <a:endParaRPr lang="fr-FR" dirty="0"/>
           </a:p>
           <a:p>
             <a:r>
@@ -17613,6 +18309,235 @@
   <p:clrMapOvr>
     <a:masterClrMapping/>
   </p:clrMapOvr>
+  <p:timing>
+    <p:tnLst>
+      <p:par>
+        <p:cTn id="1" dur="indefinite" restart="never" nodeType="tmRoot">
+          <p:childTnLst>
+            <p:seq concurrent="1" nextAc="seek">
+              <p:cTn id="2" dur="indefinite" nodeType="mainSeq">
+                <p:childTnLst>
+                  <p:par>
+                    <p:cTn id="3" fill="hold">
+                      <p:stCondLst>
+                        <p:cond delay="indefinite"/>
+                      </p:stCondLst>
+                      <p:childTnLst>
+                        <p:par>
+                          <p:cTn id="4" fill="hold">
+                            <p:stCondLst>
+                              <p:cond delay="0"/>
+                            </p:stCondLst>
+                            <p:childTnLst>
+                              <p:par>
+                                <p:cTn id="5" presetID="1" presetClass="entr" presetSubtype="0" fill="hold" grpId="0" nodeType="clickEffect">
+                                  <p:stCondLst>
+                                    <p:cond delay="0"/>
+                                  </p:stCondLst>
+                                  <p:childTnLst>
+                                    <p:set>
+                                      <p:cBhvr>
+                                        <p:cTn id="6" dur="1" fill="hold">
+                                          <p:stCondLst>
+                                            <p:cond delay="0"/>
+                                          </p:stCondLst>
+                                        </p:cTn>
+                                        <p:tgtEl>
+                                          <p:spTgt spid="3">
+                                            <p:txEl>
+                                              <p:pRg st="0" end="0"/>
+                                            </p:txEl>
+                                          </p:spTgt>
+                                        </p:tgtEl>
+                                        <p:attrNameLst>
+                                          <p:attrName>style.visibility</p:attrName>
+                                        </p:attrNameLst>
+                                      </p:cBhvr>
+                                      <p:to>
+                                        <p:strVal val="visible"/>
+                                      </p:to>
+                                    </p:set>
+                                  </p:childTnLst>
+                                </p:cTn>
+                              </p:par>
+                            </p:childTnLst>
+                          </p:cTn>
+                        </p:par>
+                      </p:childTnLst>
+                    </p:cTn>
+                  </p:par>
+                  <p:par>
+                    <p:cTn id="7" fill="hold">
+                      <p:stCondLst>
+                        <p:cond delay="indefinite"/>
+                      </p:stCondLst>
+                      <p:childTnLst>
+                        <p:par>
+                          <p:cTn id="8" fill="hold">
+                            <p:stCondLst>
+                              <p:cond delay="0"/>
+                            </p:stCondLst>
+                            <p:childTnLst>
+                              <p:par>
+                                <p:cTn id="9" presetID="1" presetClass="entr" presetSubtype="0" fill="hold" grpId="0" nodeType="clickEffect">
+                                  <p:stCondLst>
+                                    <p:cond delay="0"/>
+                                  </p:stCondLst>
+                                  <p:childTnLst>
+                                    <p:set>
+                                      <p:cBhvr>
+                                        <p:cTn id="10" dur="1" fill="hold">
+                                          <p:stCondLst>
+                                            <p:cond delay="0"/>
+                                          </p:stCondLst>
+                                        </p:cTn>
+                                        <p:tgtEl>
+                                          <p:spTgt spid="3">
+                                            <p:txEl>
+                                              <p:pRg st="1" end="1"/>
+                                            </p:txEl>
+                                          </p:spTgt>
+                                        </p:tgtEl>
+                                        <p:attrNameLst>
+                                          <p:attrName>style.visibility</p:attrName>
+                                        </p:attrNameLst>
+                                      </p:cBhvr>
+                                      <p:to>
+                                        <p:strVal val="visible"/>
+                                      </p:to>
+                                    </p:set>
+                                  </p:childTnLst>
+                                </p:cTn>
+                              </p:par>
+                            </p:childTnLst>
+                          </p:cTn>
+                        </p:par>
+                      </p:childTnLst>
+                    </p:cTn>
+                  </p:par>
+                  <p:par>
+                    <p:cTn id="11" fill="hold">
+                      <p:stCondLst>
+                        <p:cond delay="indefinite"/>
+                      </p:stCondLst>
+                      <p:childTnLst>
+                        <p:par>
+                          <p:cTn id="12" fill="hold">
+                            <p:stCondLst>
+                              <p:cond delay="0"/>
+                            </p:stCondLst>
+                            <p:childTnLst>
+                              <p:par>
+                                <p:cTn id="13" presetID="1" presetClass="entr" presetSubtype="0" fill="hold" grpId="0" nodeType="clickEffect">
+                                  <p:stCondLst>
+                                    <p:cond delay="0"/>
+                                  </p:stCondLst>
+                                  <p:childTnLst>
+                                    <p:set>
+                                      <p:cBhvr>
+                                        <p:cTn id="14" dur="1" fill="hold">
+                                          <p:stCondLst>
+                                            <p:cond delay="0"/>
+                                          </p:stCondLst>
+                                        </p:cTn>
+                                        <p:tgtEl>
+                                          <p:spTgt spid="3">
+                                            <p:txEl>
+                                              <p:pRg st="2" end="2"/>
+                                            </p:txEl>
+                                          </p:spTgt>
+                                        </p:tgtEl>
+                                        <p:attrNameLst>
+                                          <p:attrName>style.visibility</p:attrName>
+                                        </p:attrNameLst>
+                                      </p:cBhvr>
+                                      <p:to>
+                                        <p:strVal val="visible"/>
+                                      </p:to>
+                                    </p:set>
+                                  </p:childTnLst>
+                                </p:cTn>
+                              </p:par>
+                            </p:childTnLst>
+                          </p:cTn>
+                        </p:par>
+                      </p:childTnLst>
+                    </p:cTn>
+                  </p:par>
+                  <p:par>
+                    <p:cTn id="15" fill="hold">
+                      <p:stCondLst>
+                        <p:cond delay="indefinite"/>
+                      </p:stCondLst>
+                      <p:childTnLst>
+                        <p:par>
+                          <p:cTn id="16" fill="hold">
+                            <p:stCondLst>
+                              <p:cond delay="0"/>
+                            </p:stCondLst>
+                            <p:childTnLst>
+                              <p:par>
+                                <p:cTn id="17" presetID="1" presetClass="entr" presetSubtype="0" fill="hold" grpId="0" nodeType="clickEffect">
+                                  <p:stCondLst>
+                                    <p:cond delay="0"/>
+                                  </p:stCondLst>
+                                  <p:childTnLst>
+                                    <p:set>
+                                      <p:cBhvr>
+                                        <p:cTn id="18" dur="1" fill="hold">
+                                          <p:stCondLst>
+                                            <p:cond delay="0"/>
+                                          </p:stCondLst>
+                                        </p:cTn>
+                                        <p:tgtEl>
+                                          <p:spTgt spid="3">
+                                            <p:txEl>
+                                              <p:pRg st="3" end="3"/>
+                                            </p:txEl>
+                                          </p:spTgt>
+                                        </p:tgtEl>
+                                        <p:attrNameLst>
+                                          <p:attrName>style.visibility</p:attrName>
+                                        </p:attrNameLst>
+                                      </p:cBhvr>
+                                      <p:to>
+                                        <p:strVal val="visible"/>
+                                      </p:to>
+                                    </p:set>
+                                  </p:childTnLst>
+                                </p:cTn>
+                              </p:par>
+                            </p:childTnLst>
+                          </p:cTn>
+                        </p:par>
+                      </p:childTnLst>
+                    </p:cTn>
+                  </p:par>
+                </p:childTnLst>
+              </p:cTn>
+              <p:prevCondLst>
+                <p:cond evt="onPrev" delay="0">
+                  <p:tgtEl>
+                    <p:sldTgt/>
+                  </p:tgtEl>
+                </p:cond>
+              </p:prevCondLst>
+              <p:nextCondLst>
+                <p:cond evt="onNext" delay="0">
+                  <p:tgtEl>
+                    <p:sldTgt/>
+                  </p:tgtEl>
+                </p:cond>
+              </p:nextCondLst>
+            </p:seq>
+          </p:childTnLst>
+        </p:cTn>
+      </p:par>
+    </p:tnLst>
+    <p:bldLst>
+      <p:bldP spid="3" grpId="0" build="p"/>
+    </p:bldLst>
+  </p:timing>
 </p:sld>
 </file>
 
@@ -18762,6 +19687,184 @@
   <p:clrMapOvr>
     <a:masterClrMapping/>
   </p:clrMapOvr>
+  <p:timing>
+    <p:tnLst>
+      <p:par>
+        <p:cTn id="1" dur="indefinite" restart="never" nodeType="tmRoot">
+          <p:childTnLst>
+            <p:seq concurrent="1" nextAc="seek">
+              <p:cTn id="2" dur="indefinite" nodeType="mainSeq">
+                <p:childTnLst>
+                  <p:par>
+                    <p:cTn id="3" fill="hold">
+                      <p:stCondLst>
+                        <p:cond delay="indefinite"/>
+                      </p:stCondLst>
+                      <p:childTnLst>
+                        <p:par>
+                          <p:cTn id="4" fill="hold">
+                            <p:stCondLst>
+                              <p:cond delay="0"/>
+                            </p:stCondLst>
+                            <p:childTnLst>
+                              <p:par>
+                                <p:cTn id="5" presetID="1" presetClass="entr" presetSubtype="0" fill="hold" nodeType="clickEffect">
+                                  <p:stCondLst>
+                                    <p:cond delay="0"/>
+                                  </p:stCondLst>
+                                  <p:childTnLst>
+                                    <p:set>
+                                      <p:cBhvr>
+                                        <p:cTn id="6" dur="1" fill="hold">
+                                          <p:stCondLst>
+                                            <p:cond delay="0"/>
+                                          </p:stCondLst>
+                                        </p:cTn>
+                                        <p:tgtEl>
+                                          <p:spTgt spid="6"/>
+                                        </p:tgtEl>
+                                        <p:attrNameLst>
+                                          <p:attrName>style.visibility</p:attrName>
+                                        </p:attrNameLst>
+                                      </p:cBhvr>
+                                      <p:to>
+                                        <p:strVal val="visible"/>
+                                      </p:to>
+                                    </p:set>
+                                  </p:childTnLst>
+                                </p:cTn>
+                              </p:par>
+                              <p:par>
+                                <p:cTn id="7" presetID="1" presetClass="entr" presetSubtype="0" fill="hold" grpId="0" nodeType="withEffect">
+                                  <p:stCondLst>
+                                    <p:cond delay="0"/>
+                                  </p:stCondLst>
+                                  <p:childTnLst>
+                                    <p:set>
+                                      <p:cBhvr>
+                                        <p:cTn id="8" dur="1" fill="hold">
+                                          <p:stCondLst>
+                                            <p:cond delay="0"/>
+                                          </p:stCondLst>
+                                        </p:cTn>
+                                        <p:tgtEl>
+                                          <p:spTgt spid="7"/>
+                                        </p:tgtEl>
+                                        <p:attrNameLst>
+                                          <p:attrName>style.visibility</p:attrName>
+                                        </p:attrNameLst>
+                                      </p:cBhvr>
+                                      <p:to>
+                                        <p:strVal val="visible"/>
+                                      </p:to>
+                                    </p:set>
+                                  </p:childTnLst>
+                                </p:cTn>
+                              </p:par>
+                            </p:childTnLst>
+                          </p:cTn>
+                        </p:par>
+                      </p:childTnLst>
+                    </p:cTn>
+                  </p:par>
+                  <p:par>
+                    <p:cTn id="9" fill="hold">
+                      <p:stCondLst>
+                        <p:cond delay="indefinite"/>
+                      </p:stCondLst>
+                      <p:childTnLst>
+                        <p:par>
+                          <p:cTn id="10" fill="hold">
+                            <p:stCondLst>
+                              <p:cond delay="0"/>
+                            </p:stCondLst>
+                            <p:childTnLst>
+                              <p:par>
+                                <p:cTn id="11" presetID="1" presetClass="entr" presetSubtype="0" fill="hold" nodeType="clickEffect">
+                                  <p:stCondLst>
+                                    <p:cond delay="0"/>
+                                  </p:stCondLst>
+                                  <p:childTnLst>
+                                    <p:set>
+                                      <p:cBhvr>
+                                        <p:cTn id="12" dur="1" fill="hold">
+                                          <p:stCondLst>
+                                            <p:cond delay="0"/>
+                                          </p:stCondLst>
+                                        </p:cTn>
+                                        <p:tgtEl>
+                                          <p:spTgt spid="9"/>
+                                        </p:tgtEl>
+                                        <p:attrNameLst>
+                                          <p:attrName>style.visibility</p:attrName>
+                                        </p:attrNameLst>
+                                      </p:cBhvr>
+                                      <p:to>
+                                        <p:strVal val="visible"/>
+                                      </p:to>
+                                    </p:set>
+                                  </p:childTnLst>
+                                </p:cTn>
+                              </p:par>
+                              <p:par>
+                                <p:cTn id="13" presetID="1" presetClass="entr" presetSubtype="0" fill="hold" grpId="0" nodeType="withEffect">
+                                  <p:stCondLst>
+                                    <p:cond delay="0"/>
+                                  </p:stCondLst>
+                                  <p:childTnLst>
+                                    <p:set>
+                                      <p:cBhvr>
+                                        <p:cTn id="14" dur="1" fill="hold">
+                                          <p:stCondLst>
+                                            <p:cond delay="0"/>
+                                          </p:stCondLst>
+                                        </p:cTn>
+                                        <p:tgtEl>
+                                          <p:spTgt spid="11"/>
+                                        </p:tgtEl>
+                                        <p:attrNameLst>
+                                          <p:attrName>style.visibility</p:attrName>
+                                        </p:attrNameLst>
+                                      </p:cBhvr>
+                                      <p:to>
+                                        <p:strVal val="visible"/>
+                                      </p:to>
+                                    </p:set>
+                                  </p:childTnLst>
+                                </p:cTn>
+                              </p:par>
+                            </p:childTnLst>
+                          </p:cTn>
+                        </p:par>
+                      </p:childTnLst>
+                    </p:cTn>
+                  </p:par>
+                </p:childTnLst>
+              </p:cTn>
+              <p:prevCondLst>
+                <p:cond evt="onPrev" delay="0">
+                  <p:tgtEl>
+                    <p:sldTgt/>
+                  </p:tgtEl>
+                </p:cond>
+              </p:prevCondLst>
+              <p:nextCondLst>
+                <p:cond evt="onNext" delay="0">
+                  <p:tgtEl>
+                    <p:sldTgt/>
+                  </p:tgtEl>
+                </p:cond>
+              </p:nextCondLst>
+            </p:seq>
+          </p:childTnLst>
+        </p:cTn>
+      </p:par>
+    </p:tnLst>
+    <p:bldLst>
+      <p:bldP spid="7" grpId="0"/>
+      <p:bldP spid="11" grpId="0"/>
+    </p:bldLst>
+  </p:timing>
 </p:sld>
 </file>
 
@@ -18805,7 +19908,7 @@
           <a:p>
             <a:r>
               <a:rPr lang="fr-FR" dirty="0"/>
-              <a:t>5 Questions</a:t>
+              <a:t>4 Questions</a:t>
             </a:r>
           </a:p>
         </p:txBody>
@@ -18833,51 +19936,44 @@
           </a:bodyPr>
           <a:lstStyle/>
           <a:p>
+            <a:pPr marL="494100" indent="-457200">
+              <a:buFont typeface="+mj-lt"/>
+              <a:buAutoNum type="arabicPeriod"/>
+            </a:pPr>
             <a:r>
               <a:rPr lang="fr-FR" dirty="0"/>
               <a:t>Comment définir correctement la relation entre le document parent et les documents enfants?</a:t>
             </a:r>
           </a:p>
           <a:p>
+            <a:pPr marL="494100" indent="-457200">
+              <a:buFont typeface="+mj-lt"/>
+              <a:buAutoNum type="arabicPeriod"/>
+            </a:pPr>
             <a:r>
               <a:rPr lang="fr-FR" dirty="0"/>
               <a:t>Comment modéliser les relations entre les sources et les manifestations ?</a:t>
             </a:r>
           </a:p>
           <a:p>
-            <a:r>
-              <a:rPr lang="fr-FR" dirty="0"/>
-              <a:t>Comment référencer un ensemble de plusieurs pages dans le fac-similé (p. ex. dans &lt;</a:t>
-            </a:r>
-            <a:r>
-              <a:rPr lang="fr-FR" dirty="0" err="1"/>
-              <a:t>editorialDecl</a:t>
-            </a:r>
-            <a:r>
-              <a:rPr lang="fr-FR" dirty="0"/>
-              <a:t>&gt; ou &lt;</a:t>
-            </a:r>
-            <a:r>
-              <a:rPr lang="fr-FR" dirty="0" err="1"/>
-              <a:t>manifestationList</a:t>
-            </a:r>
-            <a:r>
-              <a:rPr lang="fr-FR" dirty="0"/>
-              <a:t>&gt;) ? </a:t>
-            </a:r>
-          </a:p>
-          <a:p>
-            <a:r>
-              <a:rPr lang="fr-FR" dirty="0"/>
-              <a:t>Comment référencer les fac-similés dans &lt;body&gt; ?</a:t>
-            </a:r>
-          </a:p>
-          <a:p>
-            <a:r>
-              <a:rPr lang="fr-FR" sz="2000" dirty="0"/>
-              <a:t>Comment modéliser la structure logique d’un facsimile (manifestation 1) indépendamment de la structure de l’édition électronique (explicite dans &lt;body&gt;) ?</a:t>
-            </a:r>
-            <a:endParaRPr lang="fr-FR" dirty="0"/>
+            <a:pPr marL="494100" indent="-457200">
+              <a:buFont typeface="+mj-lt"/>
+              <a:buAutoNum type="arabicPeriod"/>
+            </a:pPr>
+            <a:r>
+              <a:rPr lang="fr-FR" dirty="0"/>
+              <a:t>Comment restituer l'organisation logique du fac-similé, par exemple pour renvoyer à des sections particulières (partie de hautbois, etc.) ? </a:t>
+            </a:r>
+          </a:p>
+          <a:p>
+            <a:pPr marL="494100" indent="-457200">
+              <a:buFont typeface="+mj-lt"/>
+              <a:buAutoNum type="arabicPeriod"/>
+            </a:pPr>
+            <a:r>
+              <a:rPr lang="fr-FR" dirty="0"/>
+              <a:t>Comment gérer les relations complexes entre &lt;facsimile&gt; (deux sources musicales) et &lt;body&gt; (une édition) ?</a:t>
+            </a:r>
           </a:p>
         </p:txBody>
       </p:sp>
@@ -18976,6 +20072,235 @@
   <p:clrMapOvr>
     <a:masterClrMapping/>
   </p:clrMapOvr>
+  <p:timing>
+    <p:tnLst>
+      <p:par>
+        <p:cTn id="1" dur="indefinite" restart="never" nodeType="tmRoot">
+          <p:childTnLst>
+            <p:seq concurrent="1" nextAc="seek">
+              <p:cTn id="2" dur="indefinite" nodeType="mainSeq">
+                <p:childTnLst>
+                  <p:par>
+                    <p:cTn id="3" fill="hold">
+                      <p:stCondLst>
+                        <p:cond delay="indefinite"/>
+                      </p:stCondLst>
+                      <p:childTnLst>
+                        <p:par>
+                          <p:cTn id="4" fill="hold">
+                            <p:stCondLst>
+                              <p:cond delay="0"/>
+                            </p:stCondLst>
+                            <p:childTnLst>
+                              <p:par>
+                                <p:cTn id="5" presetID="1" presetClass="entr" presetSubtype="0" fill="hold" grpId="0" nodeType="clickEffect">
+                                  <p:stCondLst>
+                                    <p:cond delay="0"/>
+                                  </p:stCondLst>
+                                  <p:childTnLst>
+                                    <p:set>
+                                      <p:cBhvr>
+                                        <p:cTn id="6" dur="1" fill="hold">
+                                          <p:stCondLst>
+                                            <p:cond delay="0"/>
+                                          </p:stCondLst>
+                                        </p:cTn>
+                                        <p:tgtEl>
+                                          <p:spTgt spid="3">
+                                            <p:txEl>
+                                              <p:pRg st="0" end="0"/>
+                                            </p:txEl>
+                                          </p:spTgt>
+                                        </p:tgtEl>
+                                        <p:attrNameLst>
+                                          <p:attrName>style.visibility</p:attrName>
+                                        </p:attrNameLst>
+                                      </p:cBhvr>
+                                      <p:to>
+                                        <p:strVal val="visible"/>
+                                      </p:to>
+                                    </p:set>
+                                  </p:childTnLst>
+                                </p:cTn>
+                              </p:par>
+                            </p:childTnLst>
+                          </p:cTn>
+                        </p:par>
+                      </p:childTnLst>
+                    </p:cTn>
+                  </p:par>
+                  <p:par>
+                    <p:cTn id="7" fill="hold">
+                      <p:stCondLst>
+                        <p:cond delay="indefinite"/>
+                      </p:stCondLst>
+                      <p:childTnLst>
+                        <p:par>
+                          <p:cTn id="8" fill="hold">
+                            <p:stCondLst>
+                              <p:cond delay="0"/>
+                            </p:stCondLst>
+                            <p:childTnLst>
+                              <p:par>
+                                <p:cTn id="9" presetID="1" presetClass="entr" presetSubtype="0" fill="hold" grpId="0" nodeType="clickEffect">
+                                  <p:stCondLst>
+                                    <p:cond delay="0"/>
+                                  </p:stCondLst>
+                                  <p:childTnLst>
+                                    <p:set>
+                                      <p:cBhvr>
+                                        <p:cTn id="10" dur="1" fill="hold">
+                                          <p:stCondLst>
+                                            <p:cond delay="0"/>
+                                          </p:stCondLst>
+                                        </p:cTn>
+                                        <p:tgtEl>
+                                          <p:spTgt spid="3">
+                                            <p:txEl>
+                                              <p:pRg st="1" end="1"/>
+                                            </p:txEl>
+                                          </p:spTgt>
+                                        </p:tgtEl>
+                                        <p:attrNameLst>
+                                          <p:attrName>style.visibility</p:attrName>
+                                        </p:attrNameLst>
+                                      </p:cBhvr>
+                                      <p:to>
+                                        <p:strVal val="visible"/>
+                                      </p:to>
+                                    </p:set>
+                                  </p:childTnLst>
+                                </p:cTn>
+                              </p:par>
+                            </p:childTnLst>
+                          </p:cTn>
+                        </p:par>
+                      </p:childTnLst>
+                    </p:cTn>
+                  </p:par>
+                  <p:par>
+                    <p:cTn id="11" fill="hold">
+                      <p:stCondLst>
+                        <p:cond delay="indefinite"/>
+                      </p:stCondLst>
+                      <p:childTnLst>
+                        <p:par>
+                          <p:cTn id="12" fill="hold">
+                            <p:stCondLst>
+                              <p:cond delay="0"/>
+                            </p:stCondLst>
+                            <p:childTnLst>
+                              <p:par>
+                                <p:cTn id="13" presetID="1" presetClass="entr" presetSubtype="0" fill="hold" grpId="0" nodeType="clickEffect">
+                                  <p:stCondLst>
+                                    <p:cond delay="0"/>
+                                  </p:stCondLst>
+                                  <p:childTnLst>
+                                    <p:set>
+                                      <p:cBhvr>
+                                        <p:cTn id="14" dur="1" fill="hold">
+                                          <p:stCondLst>
+                                            <p:cond delay="0"/>
+                                          </p:stCondLst>
+                                        </p:cTn>
+                                        <p:tgtEl>
+                                          <p:spTgt spid="3">
+                                            <p:txEl>
+                                              <p:pRg st="2" end="2"/>
+                                            </p:txEl>
+                                          </p:spTgt>
+                                        </p:tgtEl>
+                                        <p:attrNameLst>
+                                          <p:attrName>style.visibility</p:attrName>
+                                        </p:attrNameLst>
+                                      </p:cBhvr>
+                                      <p:to>
+                                        <p:strVal val="visible"/>
+                                      </p:to>
+                                    </p:set>
+                                  </p:childTnLst>
+                                </p:cTn>
+                              </p:par>
+                            </p:childTnLst>
+                          </p:cTn>
+                        </p:par>
+                      </p:childTnLst>
+                    </p:cTn>
+                  </p:par>
+                  <p:par>
+                    <p:cTn id="15" fill="hold">
+                      <p:stCondLst>
+                        <p:cond delay="indefinite"/>
+                      </p:stCondLst>
+                      <p:childTnLst>
+                        <p:par>
+                          <p:cTn id="16" fill="hold">
+                            <p:stCondLst>
+                              <p:cond delay="0"/>
+                            </p:stCondLst>
+                            <p:childTnLst>
+                              <p:par>
+                                <p:cTn id="17" presetID="1" presetClass="entr" presetSubtype="0" fill="hold" grpId="0" nodeType="clickEffect">
+                                  <p:stCondLst>
+                                    <p:cond delay="0"/>
+                                  </p:stCondLst>
+                                  <p:childTnLst>
+                                    <p:set>
+                                      <p:cBhvr>
+                                        <p:cTn id="18" dur="1" fill="hold">
+                                          <p:stCondLst>
+                                            <p:cond delay="0"/>
+                                          </p:stCondLst>
+                                        </p:cTn>
+                                        <p:tgtEl>
+                                          <p:spTgt spid="3">
+                                            <p:txEl>
+                                              <p:pRg st="3" end="3"/>
+                                            </p:txEl>
+                                          </p:spTgt>
+                                        </p:tgtEl>
+                                        <p:attrNameLst>
+                                          <p:attrName>style.visibility</p:attrName>
+                                        </p:attrNameLst>
+                                      </p:cBhvr>
+                                      <p:to>
+                                        <p:strVal val="visible"/>
+                                      </p:to>
+                                    </p:set>
+                                  </p:childTnLst>
+                                </p:cTn>
+                              </p:par>
+                            </p:childTnLst>
+                          </p:cTn>
+                        </p:par>
+                      </p:childTnLst>
+                    </p:cTn>
+                  </p:par>
+                </p:childTnLst>
+              </p:cTn>
+              <p:prevCondLst>
+                <p:cond evt="onPrev" delay="0">
+                  <p:tgtEl>
+                    <p:sldTgt/>
+                  </p:tgtEl>
+                </p:cond>
+              </p:prevCondLst>
+              <p:nextCondLst>
+                <p:cond evt="onNext" delay="0">
+                  <p:tgtEl>
+                    <p:sldTgt/>
+                  </p:tgtEl>
+                </p:cond>
+              </p:nextCondLst>
+            </p:seq>
+          </p:childTnLst>
+        </p:cTn>
+      </p:par>
+    </p:tnLst>
+    <p:bldLst>
+      <p:bldP spid="3" grpId="0" build="p"/>
+    </p:bldLst>
+  </p:timing>
 </p:sld>
 </file>
 
@@ -19019,7 +20344,7 @@
           <a:p>
             <a:r>
               <a:rPr lang="fr-FR" dirty="0"/>
-              <a:t>I.	Relation entre document parent et enfants</a:t>
+              <a:t>1.	Relation entre document parent et enfants</a:t>
             </a:r>
           </a:p>
         </p:txBody>
@@ -19045,7 +20370,15 @@
           <a:bodyPr/>
           <a:lstStyle/>
           <a:p>
-            <a:endParaRPr lang="fr-FR"/>
+            <a:pPr marL="36900"/>
+            <a:r>
+              <a:rPr lang="fr-FR" dirty="0"/>
+              <a:t>Comment définir correctement la relation entre le document parent et les documents enfants?</a:t>
+            </a:r>
+          </a:p>
+          <a:p>
+            <a:pPr marL="36900"/>
+            <a:endParaRPr lang="fr-FR" dirty="0"/>
           </a:p>
         </p:txBody>
       </p:sp>
@@ -19380,6 +20713,284 @@
   <p:clrMapOvr>
     <a:masterClrMapping/>
   </p:clrMapOvr>
+  <p:timing>
+    <p:tnLst>
+      <p:par>
+        <p:cTn id="1" dur="indefinite" restart="never" nodeType="tmRoot">
+          <p:childTnLst>
+            <p:seq concurrent="1" nextAc="seek">
+              <p:cTn id="2" dur="indefinite" nodeType="mainSeq">
+                <p:childTnLst>
+                  <p:par>
+                    <p:cTn id="3" fill="hold">
+                      <p:stCondLst>
+                        <p:cond delay="indefinite"/>
+                      </p:stCondLst>
+                      <p:childTnLst>
+                        <p:par>
+                          <p:cTn id="4" fill="hold">
+                            <p:stCondLst>
+                              <p:cond delay="0"/>
+                            </p:stCondLst>
+                            <p:childTnLst>
+                              <p:par>
+                                <p:cTn id="5" presetID="1" presetClass="entr" presetSubtype="0" fill="hold" grpId="0" nodeType="clickEffect">
+                                  <p:stCondLst>
+                                    <p:cond delay="0"/>
+                                  </p:stCondLst>
+                                  <p:childTnLst>
+                                    <p:set>
+                                      <p:cBhvr>
+                                        <p:cTn id="6" dur="1" fill="hold">
+                                          <p:stCondLst>
+                                            <p:cond delay="0"/>
+                                          </p:stCondLst>
+                                        </p:cTn>
+                                        <p:tgtEl>
+                                          <p:spTgt spid="3">
+                                            <p:txEl>
+                                              <p:pRg st="0" end="0"/>
+                                            </p:txEl>
+                                          </p:spTgt>
+                                        </p:tgtEl>
+                                        <p:attrNameLst>
+                                          <p:attrName>style.visibility</p:attrName>
+                                        </p:attrNameLst>
+                                      </p:cBhvr>
+                                      <p:to>
+                                        <p:strVal val="visible"/>
+                                      </p:to>
+                                    </p:set>
+                                  </p:childTnLst>
+                                </p:cTn>
+                              </p:par>
+                            </p:childTnLst>
+                          </p:cTn>
+                        </p:par>
+                      </p:childTnLst>
+                    </p:cTn>
+                  </p:par>
+                  <p:par>
+                    <p:cTn id="7" fill="hold">
+                      <p:stCondLst>
+                        <p:cond delay="indefinite"/>
+                      </p:stCondLst>
+                      <p:childTnLst>
+                        <p:par>
+                          <p:cTn id="8" fill="hold">
+                            <p:stCondLst>
+                              <p:cond delay="0"/>
+                            </p:stCondLst>
+                            <p:childTnLst>
+                              <p:par>
+                                <p:cTn id="9" presetID="1" presetClass="entr" presetSubtype="0" fill="hold" grpId="0" nodeType="clickEffect">
+                                  <p:stCondLst>
+                                    <p:cond delay="0"/>
+                                  </p:stCondLst>
+                                  <p:childTnLst>
+                                    <p:set>
+                                      <p:cBhvr>
+                                        <p:cTn id="10" dur="1" fill="hold">
+                                          <p:stCondLst>
+                                            <p:cond delay="0"/>
+                                          </p:stCondLst>
+                                        </p:cTn>
+                                        <p:tgtEl>
+                                          <p:spTgt spid="3">
+                                            <p:txEl>
+                                              <p:pRg st="1" end="1"/>
+                                            </p:txEl>
+                                          </p:spTgt>
+                                        </p:tgtEl>
+                                        <p:attrNameLst>
+                                          <p:attrName>style.visibility</p:attrName>
+                                        </p:attrNameLst>
+                                      </p:cBhvr>
+                                      <p:to>
+                                        <p:strVal val="visible"/>
+                                      </p:to>
+                                    </p:set>
+                                  </p:childTnLst>
+                                </p:cTn>
+                              </p:par>
+                            </p:childTnLst>
+                          </p:cTn>
+                        </p:par>
+                      </p:childTnLst>
+                    </p:cTn>
+                  </p:par>
+                  <p:par>
+                    <p:cTn id="11" fill="hold">
+                      <p:stCondLst>
+                        <p:cond delay="indefinite"/>
+                      </p:stCondLst>
+                      <p:childTnLst>
+                        <p:par>
+                          <p:cTn id="12" fill="hold">
+                            <p:stCondLst>
+                              <p:cond delay="0"/>
+                            </p:stCondLst>
+                            <p:childTnLst>
+                              <p:par>
+                                <p:cTn id="13" presetID="1" presetClass="entr" presetSubtype="0" fill="hold" grpId="0" nodeType="clickEffect">
+                                  <p:stCondLst>
+                                    <p:cond delay="0"/>
+                                  </p:stCondLst>
+                                  <p:childTnLst>
+                                    <p:set>
+                                      <p:cBhvr>
+                                        <p:cTn id="14" dur="1" fill="hold">
+                                          <p:stCondLst>
+                                            <p:cond delay="0"/>
+                                          </p:stCondLst>
+                                        </p:cTn>
+                                        <p:tgtEl>
+                                          <p:spTgt spid="3">
+                                            <p:txEl>
+                                              <p:pRg st="2" end="2"/>
+                                            </p:txEl>
+                                          </p:spTgt>
+                                        </p:tgtEl>
+                                        <p:attrNameLst>
+                                          <p:attrName>style.visibility</p:attrName>
+                                        </p:attrNameLst>
+                                      </p:cBhvr>
+                                      <p:to>
+                                        <p:strVal val="visible"/>
+                                      </p:to>
+                                    </p:set>
+                                  </p:childTnLst>
+                                </p:cTn>
+                              </p:par>
+                            </p:childTnLst>
+                          </p:cTn>
+                        </p:par>
+                      </p:childTnLst>
+                    </p:cTn>
+                  </p:par>
+                  <p:par>
+                    <p:cTn id="15" fill="hold">
+                      <p:stCondLst>
+                        <p:cond delay="indefinite"/>
+                      </p:stCondLst>
+                      <p:childTnLst>
+                        <p:par>
+                          <p:cTn id="16" fill="hold">
+                            <p:stCondLst>
+                              <p:cond delay="0"/>
+                            </p:stCondLst>
+                            <p:childTnLst>
+                              <p:par>
+                                <p:cTn id="17" presetID="1" presetClass="entr" presetSubtype="0" fill="hold" grpId="0" nodeType="clickEffect">
+                                  <p:stCondLst>
+                                    <p:cond delay="0"/>
+                                  </p:stCondLst>
+                                  <p:childTnLst>
+                                    <p:set>
+                                      <p:cBhvr>
+                                        <p:cTn id="18" dur="1" fill="hold">
+                                          <p:stCondLst>
+                                            <p:cond delay="0"/>
+                                          </p:stCondLst>
+                                        </p:cTn>
+                                        <p:tgtEl>
+                                          <p:spTgt spid="3">
+                                            <p:txEl>
+                                              <p:pRg st="3" end="3"/>
+                                            </p:txEl>
+                                          </p:spTgt>
+                                        </p:tgtEl>
+                                        <p:attrNameLst>
+                                          <p:attrName>style.visibility</p:attrName>
+                                        </p:attrNameLst>
+                                      </p:cBhvr>
+                                      <p:to>
+                                        <p:strVal val="visible"/>
+                                      </p:to>
+                                    </p:set>
+                                  </p:childTnLst>
+                                </p:cTn>
+                              </p:par>
+                            </p:childTnLst>
+                          </p:cTn>
+                        </p:par>
+                      </p:childTnLst>
+                    </p:cTn>
+                  </p:par>
+                  <p:par>
+                    <p:cTn id="19" fill="hold">
+                      <p:stCondLst>
+                        <p:cond delay="indefinite"/>
+                      </p:stCondLst>
+                      <p:childTnLst>
+                        <p:par>
+                          <p:cTn id="20" fill="hold">
+                            <p:stCondLst>
+                              <p:cond delay="0"/>
+                            </p:stCondLst>
+                            <p:childTnLst>
+                              <p:par>
+                                <p:cTn id="21" presetID="1" presetClass="entr" presetSubtype="0" fill="hold" grpId="0" nodeType="clickEffect">
+                                  <p:stCondLst>
+                                    <p:cond delay="0"/>
+                                  </p:stCondLst>
+                                  <p:childTnLst>
+                                    <p:set>
+                                      <p:cBhvr>
+                                        <p:cTn id="22" dur="1" fill="hold">
+                                          <p:stCondLst>
+                                            <p:cond delay="0"/>
+                                          </p:stCondLst>
+                                        </p:cTn>
+                                        <p:tgtEl>
+                                          <p:spTgt spid="3">
+                                            <p:txEl>
+                                              <p:pRg st="4" end="4"/>
+                                            </p:txEl>
+                                          </p:spTgt>
+                                        </p:tgtEl>
+                                        <p:attrNameLst>
+                                          <p:attrName>style.visibility</p:attrName>
+                                        </p:attrNameLst>
+                                      </p:cBhvr>
+                                      <p:to>
+                                        <p:strVal val="visible"/>
+                                      </p:to>
+                                    </p:set>
+                                  </p:childTnLst>
+                                </p:cTn>
+                              </p:par>
+                            </p:childTnLst>
+                          </p:cTn>
+                        </p:par>
+                      </p:childTnLst>
+                    </p:cTn>
+                  </p:par>
+                </p:childTnLst>
+              </p:cTn>
+              <p:prevCondLst>
+                <p:cond evt="onPrev" delay="0">
+                  <p:tgtEl>
+                    <p:sldTgt/>
+                  </p:tgtEl>
+                </p:cond>
+              </p:prevCondLst>
+              <p:nextCondLst>
+                <p:cond evt="onNext" delay="0">
+                  <p:tgtEl>
+                    <p:sldTgt/>
+                  </p:tgtEl>
+                </p:cond>
+              </p:nextCondLst>
+            </p:seq>
+          </p:childTnLst>
+        </p:cTn>
+      </p:par>
+    </p:tnLst>
+    <p:bldLst>
+      <p:bldP spid="3" grpId="0" build="p"/>
+    </p:bldLst>
+  </p:timing>
 </p:sld>
 </file>
 
@@ -19658,7 +21269,7 @@
           <p:cNvPr id="2" name="Titel 1">
             <a:extLst>
               <a:ext uri="{FF2B5EF4-FFF2-40B4-BE49-F238E27FC236}">
-                <a16:creationId xmlns:a16="http://schemas.microsoft.com/office/drawing/2014/main" id="{E9B6FD49-9CA2-16BA-A827-89B6043C8578}"/>
+                <a16:creationId xmlns:a16="http://schemas.microsoft.com/office/drawing/2014/main" id="{30822C52-BA18-EB39-CD56-27ECF3F7C901}"/>
               </a:ext>
             </a:extLst>
           </p:cNvPr>
@@ -19671,24 +21282,22 @@
         </p:nvSpPr>
         <p:spPr/>
         <p:txBody>
-          <a:bodyPr>
-            <a:normAutofit fontScale="90000"/>
-          </a:bodyPr>
-          <a:lstStyle/>
-          <a:p>
-            <a:r>
-              <a:rPr lang="fr-FR" dirty="0"/>
-              <a:t>Division entre un document parent et sept documents enfants : comment ? </a:t>
-            </a:r>
-          </a:p>
-        </p:txBody>
-      </p:sp>
-      <p:sp>
-        <p:nvSpPr>
-          <p:cNvPr id="7" name="Textplatzhalter 6">
+          <a:bodyPr/>
+          <a:lstStyle/>
+          <a:p>
+            <a:r>
+              <a:rPr lang="fr-FR" dirty="0"/>
+              <a:t>2. Rapport entre &lt;source&gt; et &lt;manifestation&gt; </a:t>
+            </a:r>
+          </a:p>
+        </p:txBody>
+      </p:sp>
+      <p:sp>
+        <p:nvSpPr>
+          <p:cNvPr id="3" name="Textplatzhalter 2">
             <a:extLst>
               <a:ext uri="{FF2B5EF4-FFF2-40B4-BE49-F238E27FC236}">
-                <a16:creationId xmlns:a16="http://schemas.microsoft.com/office/drawing/2014/main" id="{3C378CDC-BB6E-D5BC-C22C-AE698746166F}"/>
+                <a16:creationId xmlns:a16="http://schemas.microsoft.com/office/drawing/2014/main" id="{50D210DA-C1E6-F819-3FD2-4DB6816D51F2}"/>
               </a:ext>
             </a:extLst>
           </p:cNvPr>
@@ -19705,31 +21314,21 @@
           <a:lstStyle/>
           <a:p>
             <a:r>
-              <a:rPr lang="fr-FR" sz="1800" dirty="0"/>
-              <a:t>0_Mere_Herzlich tut </a:t>
-            </a:r>
-            <a:r>
-              <a:rPr lang="fr-FR" sz="1800" dirty="0" err="1"/>
-              <a:t>mich</a:t>
-            </a:r>
-            <a:r>
-              <a:rPr lang="fr-FR" sz="1800" dirty="0"/>
-              <a:t> </a:t>
-            </a:r>
-            <a:r>
-              <a:rPr lang="fr-FR" sz="1800" dirty="0" err="1"/>
-              <a:t>verlangen.mei</a:t>
-            </a:r>
-            <a:endParaRPr lang="fr-FR" sz="1800" dirty="0"/>
-          </a:p>
-        </p:txBody>
-      </p:sp>
-      <p:sp>
-        <p:nvSpPr>
-          <p:cNvPr id="9" name="Textplatzhalter 8">
+              <a:rPr lang="fr-FR" dirty="0"/>
+              <a:t>Comment modéliser les relations entre les sources et les manifestations ?</a:t>
+            </a:r>
+          </a:p>
+          <a:p>
+            <a:endParaRPr lang="fr-FR" dirty="0"/>
+          </a:p>
+        </p:txBody>
+      </p:sp>
+      <p:sp>
+        <p:nvSpPr>
+          <p:cNvPr id="4" name="Datumsplatzhalter 3">
             <a:extLst>
               <a:ext uri="{FF2B5EF4-FFF2-40B4-BE49-F238E27FC236}">
-                <a16:creationId xmlns:a16="http://schemas.microsoft.com/office/drawing/2014/main" id="{E263F9CD-4581-8085-0561-28C6ABFBC1B2}"/>
+                <a16:creationId xmlns:a16="http://schemas.microsoft.com/office/drawing/2014/main" id="{23F8FA57-7525-F845-C1A5-300F7B56DC35}"/>
               </a:ext>
             </a:extLst>
           </p:cNvPr>
@@ -19737,40 +21336,27 @@
             <a:spLocks noGrp="1"/>
           </p:cNvSpPr>
           <p:nvPr>
-            <p:ph type="body" sz="quarter" idx="3"/>
-          </p:nvPr>
-        </p:nvSpPr>
-        <p:spPr/>
-        <p:txBody>
-          <a:bodyPr/>
-          <a:lstStyle/>
-          <a:p>
-            <a:r>
-              <a:rPr lang="fr-FR" sz="1800" dirty="0"/>
-              <a:t>p. ex. 1_Choral_Herzlich tut </a:t>
-            </a:r>
-            <a:r>
-              <a:rPr lang="fr-FR" sz="1800" dirty="0" err="1"/>
-              <a:t>mich</a:t>
-            </a:r>
-            <a:r>
-              <a:rPr lang="fr-FR" sz="1800" dirty="0"/>
-              <a:t> </a:t>
-            </a:r>
-            <a:r>
-              <a:rPr lang="fr-FR" sz="1800" dirty="0" err="1"/>
-              <a:t>verlangen.mei</a:t>
-            </a:r>
-            <a:endParaRPr lang="fr-FR" sz="1800" dirty="0"/>
-          </a:p>
-        </p:txBody>
-      </p:sp>
-      <p:sp>
-        <p:nvSpPr>
-          <p:cNvPr id="4" name="Datumsplatzhalter 3">
+            <p:ph type="dt" sz="half" idx="10"/>
+          </p:nvPr>
+        </p:nvSpPr>
+        <p:spPr/>
+        <p:txBody>
+          <a:bodyPr/>
+          <a:lstStyle/>
+          <a:p>
+            <a:r>
+              <a:rPr lang="fr-FR"/>
+              <a:t>11/06/2024</a:t>
+            </a:r>
+          </a:p>
+        </p:txBody>
+      </p:sp>
+      <p:sp>
+        <p:nvSpPr>
+          <p:cNvPr id="5" name="Fußzeilenplatzhalter 4">
             <a:extLst>
               <a:ext uri="{FF2B5EF4-FFF2-40B4-BE49-F238E27FC236}">
-                <a16:creationId xmlns:a16="http://schemas.microsoft.com/office/drawing/2014/main" id="{7F41AE56-593E-FA55-511C-83DE9C2FDFC2}"/>
+                <a16:creationId xmlns:a16="http://schemas.microsoft.com/office/drawing/2014/main" id="{E6AD92D1-0B48-BA4F-6A0E-A3B54DF00227}"/>
               </a:ext>
             </a:extLst>
           </p:cNvPr>
@@ -19778,34 +21364,6 @@
             <a:spLocks noGrp="1"/>
           </p:cNvSpPr>
           <p:nvPr>
-            <p:ph type="dt" sz="half" idx="10"/>
-          </p:nvPr>
-        </p:nvSpPr>
-        <p:spPr/>
-        <p:txBody>
-          <a:bodyPr/>
-          <a:lstStyle/>
-          <a:p>
-            <a:r>
-              <a:rPr lang="fr-FR"/>
-              <a:t>11/06/2024</a:t>
-            </a:r>
-          </a:p>
-        </p:txBody>
-      </p:sp>
-      <p:sp>
-        <p:nvSpPr>
-          <p:cNvPr id="5" name="Fußzeilenplatzhalter 4">
-            <a:extLst>
-              <a:ext uri="{FF2B5EF4-FFF2-40B4-BE49-F238E27FC236}">
-                <a16:creationId xmlns:a16="http://schemas.microsoft.com/office/drawing/2014/main" id="{629D9E27-0F6E-B0BD-C4A3-E38DBC67C814}"/>
-              </a:ext>
-            </a:extLst>
-          </p:cNvPr>
-          <p:cNvSpPr>
-            <a:spLocks noGrp="1"/>
-          </p:cNvSpPr>
-          <p:nvPr>
             <p:ph type="ftr" sz="quarter" idx="11"/>
           </p:nvPr>
         </p:nvSpPr>
@@ -19826,7 +21384,7 @@
           <p:cNvPr id="6" name="Foliennummernplatzhalter 5">
             <a:extLst>
               <a:ext uri="{FF2B5EF4-FFF2-40B4-BE49-F238E27FC236}">
-                <a16:creationId xmlns:a16="http://schemas.microsoft.com/office/drawing/2014/main" id="{5BCA206E-1DF9-2ED9-008F-A55C73C1A257}"/>
+                <a16:creationId xmlns:a16="http://schemas.microsoft.com/office/drawing/2014/main" id="{D0D0EBB5-8D80-5297-DD96-C9344D2AA1DD}"/>
               </a:ext>
             </a:extLst>
           </p:cNvPr>
@@ -19850,70 +21408,10 @@
           </a:p>
         </p:txBody>
       </p:sp>
-      <p:pic>
-        <p:nvPicPr>
-          <p:cNvPr id="12" name="Grafik 11">
-            <a:extLst>
-              <a:ext uri="{FF2B5EF4-FFF2-40B4-BE49-F238E27FC236}">
-                <a16:creationId xmlns:a16="http://schemas.microsoft.com/office/drawing/2014/main" id="{D5305999-B61E-B009-A5BD-D06DE901A7E1}"/>
-              </a:ext>
-            </a:extLst>
-          </p:cNvPr>
-          <p:cNvPicPr>
-            <a:picLocks noChangeAspect="1"/>
-          </p:cNvPicPr>
-          <p:nvPr/>
-        </p:nvPicPr>
-        <p:blipFill>
-          <a:blip r:embed="rId3"/>
-          <a:stretch>
-            <a:fillRect/>
-          </a:stretch>
-        </p:blipFill>
-        <p:spPr>
-          <a:xfrm>
-            <a:off x="1001703" y="2809140"/>
-            <a:ext cx="4925112" cy="1276528"/>
-          </a:xfrm>
-          <a:prstGeom prst="rect">
-            <a:avLst/>
-          </a:prstGeom>
-        </p:spPr>
-      </p:pic>
-      <p:pic>
-        <p:nvPicPr>
-          <p:cNvPr id="14" name="Grafik 13">
-            <a:extLst>
-              <a:ext uri="{FF2B5EF4-FFF2-40B4-BE49-F238E27FC236}">
-                <a16:creationId xmlns:a16="http://schemas.microsoft.com/office/drawing/2014/main" id="{AB173ADB-9C7E-540F-578A-FC80948910C4}"/>
-              </a:ext>
-            </a:extLst>
-          </p:cNvPr>
-          <p:cNvPicPr>
-            <a:picLocks noChangeAspect="1"/>
-          </p:cNvPicPr>
-          <p:nvPr/>
-        </p:nvPicPr>
-        <p:blipFill>
-          <a:blip r:embed="rId4"/>
-          <a:stretch>
-            <a:fillRect/>
-          </a:stretch>
-        </p:blipFill>
-        <p:spPr>
-          <a:xfrm>
-            <a:off x="6327807" y="3170872"/>
-            <a:ext cx="4639322" cy="457264"/>
-          </a:xfrm>
-          <a:prstGeom prst="rect">
-            <a:avLst/>
-          </a:prstGeom>
-        </p:spPr>
-      </p:pic>
     </p:spTree>
     <p:extLst>
       <p:ext uri="{BB962C8B-B14F-4D97-AF65-F5344CB8AC3E}">
-        <p14:creationId xmlns:p14="http://schemas.microsoft.com/office/powerpoint/2010/main" val="762619853"/>
+        <p14:creationId xmlns:p14="http://schemas.microsoft.com/office/powerpoint/2010/main" val="2414428815"/>
       </p:ext>
     </p:extLst>
   </p:cSld>

--- a/presentations/Présentation_groupe_MEI.pptx
+++ b/presentations/Présentation_groupe_MEI.pptx
@@ -11343,7 +11343,7 @@
           <a:p>
             <a:r>
               <a:rPr lang="fr-FR" sz="2000" dirty="0"/>
-              <a:t>Le problème: nous voulons renvoyer à 2 folios du facsimile dans un texte descriptif sur la basse continue</a:t>
+              <a:t>Le problème: nous voulons renvoyer à 2 folios du fac-similé dans un texte descriptif sur la basse continue</a:t>
             </a:r>
           </a:p>
         </p:txBody>

--- a/presentations/Présentation_groupe_MEI.pptx
+++ b/presentations/Présentation_groupe_MEI.pptx
@@ -400,7 +400,7 @@
           <a:p>
             <a:fld id="{D61DAB5A-11BB-49B9-85FC-3A4C5D64DB3D}" type="datetimeFigureOut">
               <a:rPr lang="fr-FR" smtClean="0"/>
-              <a:t>10/06/2024</a:t>
+              <a:t>11/06/2024</a:t>
             </a:fld>
             <a:endParaRPr lang="fr-FR"/>
           </a:p>
@@ -10985,7 +10985,7 @@
                             </p:stCondLst>
                             <p:childTnLst>
                               <p:par>
-                                <p:cTn id="49" presetID="1" presetClass="entr" presetSubtype="0" fill="hold" nodeType="clickEffect">
+                                <p:cTn id="49" presetID="1" presetClass="entr" presetSubtype="0" fill="hold" grpId="0" nodeType="clickEffect">
                                   <p:stCondLst>
                                     <p:cond delay="0"/>
                                   </p:stCondLst>
@@ -10993,6 +10993,51 @@
                                     <p:set>
                                       <p:cBhvr>
                                         <p:cTn id="50" dur="1" fill="hold">
+                                          <p:stCondLst>
+                                            <p:cond delay="0"/>
+                                          </p:stCondLst>
+                                        </p:cTn>
+                                        <p:tgtEl>
+                                          <p:spTgt spid="13"/>
+                                        </p:tgtEl>
+                                        <p:attrNameLst>
+                                          <p:attrName>style.visibility</p:attrName>
+                                        </p:attrNameLst>
+                                      </p:cBhvr>
+                                      <p:to>
+                                        <p:strVal val="visible"/>
+                                      </p:to>
+                                    </p:set>
+                                  </p:childTnLst>
+                                </p:cTn>
+                              </p:par>
+                            </p:childTnLst>
+                          </p:cTn>
+                        </p:par>
+                      </p:childTnLst>
+                    </p:cTn>
+                  </p:par>
+                  <p:par>
+                    <p:cTn id="51" fill="hold">
+                      <p:stCondLst>
+                        <p:cond delay="indefinite"/>
+                      </p:stCondLst>
+                      <p:childTnLst>
+                        <p:par>
+                          <p:cTn id="52" fill="hold">
+                            <p:stCondLst>
+                              <p:cond delay="0"/>
+                            </p:stCondLst>
+                            <p:childTnLst>
+                              <p:par>
+                                <p:cTn id="53" presetID="1" presetClass="entr" presetSubtype="0" fill="hold" nodeType="clickEffect">
+                                  <p:stCondLst>
+                                    <p:cond delay="0"/>
+                                  </p:stCondLst>
+                                  <p:childTnLst>
+                                    <p:set>
+                                      <p:cBhvr>
+                                        <p:cTn id="54" dur="1" fill="hold">
                                           <p:stCondLst>
                                             <p:cond delay="0"/>
                                           </p:stCondLst>
@@ -11012,14 +11057,14 @@
                                 </p:cTn>
                               </p:par>
                               <p:par>
-                                <p:cTn id="51" presetID="1" presetClass="entr" presetSubtype="0" fill="hold" nodeType="withEffect">
+                                <p:cTn id="55" presetID="1" presetClass="entr" presetSubtype="0" fill="hold" nodeType="withEffect">
                                   <p:stCondLst>
                                     <p:cond delay="0"/>
                                   </p:stCondLst>
                                   <p:childTnLst>
                                     <p:set>
                                       <p:cBhvr>
-                                        <p:cTn id="52" dur="1" fill="hold">
+                                        <p:cTn id="56" dur="1" fill="hold">
                                           <p:stCondLst>
                                             <p:cond delay="0"/>
                                           </p:stCondLst>
@@ -11045,26 +11090,71 @@
                     </p:cTn>
                   </p:par>
                   <p:par>
-                    <p:cTn id="53" fill="hold">
+                    <p:cTn id="57" fill="hold">
                       <p:stCondLst>
                         <p:cond delay="indefinite"/>
                       </p:stCondLst>
                       <p:childTnLst>
                         <p:par>
-                          <p:cTn id="54" fill="hold">
+                          <p:cTn id="58" fill="hold">
                             <p:stCondLst>
                               <p:cond delay="0"/>
                             </p:stCondLst>
                             <p:childTnLst>
                               <p:par>
-                                <p:cTn id="55" presetID="1" presetClass="entr" presetSubtype="0" fill="hold" nodeType="clickEffect">
+                                <p:cTn id="59" presetID="1" presetClass="entr" presetSubtype="0" fill="hold" grpId="0" nodeType="clickEffect">
                                   <p:stCondLst>
                                     <p:cond delay="0"/>
                                   </p:stCondLst>
                                   <p:childTnLst>
                                     <p:set>
                                       <p:cBhvr>
-                                        <p:cTn id="56" dur="1" fill="hold">
+                                        <p:cTn id="60" dur="1" fill="hold">
+                                          <p:stCondLst>
+                                            <p:cond delay="0"/>
+                                          </p:stCondLst>
+                                        </p:cTn>
+                                        <p:tgtEl>
+                                          <p:spTgt spid="11"/>
+                                        </p:tgtEl>
+                                        <p:attrNameLst>
+                                          <p:attrName>style.visibility</p:attrName>
+                                        </p:attrNameLst>
+                                      </p:cBhvr>
+                                      <p:to>
+                                        <p:strVal val="visible"/>
+                                      </p:to>
+                                    </p:set>
+                                  </p:childTnLst>
+                                </p:cTn>
+                              </p:par>
+                            </p:childTnLst>
+                          </p:cTn>
+                        </p:par>
+                      </p:childTnLst>
+                    </p:cTn>
+                  </p:par>
+                  <p:par>
+                    <p:cTn id="61" fill="hold">
+                      <p:stCondLst>
+                        <p:cond delay="indefinite"/>
+                      </p:stCondLst>
+                      <p:childTnLst>
+                        <p:par>
+                          <p:cTn id="62" fill="hold">
+                            <p:stCondLst>
+                              <p:cond delay="0"/>
+                            </p:stCondLst>
+                            <p:childTnLst>
+                              <p:par>
+                                <p:cTn id="63" presetID="1" presetClass="entr" presetSubtype="0" fill="hold" nodeType="clickEffect">
+                                  <p:stCondLst>
+                                    <p:cond delay="0"/>
+                                  </p:stCondLst>
+                                  <p:childTnLst>
+                                    <p:set>
+                                      <p:cBhvr>
+                                        <p:cTn id="64" dur="1" fill="hold">
                                           <p:stCondLst>
                                             <p:cond delay="0"/>
                                           </p:stCondLst>
@@ -11115,6 +11205,8 @@
       <p:bldP spid="7" grpId="0" animBg="1"/>
       <p:bldP spid="8" grpId="0" animBg="1"/>
       <p:bldP spid="9" grpId="0" animBg="1"/>
+      <p:bldP spid="11" grpId="0" animBg="1"/>
+      <p:bldP spid="13" grpId="0" animBg="1"/>
     </p:bldLst>
   </p:timing>
 </p:sld>
